--- a/HTML_Tools.pptx
+++ b/HTML_Tools.pptx
@@ -16,6 +16,15 @@
     <p:sldId id="266" r:id="rId10"/>
     <p:sldId id="267" r:id="rId11"/>
     <p:sldId id="268" r:id="rId12"/>
+    <p:sldId id="269" r:id="rId13"/>
+    <p:sldId id="270" r:id="rId14"/>
+    <p:sldId id="271" r:id="rId15"/>
+    <p:sldId id="272" r:id="rId16"/>
+    <p:sldId id="273" r:id="rId17"/>
+    <p:sldId id="274" r:id="rId18"/>
+    <p:sldId id="275" r:id="rId19"/>
+    <p:sldId id="276" r:id="rId20"/>
+    <p:sldId id="277" r:id="rId21"/>
   </p:sldIdLst>
   <p:sldSz cx="9144000" cy="6858000" type="screen4x3"/>
   <p:notesSz cx="6858000" cy="9144000"/>
@@ -336,7 +345,8 @@
           <a:p>
             <a:fld id="{14865E5C-F2F7-4A75-92AC-88F3BAD0B444}" type="datetimeFigureOut">
               <a:rPr lang="en-US" smtClean="0"/>
-              <a:t>3/25/2016</a:t>
+              <a:pPr/>
+              <a:t>4/12/2016</a:t>
             </a:fld>
             <a:endParaRPr lang="en-US"/>
           </a:p>
@@ -400,6 +410,7 @@
           <a:p>
             <a:fld id="{A2F768D2-95E0-4EC7-830B-F76232FAC3A3}" type="slidenum">
               <a:rPr lang="en-US" smtClean="0"/>
+              <a:pPr/>
               <a:t>‹#›</a:t>
             </a:fld>
             <a:endParaRPr lang="en-US"/>
@@ -523,7 +534,8 @@
           <a:p>
             <a:fld id="{14865E5C-F2F7-4A75-92AC-88F3BAD0B444}" type="datetimeFigureOut">
               <a:rPr lang="en-US" smtClean="0"/>
-              <a:t>3/25/2016</a:t>
+              <a:pPr/>
+              <a:t>4/12/2016</a:t>
             </a:fld>
             <a:endParaRPr lang="en-US"/>
           </a:p>
@@ -565,6 +577,7 @@
           <a:p>
             <a:fld id="{A2F768D2-95E0-4EC7-830B-F76232FAC3A3}" type="slidenum">
               <a:rPr lang="en-US" smtClean="0"/>
+              <a:pPr/>
               <a:t>‹#›</a:t>
             </a:fld>
             <a:endParaRPr lang="en-US"/>
@@ -698,7 +711,8 @@
           <a:p>
             <a:fld id="{14865E5C-F2F7-4A75-92AC-88F3BAD0B444}" type="datetimeFigureOut">
               <a:rPr lang="en-US" smtClean="0"/>
-              <a:t>3/25/2016</a:t>
+              <a:pPr/>
+              <a:t>4/12/2016</a:t>
             </a:fld>
             <a:endParaRPr lang="en-US"/>
           </a:p>
@@ -740,6 +754,7 @@
           <a:p>
             <a:fld id="{A2F768D2-95E0-4EC7-830B-F76232FAC3A3}" type="slidenum">
               <a:rPr lang="en-US" smtClean="0"/>
+              <a:pPr/>
               <a:t>‹#›</a:t>
             </a:fld>
             <a:endParaRPr lang="en-US"/>
@@ -878,7 +893,8 @@
           <a:p>
             <a:fld id="{14865E5C-F2F7-4A75-92AC-88F3BAD0B444}" type="datetimeFigureOut">
               <a:rPr lang="en-US" smtClean="0"/>
-              <a:t>3/25/2016</a:t>
+              <a:pPr/>
+              <a:t>4/12/2016</a:t>
             </a:fld>
             <a:endParaRPr lang="en-US"/>
           </a:p>
@@ -925,6 +941,7 @@
           <a:p>
             <a:fld id="{A2F768D2-95E0-4EC7-830B-F76232FAC3A3}" type="slidenum">
               <a:rPr lang="en-US" smtClean="0"/>
+              <a:pPr/>
               <a:t>‹#›</a:t>
             </a:fld>
             <a:endParaRPr lang="en-US"/>
@@ -1125,7 +1142,8 @@
           <a:p>
             <a:fld id="{14865E5C-F2F7-4A75-92AC-88F3BAD0B444}" type="datetimeFigureOut">
               <a:rPr lang="en-US" smtClean="0"/>
-              <a:t>3/25/2016</a:t>
+              <a:pPr/>
+              <a:t>4/12/2016</a:t>
             </a:fld>
             <a:endParaRPr lang="en-US"/>
           </a:p>
@@ -1177,6 +1195,7 @@
           <a:p>
             <a:fld id="{A2F768D2-95E0-4EC7-830B-F76232FAC3A3}" type="slidenum">
               <a:rPr lang="en-US" smtClean="0"/>
+              <a:pPr/>
               <a:t>‹#›</a:t>
             </a:fld>
             <a:endParaRPr lang="en-US"/>
@@ -1599,7 +1618,8 @@
           <a:p>
             <a:fld id="{14865E5C-F2F7-4A75-92AC-88F3BAD0B444}" type="datetimeFigureOut">
               <a:rPr lang="en-US" smtClean="0"/>
-              <a:t>3/25/2016</a:t>
+              <a:pPr/>
+              <a:t>4/12/2016</a:t>
             </a:fld>
             <a:endParaRPr lang="en-US"/>
           </a:p>
@@ -1651,6 +1671,7 @@
           <a:p>
             <a:fld id="{A2F768D2-95E0-4EC7-830B-F76232FAC3A3}" type="slidenum">
               <a:rPr lang="en-US" smtClean="0"/>
+              <a:pPr/>
               <a:t>‹#›</a:t>
             </a:fld>
             <a:endParaRPr lang="en-US"/>
@@ -2014,7 +2035,8 @@
           <a:p>
             <a:fld id="{14865E5C-F2F7-4A75-92AC-88F3BAD0B444}" type="datetimeFigureOut">
               <a:rPr lang="en-US" smtClean="0"/>
-              <a:t>3/25/2016</a:t>
+              <a:pPr/>
+              <a:t>4/12/2016</a:t>
             </a:fld>
             <a:endParaRPr lang="en-US"/>
           </a:p>
@@ -2070,6 +2092,7 @@
           <a:p>
             <a:fld id="{A2F768D2-95E0-4EC7-830B-F76232FAC3A3}" type="slidenum">
               <a:rPr lang="en-US" smtClean="0"/>
+              <a:pPr/>
               <a:t>‹#›</a:t>
             </a:fld>
             <a:endParaRPr lang="en-US"/>
@@ -2145,7 +2168,8 @@
           <a:p>
             <a:fld id="{14865E5C-F2F7-4A75-92AC-88F3BAD0B444}" type="datetimeFigureOut">
               <a:rPr lang="en-US" smtClean="0"/>
-              <a:t>3/25/2016</a:t>
+              <a:pPr/>
+              <a:t>4/12/2016</a:t>
             </a:fld>
             <a:endParaRPr lang="en-US"/>
           </a:p>
@@ -2187,6 +2211,7 @@
           <a:p>
             <a:fld id="{A2F768D2-95E0-4EC7-830B-F76232FAC3A3}" type="slidenum">
               <a:rPr lang="en-US" smtClean="0"/>
+              <a:pPr/>
               <a:t>‹#›</a:t>
             </a:fld>
             <a:endParaRPr lang="en-US"/>
@@ -2240,7 +2265,8 @@
           <a:p>
             <a:fld id="{14865E5C-F2F7-4A75-92AC-88F3BAD0B444}" type="datetimeFigureOut">
               <a:rPr lang="en-US" smtClean="0"/>
-              <a:t>3/25/2016</a:t>
+              <a:pPr/>
+              <a:t>4/12/2016</a:t>
             </a:fld>
             <a:endParaRPr lang="en-US"/>
           </a:p>
@@ -2292,6 +2318,7 @@
           <a:p>
             <a:fld id="{A2F768D2-95E0-4EC7-830B-F76232FAC3A3}" type="slidenum">
               <a:rPr lang="en-US" smtClean="0"/>
+              <a:pPr/>
               <a:t>‹#›</a:t>
             </a:fld>
             <a:endParaRPr lang="en-US"/>
@@ -2518,7 +2545,8 @@
           <a:p>
             <a:fld id="{14865E5C-F2F7-4A75-92AC-88F3BAD0B444}" type="datetimeFigureOut">
               <a:rPr lang="en-US" smtClean="0"/>
-              <a:t>3/25/2016</a:t>
+              <a:pPr/>
+              <a:t>4/12/2016</a:t>
             </a:fld>
             <a:endParaRPr lang="en-US"/>
           </a:p>
@@ -2578,6 +2606,7 @@
           <a:p>
             <a:fld id="{A2F768D2-95E0-4EC7-830B-F76232FAC3A3}" type="slidenum">
               <a:rPr lang="en-US" smtClean="0"/>
+              <a:pPr/>
               <a:t>‹#›</a:t>
             </a:fld>
             <a:endParaRPr lang="en-US"/>
@@ -2770,7 +2799,8 @@
           <a:p>
             <a:fld id="{14865E5C-F2F7-4A75-92AC-88F3BAD0B444}" type="datetimeFigureOut">
               <a:rPr lang="en-US" smtClean="0"/>
-              <a:t>3/25/2016</a:t>
+              <a:pPr/>
+              <a:t>4/12/2016</a:t>
             </a:fld>
             <a:endParaRPr lang="en-US"/>
           </a:p>
@@ -2830,6 +2860,7 @@
           <a:p>
             <a:fld id="{A2F768D2-95E0-4EC7-830B-F76232FAC3A3}" type="slidenum">
               <a:rPr lang="en-US" smtClean="0"/>
+              <a:pPr/>
               <a:t>‹#›</a:t>
             </a:fld>
             <a:endParaRPr lang="en-US"/>
@@ -3142,7 +3173,8 @@
           <a:p>
             <a:fld id="{14865E5C-F2F7-4A75-92AC-88F3BAD0B444}" type="datetimeFigureOut">
               <a:rPr lang="en-US" smtClean="0"/>
-              <a:t>3/25/2016</a:t>
+              <a:pPr/>
+              <a:t>4/12/2016</a:t>
             </a:fld>
             <a:endParaRPr lang="en-US"/>
           </a:p>
@@ -3216,6 +3248,7 @@
           <a:p>
             <a:fld id="{A2F768D2-95E0-4EC7-830B-F76232FAC3A3}" type="slidenum">
               <a:rPr lang="en-US" smtClean="0"/>
+              <a:pPr/>
               <a:t>‹#›</a:t>
             </a:fld>
             <a:endParaRPr lang="en-US"/>
@@ -3633,17 +3666,7 @@
                   </a:schemeClr>
                 </a:solidFill>
               </a:rPr>
-              <a:t>g</a:t>
-            </a:r>
-            <a:r>
-              <a:rPr lang="en-US" b="1" dirty="0" smtClean="0">
-                <a:solidFill>
-                  <a:schemeClr val="accent6">
-                    <a:lumMod val="50000"/>
-                  </a:schemeClr>
-                </a:solidFill>
-              </a:rPr>
-              <a:t>it --help</a:t>
+              <a:t>git --help</a:t>
             </a:r>
           </a:p>
           <a:p>
@@ -3691,41 +3714,15 @@
                   </a:schemeClr>
                 </a:solidFill>
               </a:rPr>
-              <a:t>g</a:t>
+              <a:t>git clone </a:t>
             </a:r>
             <a:r>
               <a:rPr lang="en-US" b="1" dirty="0" smtClean="0">
                 <a:solidFill>
-                  <a:schemeClr val="accent6">
-                    <a:lumMod val="50000"/>
-                  </a:schemeClr>
-                </a:solidFill>
-              </a:rPr>
-              <a:t>it clone </a:t>
-            </a:r>
-            <a:r>
-              <a:rPr lang="en-US" b="1" dirty="0" smtClean="0">
-                <a:solidFill>
                   <a:srgbClr val="FFFF00"/>
                 </a:solidFill>
               </a:rPr>
-              <a:t>https clone ur</a:t>
-            </a:r>
-            <a:r>
-              <a:rPr lang="en-US" b="1" dirty="0" smtClean="0">
-                <a:solidFill>
-                  <a:srgbClr val="FFFF00"/>
-                </a:solidFill>
-              </a:rPr>
-              <a:t>l</a:t>
-            </a:r>
-            <a:r>
-              <a:rPr lang="en-US" b="1" dirty="0" smtClean="0">
-                <a:solidFill>
-                  <a:srgbClr val="FFFF00"/>
-                </a:solidFill>
-              </a:rPr>
-              <a:t> (url of the repository)</a:t>
+              <a:t>https clone url (url of the repository)</a:t>
             </a:r>
           </a:p>
           <a:p>
@@ -3968,13 +3965,6 @@
               </a:rPr>
               <a:t> --save-dev</a:t>
             </a:r>
-            <a:endParaRPr lang="en-US" b="1" dirty="0" smtClean="0">
-              <a:solidFill>
-                <a:schemeClr val="accent6">
-                  <a:lumMod val="50000"/>
-                </a:schemeClr>
-              </a:solidFill>
-            </a:endParaRPr>
           </a:p>
           <a:p>
             <a:pPr algn="l"/>
@@ -4087,40 +4077,7 @@
                   </a:schemeClr>
                 </a:solidFill>
               </a:rPr>
-              <a:t>How to </a:t>
-            </a:r>
-            <a:r>
-              <a:rPr lang="en-US" sz="3600" b="1" dirty="0" smtClean="0">
-                <a:solidFill>
-                  <a:schemeClr val="bg1">
-                    <a:lumMod val="95000"/>
-                    <a:lumOff val="5000"/>
-                  </a:schemeClr>
-                </a:solidFill>
-              </a:rPr>
-              <a:t>concat and minify </a:t>
-            </a:r>
-            <a:r>
-              <a:rPr lang="en-US" sz="3600" b="1" dirty="0" smtClean="0">
-                <a:solidFill>
-                  <a:schemeClr val="bg1">
-                    <a:lumMod val="95000"/>
-                    <a:lumOff val="5000"/>
-                  </a:schemeClr>
-                </a:solidFill>
-              </a:rPr>
-              <a:t>files using grunt</a:t>
-            </a:r>
-            <a:r>
-              <a:rPr lang="en-US" sz="3600" b="1" dirty="0" smtClean="0">
-                <a:solidFill>
-                  <a:schemeClr val="bg1">
-                    <a:lumMod val="95000"/>
-                    <a:lumOff val="5000"/>
-                  </a:schemeClr>
-                </a:solidFill>
-              </a:rPr>
-              <a:t>?</a:t>
+              <a:t>How to concat and minify files using grunt?</a:t>
             </a:r>
           </a:p>
           <a:p>
@@ -4571,7 +4528,17 @@
                   </a:schemeClr>
                 </a:solidFill>
               </a:rPr>
-              <a:t> </a:t>
+              <a:t> grunt.registerTask('default',['</a:t>
+            </a:r>
+            <a:r>
+              <a:rPr lang="en-US" sz="3300" b="1" dirty="0" err="1" smtClean="0">
+                <a:solidFill>
+                  <a:schemeClr val="accent6">
+                    <a:lumMod val="50000"/>
+                  </a:schemeClr>
+                </a:solidFill>
+              </a:rPr>
+              <a:t>concat‘,’uglify</a:t>
             </a:r>
             <a:r>
               <a:rPr lang="en-US" sz="3300" b="1" dirty="0" smtClean="0">
@@ -4581,55 +4548,8 @@
                   </a:schemeClr>
                 </a:solidFill>
               </a:rPr>
-              <a:t>grunt.registerTask</a:t>
-            </a:r>
-            <a:r>
-              <a:rPr lang="en-US" sz="3300" b="1" dirty="0" smtClean="0">
-                <a:solidFill>
-                  <a:schemeClr val="accent6">
-                    <a:lumMod val="50000"/>
-                  </a:schemeClr>
-                </a:solidFill>
-              </a:rPr>
-              <a:t>('default',[</a:t>
-            </a:r>
-            <a:r>
-              <a:rPr lang="en-US" sz="3300" b="1" dirty="0" smtClean="0">
-                <a:solidFill>
-                  <a:schemeClr val="accent6">
-                    <a:lumMod val="50000"/>
-                  </a:schemeClr>
-                </a:solidFill>
-              </a:rPr>
-              <a:t>'</a:t>
-            </a:r>
-            <a:r>
-              <a:rPr lang="en-US" sz="3300" b="1" dirty="0" err="1" smtClean="0">
-                <a:solidFill>
-                  <a:schemeClr val="accent6">
-                    <a:lumMod val="50000"/>
-                  </a:schemeClr>
-                </a:solidFill>
-              </a:rPr>
-              <a:t>concat‘,’uglify</a:t>
-            </a:r>
-            <a:r>
-              <a:rPr lang="en-US" sz="3300" b="1" dirty="0" smtClean="0">
-                <a:solidFill>
-                  <a:schemeClr val="accent6">
-                    <a:lumMod val="50000"/>
-                  </a:schemeClr>
-                </a:solidFill>
-              </a:rPr>
               <a:t>’]);</a:t>
             </a:r>
-            <a:endParaRPr lang="en-US" sz="3300" b="1" dirty="0" smtClean="0">
-              <a:solidFill>
-                <a:schemeClr val="accent6">
-                  <a:lumMod val="50000"/>
-                </a:schemeClr>
-              </a:solidFill>
-            </a:endParaRPr>
           </a:p>
           <a:p>
             <a:pPr algn="l"/>
@@ -4742,9 +4662,9 @@
           <a:prstGeom prst="straightConnector1">
             <a:avLst/>
           </a:prstGeom>
-          <a:ln>
+          <a:ln w="38100">
             <a:solidFill>
-              <a:srgbClr val="FFFF00"/>
+              <a:schemeClr val="accent2"/>
             </a:solidFill>
             <a:tailEnd type="arrow"/>
           </a:ln>
@@ -4849,9 +4769,9 @@
           <a:prstGeom prst="straightConnector1">
             <a:avLst/>
           </a:prstGeom>
-          <a:ln>
+          <a:ln w="38100">
             <a:solidFill>
-              <a:srgbClr val="FFFF00"/>
+              <a:schemeClr val="accent2"/>
             </a:solidFill>
             <a:tailEnd type="arrow"/>
           </a:ln>
@@ -4871,6 +4791,5118 @@
           </a:fontRef>
         </p:style>
       </p:cxnSp>
+    </p:spTree>
+  </p:cSld>
+  <p:clrMapOvr>
+    <a:masterClrMapping/>
+  </p:clrMapOvr>
+</p:sld>
+</file>
+
+<file path=ppt/slides/slide12.xml><?xml version="1.0" encoding="utf-8"?>
+<p:sld xmlns:a="http://schemas.openxmlformats.org/drawingml/2006/main" xmlns:r="http://schemas.openxmlformats.org/officeDocument/2006/relationships" xmlns:p="http://schemas.openxmlformats.org/presentationml/2006/main">
+  <p:cSld>
+    <p:spTree>
+      <p:nvGrpSpPr>
+        <p:cNvPr id="1" name=""/>
+        <p:cNvGrpSpPr/>
+        <p:nvPr/>
+      </p:nvGrpSpPr>
+      <p:grpSpPr>
+        <a:xfrm>
+          <a:off x="0" y="0"/>
+          <a:ext cx="0" cy="0"/>
+          <a:chOff x="0" y="0"/>
+          <a:chExt cx="0" cy="0"/>
+        </a:xfrm>
+      </p:grpSpPr>
+      <p:sp>
+        <p:nvSpPr>
+          <p:cNvPr id="3" name="Subtitle 2"/>
+          <p:cNvSpPr>
+            <a:spLocks noGrp="1"/>
+          </p:cNvSpPr>
+          <p:nvPr>
+            <p:ph type="subTitle" idx="1"/>
+          </p:nvPr>
+        </p:nvSpPr>
+        <p:spPr>
+          <a:xfrm>
+            <a:off x="152400" y="228600"/>
+            <a:ext cx="8991600" cy="6629400"/>
+          </a:xfrm>
+        </p:spPr>
+        <p:txBody>
+          <a:bodyPr>
+            <a:normAutofit fontScale="62500" lnSpcReduction="20000"/>
+          </a:bodyPr>
+          <a:lstStyle/>
+          <a:p>
+            <a:pPr algn="l"/>
+            <a:r>
+              <a:rPr lang="en-US" sz="3600" b="1" dirty="0" smtClean="0">
+                <a:solidFill>
+                  <a:schemeClr val="bg1">
+                    <a:lumMod val="95000"/>
+                    <a:lumOff val="5000"/>
+                  </a:schemeClr>
+                </a:solidFill>
+              </a:rPr>
+              <a:t>How to convert sass files to </a:t>
+            </a:r>
+            <a:r>
+              <a:rPr lang="en-US" sz="3600" b="1" dirty="0" err="1" smtClean="0">
+                <a:solidFill>
+                  <a:schemeClr val="bg1">
+                    <a:lumMod val="95000"/>
+                    <a:lumOff val="5000"/>
+                  </a:schemeClr>
+                </a:solidFill>
+              </a:rPr>
+              <a:t>css</a:t>
+            </a:r>
+            <a:r>
+              <a:rPr lang="en-US" sz="3600" b="1" dirty="0" smtClean="0">
+                <a:solidFill>
+                  <a:schemeClr val="bg1">
+                    <a:lumMod val="95000"/>
+                    <a:lumOff val="5000"/>
+                  </a:schemeClr>
+                </a:solidFill>
+              </a:rPr>
+              <a:t> using grunt?</a:t>
+            </a:r>
+          </a:p>
+          <a:p>
+            <a:pPr algn="l"/>
+            <a:r>
+              <a:rPr lang="en-US" sz="3300" b="1" dirty="0" smtClean="0">
+                <a:solidFill>
+                  <a:schemeClr val="accent6">
+                    <a:lumMod val="50000"/>
+                  </a:schemeClr>
+                </a:solidFill>
+              </a:rPr>
+              <a:t>module.exports=function(grunt){</a:t>
+            </a:r>
+          </a:p>
+          <a:p>
+            <a:pPr algn="l"/>
+            <a:r>
+              <a:rPr lang="en-US" sz="3300" b="1" dirty="0" smtClean="0">
+                <a:solidFill>
+                  <a:schemeClr val="accent6">
+                    <a:lumMod val="50000"/>
+                  </a:schemeClr>
+                </a:solidFill>
+              </a:rPr>
+              <a:t>    grunt.initConfig({</a:t>
+            </a:r>
+          </a:p>
+          <a:p>
+            <a:pPr algn="l"/>
+            <a:r>
+              <a:rPr lang="en-US" sz="3300" b="1" dirty="0" smtClean="0">
+                <a:solidFill>
+                  <a:schemeClr val="accent6">
+                    <a:lumMod val="50000"/>
+                  </a:schemeClr>
+                </a:solidFill>
+              </a:rPr>
+              <a:t>        pkg:grunt.file.readJSON('package.json'),</a:t>
+            </a:r>
+          </a:p>
+          <a:p>
+            <a:pPr algn="l"/>
+            <a:r>
+              <a:rPr lang="en-US" sz="3300" b="1" dirty="0" smtClean="0">
+                <a:solidFill>
+                  <a:schemeClr val="accent6">
+                    <a:lumMod val="50000"/>
+                  </a:schemeClr>
+                </a:solidFill>
+              </a:rPr>
+              <a:t>        concat:{</a:t>
+            </a:r>
+          </a:p>
+          <a:p>
+            <a:pPr algn="l"/>
+            <a:r>
+              <a:rPr lang="en-US" sz="3300" b="1" dirty="0" smtClean="0">
+                <a:solidFill>
+                  <a:schemeClr val="accent6">
+                    <a:lumMod val="50000"/>
+                  </a:schemeClr>
+                </a:solidFill>
+              </a:rPr>
+              <a:t>            options:{</a:t>
+            </a:r>
+          </a:p>
+          <a:p>
+            <a:pPr algn="l"/>
+            <a:r>
+              <a:rPr lang="en-US" sz="3300" b="1" dirty="0" smtClean="0">
+                <a:solidFill>
+                  <a:schemeClr val="accent6">
+                    <a:lumMod val="50000"/>
+                  </a:schemeClr>
+                </a:solidFill>
+              </a:rPr>
+              <a:t>             </a:t>
+            </a:r>
+            <a:r>
+              <a:rPr lang="en-US" sz="3300" b="1" dirty="0" err="1" smtClean="0">
+                <a:solidFill>
+                  <a:schemeClr val="accent6">
+                    <a:lumMod val="50000"/>
+                  </a:schemeClr>
+                </a:solidFill>
+              </a:rPr>
+              <a:t>seperator</a:t>
+            </a:r>
+            <a:r>
+              <a:rPr lang="en-US" sz="3300" b="1" dirty="0" smtClean="0">
+                <a:solidFill>
+                  <a:schemeClr val="accent6">
+                    <a:lumMod val="50000"/>
+                  </a:schemeClr>
+                </a:solidFill>
+              </a:rPr>
+              <a:t>:"\n\n"   </a:t>
+            </a:r>
+          </a:p>
+          <a:p>
+            <a:pPr algn="l"/>
+            <a:r>
+              <a:rPr lang="en-US" sz="3300" b="1" dirty="0" smtClean="0">
+                <a:solidFill>
+                  <a:schemeClr val="accent6">
+                    <a:lumMod val="50000"/>
+                  </a:schemeClr>
+                </a:solidFill>
+              </a:rPr>
+              <a:t>            },</a:t>
+            </a:r>
+          </a:p>
+          <a:p>
+            <a:pPr algn="l"/>
+            <a:r>
+              <a:rPr lang="en-US" sz="3300" b="1" dirty="0" smtClean="0">
+                <a:solidFill>
+                  <a:schemeClr val="accent6">
+                    <a:lumMod val="50000"/>
+                  </a:schemeClr>
+                </a:solidFill>
+              </a:rPr>
+              <a:t>            dist:{</a:t>
+            </a:r>
+          </a:p>
+          <a:p>
+            <a:pPr algn="l"/>
+            <a:r>
+              <a:rPr lang="en-US" sz="3300" b="1" dirty="0" smtClean="0">
+                <a:solidFill>
+                  <a:schemeClr val="accent6">
+                    <a:lumMod val="50000"/>
+                  </a:schemeClr>
+                </a:solidFill>
+              </a:rPr>
+              <a:t>               </a:t>
+            </a:r>
+            <a:r>
+              <a:rPr lang="en-US" sz="3300" b="1" dirty="0" err="1" smtClean="0">
+                <a:solidFill>
+                  <a:schemeClr val="accent6">
+                    <a:lumMod val="50000"/>
+                  </a:schemeClr>
+                </a:solidFill>
+              </a:rPr>
+              <a:t>src</a:t>
+            </a:r>
+            <a:r>
+              <a:rPr lang="en-US" sz="3300" b="1" dirty="0" smtClean="0">
+                <a:solidFill>
+                  <a:schemeClr val="accent6">
+                    <a:lumMod val="50000"/>
+                  </a:schemeClr>
+                </a:solidFill>
+              </a:rPr>
+              <a:t>:['JS/</a:t>
+            </a:r>
+            <a:r>
+              <a:rPr lang="en-US" sz="3300" b="1" dirty="0" err="1" smtClean="0">
+                <a:solidFill>
+                  <a:schemeClr val="accent6">
+                    <a:lumMod val="50000"/>
+                  </a:schemeClr>
+                </a:solidFill>
+              </a:rPr>
+              <a:t>FirstFile.js','JS</a:t>
+            </a:r>
+            <a:r>
+              <a:rPr lang="en-US" sz="3300" b="1" dirty="0" smtClean="0">
+                <a:solidFill>
+                  <a:schemeClr val="accent6">
+                    <a:lumMod val="50000"/>
+                  </a:schemeClr>
+                </a:solidFill>
+              </a:rPr>
+              <a:t>/SecondFile.js'],</a:t>
+            </a:r>
+          </a:p>
+          <a:p>
+            <a:pPr algn="l"/>
+            <a:r>
+              <a:rPr lang="en-US" sz="3300" b="1" dirty="0" smtClean="0">
+                <a:solidFill>
+                  <a:schemeClr val="accent6">
+                    <a:lumMod val="50000"/>
+                  </a:schemeClr>
+                </a:solidFill>
+              </a:rPr>
+              <a:t>               </a:t>
+            </a:r>
+            <a:r>
+              <a:rPr lang="en-US" sz="3300" b="1" dirty="0" err="1" smtClean="0">
+                <a:solidFill>
+                  <a:schemeClr val="accent6">
+                    <a:lumMod val="50000"/>
+                  </a:schemeClr>
+                </a:solidFill>
+              </a:rPr>
+              <a:t>dest:'bin</a:t>
+            </a:r>
+            <a:r>
+              <a:rPr lang="en-US" sz="3300" b="1" dirty="0" smtClean="0">
+                <a:solidFill>
+                  <a:schemeClr val="accent6">
+                    <a:lumMod val="50000"/>
+                  </a:schemeClr>
+                </a:solidFill>
+              </a:rPr>
+              <a:t>/&lt;%=pkg.name%&gt;.</a:t>
+            </a:r>
+            <a:r>
+              <a:rPr lang="en-US" sz="3300" b="1" dirty="0" err="1" smtClean="0">
+                <a:solidFill>
+                  <a:schemeClr val="accent6">
+                    <a:lumMod val="50000"/>
+                  </a:schemeClr>
+                </a:solidFill>
+              </a:rPr>
+              <a:t>js</a:t>
+            </a:r>
+            <a:r>
+              <a:rPr lang="en-US" sz="3300" b="1" dirty="0" smtClean="0">
+                <a:solidFill>
+                  <a:schemeClr val="accent6">
+                    <a:lumMod val="50000"/>
+                  </a:schemeClr>
+                </a:solidFill>
+              </a:rPr>
+              <a:t>'</a:t>
+            </a:r>
+          </a:p>
+          <a:p>
+            <a:pPr algn="l"/>
+            <a:r>
+              <a:rPr lang="en-US" sz="3300" b="1" dirty="0" smtClean="0">
+                <a:solidFill>
+                  <a:schemeClr val="accent6">
+                    <a:lumMod val="50000"/>
+                  </a:schemeClr>
+                </a:solidFill>
+              </a:rPr>
+              <a:t>            }</a:t>
+            </a:r>
+          </a:p>
+          <a:p>
+            <a:pPr algn="l"/>
+            <a:r>
+              <a:rPr lang="en-US" sz="3300" b="1" dirty="0" smtClean="0">
+                <a:solidFill>
+                  <a:schemeClr val="accent6">
+                    <a:lumMod val="50000"/>
+                  </a:schemeClr>
+                </a:solidFill>
+              </a:rPr>
+              <a:t>        },</a:t>
+            </a:r>
+          </a:p>
+          <a:p>
+            <a:pPr algn="l"/>
+            <a:r>
+              <a:rPr lang="en-US" sz="3300" b="1" dirty="0" smtClean="0">
+                <a:solidFill>
+                  <a:schemeClr val="accent6">
+                    <a:lumMod val="50000"/>
+                  </a:schemeClr>
+                </a:solidFill>
+              </a:rPr>
+              <a:t>        </a:t>
+            </a:r>
+            <a:r>
+              <a:rPr lang="en-US" sz="3300" b="1" dirty="0" smtClean="0">
+                <a:solidFill>
+                  <a:schemeClr val="accent2">
+                    <a:lumMod val="50000"/>
+                  </a:schemeClr>
+                </a:solidFill>
+              </a:rPr>
+              <a:t>sass:{</a:t>
+            </a:r>
+          </a:p>
+          <a:p>
+            <a:pPr algn="l"/>
+            <a:r>
+              <a:rPr lang="en-US" sz="3300" b="1" dirty="0" smtClean="0">
+                <a:solidFill>
+                  <a:schemeClr val="accent2">
+                    <a:lumMod val="50000"/>
+                  </a:schemeClr>
+                </a:solidFill>
+              </a:rPr>
+              <a:t>            dist:{</a:t>
+            </a:r>
+          </a:p>
+          <a:p>
+            <a:pPr algn="l"/>
+            <a:r>
+              <a:rPr lang="en-US" sz="3300" b="1" dirty="0" smtClean="0">
+                <a:solidFill>
+                  <a:schemeClr val="accent2">
+                    <a:lumMod val="50000"/>
+                  </a:schemeClr>
+                </a:solidFill>
+              </a:rPr>
+              <a:t>                files:{</a:t>
+            </a:r>
+          </a:p>
+          <a:p>
+            <a:pPr algn="l"/>
+            <a:r>
+              <a:rPr lang="en-US" sz="3300" b="1" dirty="0" smtClean="0">
+                <a:solidFill>
+                  <a:schemeClr val="accent2">
+                    <a:lumMod val="50000"/>
+                  </a:schemeClr>
+                </a:solidFill>
+              </a:rPr>
+              <a:t>                    '</a:t>
+            </a:r>
+            <a:r>
+              <a:rPr lang="en-US" sz="3300" b="1" dirty="0" err="1" smtClean="0">
+                <a:solidFill>
+                  <a:schemeClr val="accent2">
+                    <a:lumMod val="50000"/>
+                  </a:schemeClr>
+                </a:solidFill>
+              </a:rPr>
+              <a:t>css</a:t>
+            </a:r>
+            <a:r>
+              <a:rPr lang="en-US" sz="3300" b="1" dirty="0" smtClean="0">
+                <a:solidFill>
+                  <a:schemeClr val="accent2">
+                    <a:lumMod val="50000"/>
+                  </a:schemeClr>
+                </a:solidFill>
+              </a:rPr>
+              <a:t>/</a:t>
+            </a:r>
+            <a:r>
+              <a:rPr lang="en-US" sz="3300" b="1" dirty="0" err="1" smtClean="0">
+                <a:solidFill>
+                  <a:schemeClr val="accent2">
+                    <a:lumMod val="50000"/>
+                  </a:schemeClr>
+                </a:solidFill>
+              </a:rPr>
+              <a:t>custom.css':'sass</a:t>
+            </a:r>
+            <a:r>
+              <a:rPr lang="en-US" sz="3300" b="1" dirty="0" smtClean="0">
+                <a:solidFill>
+                  <a:schemeClr val="accent2">
+                    <a:lumMod val="50000"/>
+                  </a:schemeClr>
+                </a:solidFill>
+              </a:rPr>
+              <a:t>/</a:t>
+            </a:r>
+            <a:r>
+              <a:rPr lang="en-US" sz="3300" b="1" dirty="0" err="1" smtClean="0">
+                <a:solidFill>
+                  <a:schemeClr val="accent2">
+                    <a:lumMod val="50000"/>
+                  </a:schemeClr>
+                </a:solidFill>
+              </a:rPr>
+              <a:t>custom.scss</a:t>
+            </a:r>
+            <a:r>
+              <a:rPr lang="en-US" sz="3300" b="1" dirty="0" smtClean="0">
+                <a:solidFill>
+                  <a:schemeClr val="accent2">
+                    <a:lumMod val="50000"/>
+                  </a:schemeClr>
+                </a:solidFill>
+              </a:rPr>
+              <a:t>'</a:t>
+            </a:r>
+          </a:p>
+          <a:p>
+            <a:pPr algn="l"/>
+            <a:r>
+              <a:rPr lang="en-US" sz="3300" b="1" dirty="0" smtClean="0">
+                <a:solidFill>
+                  <a:schemeClr val="accent2">
+                    <a:lumMod val="50000"/>
+                  </a:schemeClr>
+                </a:solidFill>
+              </a:rPr>
+              <a:t>                        }</a:t>
+            </a:r>
+          </a:p>
+          <a:p>
+            <a:pPr algn="l"/>
+            <a:r>
+              <a:rPr lang="en-US" sz="3300" b="1" dirty="0" smtClean="0">
+                <a:solidFill>
+                  <a:schemeClr val="accent2">
+                    <a:lumMod val="50000"/>
+                  </a:schemeClr>
+                </a:solidFill>
+              </a:rPr>
+              <a:t>                   }</a:t>
+            </a:r>
+          </a:p>
+          <a:p>
+            <a:pPr algn="l"/>
+            <a:r>
+              <a:rPr lang="en-US" sz="3300" b="1" dirty="0" smtClean="0">
+                <a:solidFill>
+                  <a:schemeClr val="accent2">
+                    <a:lumMod val="50000"/>
+                  </a:schemeClr>
+                </a:solidFill>
+              </a:rPr>
+              <a:t>        }</a:t>
+            </a:r>
+            <a:r>
+              <a:rPr lang="en-US" sz="3300" b="1" dirty="0" smtClean="0">
+                <a:solidFill>
+                  <a:schemeClr val="accent6">
+                    <a:lumMod val="50000"/>
+                  </a:schemeClr>
+                </a:solidFill>
+              </a:rPr>
+              <a:t>});</a:t>
+            </a:r>
+          </a:p>
+          <a:p>
+            <a:pPr algn="l"/>
+            <a:r>
+              <a:rPr lang="en-US" sz="3300" b="1" dirty="0" smtClean="0">
+                <a:solidFill>
+                  <a:schemeClr val="accent6">
+                    <a:lumMod val="50000"/>
+                  </a:schemeClr>
+                </a:solidFill>
+              </a:rPr>
+              <a:t> </a:t>
+            </a:r>
+          </a:p>
+          <a:p>
+            <a:pPr algn="l"/>
+            <a:r>
+              <a:rPr lang="en-US" sz="3300" b="1" dirty="0" smtClean="0">
+                <a:solidFill>
+                  <a:schemeClr val="accent6">
+                    <a:lumMod val="50000"/>
+                  </a:schemeClr>
+                </a:solidFill>
+              </a:rPr>
+              <a:t> grunt.loadNpmTasks('grunt-</a:t>
+            </a:r>
+            <a:r>
+              <a:rPr lang="en-US" sz="3300" b="1" dirty="0" err="1" smtClean="0">
+                <a:solidFill>
+                  <a:schemeClr val="accent6">
+                    <a:lumMod val="50000"/>
+                  </a:schemeClr>
+                </a:solidFill>
+              </a:rPr>
+              <a:t>contrib</a:t>
+            </a:r>
+            <a:r>
+              <a:rPr lang="en-US" sz="3300" b="1" dirty="0" smtClean="0">
+                <a:solidFill>
+                  <a:schemeClr val="accent6">
+                    <a:lumMod val="50000"/>
+                  </a:schemeClr>
+                </a:solidFill>
+              </a:rPr>
+              <a:t>-sass'); </a:t>
+            </a:r>
+          </a:p>
+          <a:p>
+            <a:pPr algn="l"/>
+            <a:r>
+              <a:rPr lang="en-US" sz="3300" b="1" dirty="0" smtClean="0">
+                <a:solidFill>
+                  <a:schemeClr val="accent6">
+                    <a:lumMod val="50000"/>
+                  </a:schemeClr>
+                </a:solidFill>
+              </a:rPr>
+              <a:t>}</a:t>
+            </a:r>
+          </a:p>
+          <a:p>
+            <a:pPr algn="l"/>
+            <a:endParaRPr lang="en-US" sz="3300" b="1" dirty="0" smtClean="0">
+              <a:solidFill>
+                <a:schemeClr val="accent6">
+                  <a:lumMod val="50000"/>
+                </a:schemeClr>
+              </a:solidFill>
+            </a:endParaRPr>
+          </a:p>
+          <a:p>
+            <a:pPr algn="l"/>
+            <a:r>
+              <a:rPr lang="en-US" sz="3300" b="1" dirty="0" smtClean="0">
+                <a:solidFill>
+                  <a:schemeClr val="accent6">
+                    <a:lumMod val="50000"/>
+                  </a:schemeClr>
+                </a:solidFill>
+              </a:rPr>
+              <a:t>grunt sass</a:t>
+            </a:r>
+          </a:p>
+        </p:txBody>
+      </p:sp>
+      <p:sp>
+        <p:nvSpPr>
+          <p:cNvPr id="5" name="Rounded Rectangle 4"/>
+          <p:cNvSpPr/>
+          <p:nvPr/>
+        </p:nvSpPr>
+        <p:spPr>
+          <a:xfrm>
+            <a:off x="6324600" y="1828800"/>
+            <a:ext cx="2819400" cy="533400"/>
+          </a:xfrm>
+          <a:prstGeom prst="roundRect">
+            <a:avLst/>
+          </a:prstGeom>
+          <a:solidFill>
+            <a:schemeClr val="tx1">
+              <a:lumMod val="65000"/>
+            </a:schemeClr>
+          </a:solidFill>
+          <a:ln>
+            <a:solidFill>
+              <a:schemeClr val="accent6">
+                <a:lumMod val="50000"/>
+              </a:schemeClr>
+            </a:solidFill>
+          </a:ln>
+        </p:spPr>
+        <p:style>
+          <a:lnRef idx="2">
+            <a:schemeClr val="accent1">
+              <a:shade val="50000"/>
+            </a:schemeClr>
+          </a:lnRef>
+          <a:fillRef idx="1">
+            <a:schemeClr val="accent1"/>
+          </a:fillRef>
+          <a:effectRef idx="0">
+            <a:schemeClr val="accent1"/>
+          </a:effectRef>
+          <a:fontRef idx="minor">
+            <a:schemeClr val="lt1"/>
+          </a:fontRef>
+        </p:style>
+        <p:txBody>
+          <a:bodyPr rtlCol="0" anchor="ctr"/>
+          <a:lstStyle/>
+          <a:p>
+            <a:pPr algn="ctr"/>
+            <a:endParaRPr lang="en-US"/>
+          </a:p>
+        </p:txBody>
+      </p:sp>
+      <p:sp>
+        <p:nvSpPr>
+          <p:cNvPr id="6" name="TextBox 5"/>
+          <p:cNvSpPr txBox="1"/>
+          <p:nvPr/>
+        </p:nvSpPr>
+        <p:spPr>
+          <a:xfrm>
+            <a:off x="6400800" y="1905000"/>
+            <a:ext cx="2743200" cy="369332"/>
+          </a:xfrm>
+          <a:prstGeom prst="rect">
+            <a:avLst/>
+          </a:prstGeom>
+          <a:noFill/>
+        </p:spPr>
+        <p:txBody>
+          <a:bodyPr wrap="square" rtlCol="0">
+            <a:spAutoFit/>
+          </a:bodyPr>
+          <a:lstStyle/>
+          <a:p>
+            <a:r>
+              <a:rPr lang="en-US" dirty="0" smtClean="0">
+                <a:solidFill>
+                  <a:schemeClr val="bg1"/>
+                </a:solidFill>
+              </a:rPr>
+              <a:t>Destination File</a:t>
+            </a:r>
+            <a:endParaRPr lang="en-US" dirty="0">
+              <a:solidFill>
+                <a:schemeClr val="bg1"/>
+              </a:solidFill>
+            </a:endParaRPr>
+          </a:p>
+        </p:txBody>
+      </p:sp>
+      <p:cxnSp>
+        <p:nvCxnSpPr>
+          <p:cNvPr id="8" name="Straight Arrow Connector 7"/>
+          <p:cNvCxnSpPr/>
+          <p:nvPr/>
+        </p:nvCxnSpPr>
+        <p:spPr>
+          <a:xfrm flipV="1">
+            <a:off x="2590800" y="2286000"/>
+            <a:ext cx="3657600" cy="2057400"/>
+          </a:xfrm>
+          <a:prstGeom prst="straightConnector1">
+            <a:avLst/>
+          </a:prstGeom>
+          <a:ln w="38100">
+            <a:solidFill>
+              <a:schemeClr val="accent2"/>
+            </a:solidFill>
+            <a:tailEnd type="arrow"/>
+          </a:ln>
+        </p:spPr>
+        <p:style>
+          <a:lnRef idx="1">
+            <a:schemeClr val="accent1"/>
+          </a:lnRef>
+          <a:fillRef idx="0">
+            <a:schemeClr val="accent1"/>
+          </a:fillRef>
+          <a:effectRef idx="0">
+            <a:schemeClr val="accent1"/>
+          </a:effectRef>
+          <a:fontRef idx="minor">
+            <a:schemeClr val="tx1"/>
+          </a:fontRef>
+        </p:style>
+      </p:cxnSp>
+      <p:sp>
+        <p:nvSpPr>
+          <p:cNvPr id="10" name="Rounded Rectangle 9"/>
+          <p:cNvSpPr/>
+          <p:nvPr/>
+        </p:nvSpPr>
+        <p:spPr>
+          <a:xfrm>
+            <a:off x="7010400" y="304800"/>
+            <a:ext cx="3581400" cy="685800"/>
+          </a:xfrm>
+          <a:prstGeom prst="roundRect">
+            <a:avLst/>
+          </a:prstGeom>
+          <a:solidFill>
+            <a:schemeClr val="tx1">
+              <a:lumMod val="65000"/>
+            </a:schemeClr>
+          </a:solidFill>
+          <a:ln>
+            <a:solidFill>
+              <a:schemeClr val="accent6">
+                <a:lumMod val="50000"/>
+              </a:schemeClr>
+            </a:solidFill>
+          </a:ln>
+        </p:spPr>
+        <p:style>
+          <a:lnRef idx="2">
+            <a:schemeClr val="accent1">
+              <a:shade val="50000"/>
+            </a:schemeClr>
+          </a:lnRef>
+          <a:fillRef idx="1">
+            <a:schemeClr val="accent1"/>
+          </a:fillRef>
+          <a:effectRef idx="0">
+            <a:schemeClr val="accent1"/>
+          </a:effectRef>
+          <a:fontRef idx="minor">
+            <a:schemeClr val="lt1"/>
+          </a:fontRef>
+        </p:style>
+        <p:txBody>
+          <a:bodyPr rtlCol="0" anchor="ctr"/>
+          <a:lstStyle/>
+          <a:p>
+            <a:r>
+              <a:rPr lang="en-US" dirty="0" smtClean="0">
+                <a:solidFill>
+                  <a:schemeClr val="accent6">
+                    <a:lumMod val="50000"/>
+                  </a:schemeClr>
+                </a:solidFill>
+              </a:rPr>
+              <a:t>Use Ruby Command Prompt </a:t>
+            </a:r>
+            <a:endParaRPr lang="en-US" dirty="0">
+              <a:solidFill>
+                <a:schemeClr val="accent6">
+                  <a:lumMod val="50000"/>
+                </a:schemeClr>
+              </a:solidFill>
+            </a:endParaRPr>
+          </a:p>
+        </p:txBody>
+      </p:sp>
+      <p:cxnSp>
+        <p:nvCxnSpPr>
+          <p:cNvPr id="12" name="Straight Arrow Connector 11"/>
+          <p:cNvCxnSpPr/>
+          <p:nvPr/>
+        </p:nvCxnSpPr>
+        <p:spPr>
+          <a:xfrm flipV="1">
+            <a:off x="1600200" y="5791200"/>
+            <a:ext cx="4343400" cy="762000"/>
+          </a:xfrm>
+          <a:prstGeom prst="straightConnector1">
+            <a:avLst/>
+          </a:prstGeom>
+          <a:ln w="38100">
+            <a:solidFill>
+              <a:schemeClr val="accent2"/>
+            </a:solidFill>
+            <a:tailEnd type="arrow"/>
+          </a:ln>
+        </p:spPr>
+        <p:style>
+          <a:lnRef idx="1">
+            <a:schemeClr val="accent1"/>
+          </a:lnRef>
+          <a:fillRef idx="0">
+            <a:schemeClr val="accent1"/>
+          </a:fillRef>
+          <a:effectRef idx="0">
+            <a:schemeClr val="accent1"/>
+          </a:effectRef>
+          <a:fontRef idx="minor">
+            <a:schemeClr val="tx1"/>
+          </a:fontRef>
+        </p:style>
+      </p:cxnSp>
+      <p:sp>
+        <p:nvSpPr>
+          <p:cNvPr id="13" name="Rounded Rectangle 12"/>
+          <p:cNvSpPr/>
+          <p:nvPr/>
+        </p:nvSpPr>
+        <p:spPr>
+          <a:xfrm>
+            <a:off x="6019800" y="5486400"/>
+            <a:ext cx="1752600" cy="533400"/>
+          </a:xfrm>
+          <a:prstGeom prst="roundRect">
+            <a:avLst/>
+          </a:prstGeom>
+          <a:solidFill>
+            <a:schemeClr val="tx1">
+              <a:lumMod val="65000"/>
+            </a:schemeClr>
+          </a:solidFill>
+          <a:ln>
+            <a:solidFill>
+              <a:schemeClr val="accent6">
+                <a:lumMod val="50000"/>
+              </a:schemeClr>
+            </a:solidFill>
+          </a:ln>
+        </p:spPr>
+        <p:style>
+          <a:lnRef idx="2">
+            <a:schemeClr val="accent1">
+              <a:shade val="50000"/>
+            </a:schemeClr>
+          </a:lnRef>
+          <a:fillRef idx="1">
+            <a:schemeClr val="accent1"/>
+          </a:fillRef>
+          <a:effectRef idx="0">
+            <a:schemeClr val="accent1"/>
+          </a:effectRef>
+          <a:fontRef idx="minor">
+            <a:schemeClr val="lt1"/>
+          </a:fontRef>
+        </p:style>
+        <p:txBody>
+          <a:bodyPr rtlCol="0" anchor="ctr"/>
+          <a:lstStyle/>
+          <a:p>
+            <a:r>
+              <a:rPr lang="en-US" dirty="0" smtClean="0">
+                <a:solidFill>
+                  <a:schemeClr val="accent6">
+                    <a:lumMod val="50000"/>
+                  </a:schemeClr>
+                </a:solidFill>
+              </a:rPr>
+              <a:t>Run the Task</a:t>
+            </a:r>
+            <a:endParaRPr lang="en-US" dirty="0">
+              <a:solidFill>
+                <a:schemeClr val="accent6">
+                  <a:lumMod val="50000"/>
+                </a:schemeClr>
+              </a:solidFill>
+            </a:endParaRPr>
+          </a:p>
+        </p:txBody>
+      </p:sp>
+      <p:cxnSp>
+        <p:nvCxnSpPr>
+          <p:cNvPr id="14" name="Straight Arrow Connector 13"/>
+          <p:cNvCxnSpPr/>
+          <p:nvPr/>
+        </p:nvCxnSpPr>
+        <p:spPr>
+          <a:xfrm>
+            <a:off x="4572000" y="533400"/>
+            <a:ext cx="2362200" cy="76200"/>
+          </a:xfrm>
+          <a:prstGeom prst="straightConnector1">
+            <a:avLst/>
+          </a:prstGeom>
+          <a:ln w="38100">
+            <a:solidFill>
+              <a:schemeClr val="accent2"/>
+            </a:solidFill>
+            <a:tailEnd type="arrow"/>
+          </a:ln>
+        </p:spPr>
+        <p:style>
+          <a:lnRef idx="1">
+            <a:schemeClr val="accent1"/>
+          </a:lnRef>
+          <a:fillRef idx="0">
+            <a:schemeClr val="accent1"/>
+          </a:fillRef>
+          <a:effectRef idx="0">
+            <a:schemeClr val="accent1"/>
+          </a:effectRef>
+          <a:fontRef idx="minor">
+            <a:schemeClr val="tx1"/>
+          </a:fontRef>
+        </p:style>
+      </p:cxnSp>
+    </p:spTree>
+  </p:cSld>
+  <p:clrMapOvr>
+    <a:masterClrMapping/>
+  </p:clrMapOvr>
+</p:sld>
+</file>
+
+<file path=ppt/slides/slide13.xml><?xml version="1.0" encoding="utf-8"?>
+<p:sld xmlns:a="http://schemas.openxmlformats.org/drawingml/2006/main" xmlns:r="http://schemas.openxmlformats.org/officeDocument/2006/relationships" xmlns:p="http://schemas.openxmlformats.org/presentationml/2006/main">
+  <p:cSld>
+    <p:spTree>
+      <p:nvGrpSpPr>
+        <p:cNvPr id="1" name=""/>
+        <p:cNvGrpSpPr/>
+        <p:nvPr/>
+      </p:nvGrpSpPr>
+      <p:grpSpPr>
+        <a:xfrm>
+          <a:off x="0" y="0"/>
+          <a:ext cx="0" cy="0"/>
+          <a:chOff x="0" y="0"/>
+          <a:chExt cx="0" cy="0"/>
+        </a:xfrm>
+      </p:grpSpPr>
+      <p:sp>
+        <p:nvSpPr>
+          <p:cNvPr id="3" name="Subtitle 2"/>
+          <p:cNvSpPr>
+            <a:spLocks noGrp="1"/>
+          </p:cNvSpPr>
+          <p:nvPr>
+            <p:ph type="subTitle" idx="1"/>
+          </p:nvPr>
+        </p:nvSpPr>
+        <p:spPr>
+          <a:xfrm>
+            <a:off x="152400" y="228600"/>
+            <a:ext cx="8991600" cy="6629400"/>
+          </a:xfrm>
+        </p:spPr>
+        <p:txBody>
+          <a:bodyPr>
+            <a:normAutofit fontScale="70000" lnSpcReduction="20000"/>
+          </a:bodyPr>
+          <a:lstStyle/>
+          <a:p>
+            <a:pPr algn="l"/>
+            <a:r>
+              <a:rPr lang="en-US" sz="3600" b="1" dirty="0" smtClean="0">
+                <a:solidFill>
+                  <a:schemeClr val="bg1">
+                    <a:lumMod val="95000"/>
+                    <a:lumOff val="5000"/>
+                  </a:schemeClr>
+                </a:solidFill>
+              </a:rPr>
+              <a:t>How to use watch in Grunt?</a:t>
+            </a:r>
+          </a:p>
+          <a:p>
+            <a:pPr algn="l"/>
+            <a:r>
+              <a:rPr lang="en-US" sz="3300" b="1" dirty="0" smtClean="0">
+                <a:solidFill>
+                  <a:schemeClr val="accent6">
+                    <a:lumMod val="50000"/>
+                  </a:schemeClr>
+                </a:solidFill>
+              </a:rPr>
+              <a:t>module.exports=function(grunt){</a:t>
+            </a:r>
+          </a:p>
+          <a:p>
+            <a:pPr algn="l"/>
+            <a:r>
+              <a:rPr lang="en-US" sz="3300" b="1" dirty="0" smtClean="0">
+                <a:solidFill>
+                  <a:schemeClr val="accent6">
+                    <a:lumMod val="50000"/>
+                  </a:schemeClr>
+                </a:solidFill>
+              </a:rPr>
+              <a:t>    grunt.initConfig({</a:t>
+            </a:r>
+          </a:p>
+          <a:p>
+            <a:pPr algn="l"/>
+            <a:r>
+              <a:rPr lang="en-US" sz="3300" b="1" dirty="0" smtClean="0">
+                <a:solidFill>
+                  <a:schemeClr val="accent6">
+                    <a:lumMod val="50000"/>
+                  </a:schemeClr>
+                </a:solidFill>
+              </a:rPr>
+              <a:t>        pkg:grunt.file.readJSON('package.json'),</a:t>
+            </a:r>
+          </a:p>
+          <a:p>
+            <a:pPr algn="l"/>
+            <a:r>
+              <a:rPr lang="en-US" sz="3300" b="1" dirty="0" smtClean="0">
+                <a:solidFill>
+                  <a:schemeClr val="accent6">
+                    <a:lumMod val="50000"/>
+                  </a:schemeClr>
+                </a:solidFill>
+              </a:rPr>
+              <a:t>        </a:t>
+            </a:r>
+            <a:r>
+              <a:rPr lang="en-US" sz="3300" b="1" dirty="0" smtClean="0">
+                <a:solidFill>
+                  <a:schemeClr val="accent1">
+                    <a:lumMod val="50000"/>
+                  </a:schemeClr>
+                </a:solidFill>
+              </a:rPr>
+              <a:t>watch:{</a:t>
+            </a:r>
+          </a:p>
+          <a:p>
+            <a:pPr algn="l"/>
+            <a:r>
+              <a:rPr lang="en-US" sz="3300" b="1" dirty="0" smtClean="0">
+                <a:solidFill>
+                  <a:schemeClr val="accent1">
+                    <a:lumMod val="50000"/>
+                  </a:schemeClr>
+                </a:solidFill>
+              </a:rPr>
+              <a:t>               sass:{</a:t>
+            </a:r>
+          </a:p>
+          <a:p>
+            <a:pPr algn="l"/>
+            <a:r>
+              <a:rPr lang="en-US" sz="3300" b="1" dirty="0" smtClean="0">
+                <a:solidFill>
+                  <a:schemeClr val="accent1">
+                    <a:lumMod val="50000"/>
+                  </a:schemeClr>
+                </a:solidFill>
+              </a:rPr>
+              <a:t>                      </a:t>
+            </a:r>
+            <a:r>
+              <a:rPr lang="en-US" sz="3300" b="1" dirty="0" err="1" smtClean="0">
+                <a:solidFill>
+                  <a:schemeClr val="accent1">
+                    <a:lumMod val="50000"/>
+                  </a:schemeClr>
+                </a:solidFill>
+              </a:rPr>
+              <a:t>files:'sass</a:t>
+            </a:r>
+            <a:r>
+              <a:rPr lang="en-US" sz="3300" b="1" dirty="0" smtClean="0">
+                <a:solidFill>
+                  <a:schemeClr val="accent1">
+                    <a:lumMod val="50000"/>
+                  </a:schemeClr>
+                </a:solidFill>
+              </a:rPr>
+              <a:t>/</a:t>
+            </a:r>
+            <a:r>
+              <a:rPr lang="en-US" sz="3300" b="1" dirty="0" err="1" smtClean="0">
+                <a:solidFill>
+                  <a:schemeClr val="accent1">
+                    <a:lumMod val="50000"/>
+                  </a:schemeClr>
+                </a:solidFill>
+              </a:rPr>
+              <a:t>custom.scss</a:t>
+            </a:r>
+            <a:r>
+              <a:rPr lang="en-US" sz="3300" b="1" dirty="0" smtClean="0">
+                <a:solidFill>
+                  <a:schemeClr val="accent1">
+                    <a:lumMod val="50000"/>
+                  </a:schemeClr>
+                </a:solidFill>
+              </a:rPr>
+              <a:t>',</a:t>
+            </a:r>
+          </a:p>
+          <a:p>
+            <a:pPr algn="l"/>
+            <a:r>
+              <a:rPr lang="en-US" sz="3300" b="1" dirty="0" smtClean="0">
+                <a:solidFill>
+                  <a:schemeClr val="accent1">
+                    <a:lumMod val="50000"/>
+                  </a:schemeClr>
+                </a:solidFill>
+              </a:rPr>
+              <a:t>                      tasks:['sass']</a:t>
+            </a:r>
+          </a:p>
+          <a:p>
+            <a:pPr algn="l"/>
+            <a:r>
+              <a:rPr lang="en-US" sz="3300" b="1" dirty="0" smtClean="0">
+                <a:solidFill>
+                  <a:schemeClr val="accent1">
+                    <a:lumMod val="50000"/>
+                  </a:schemeClr>
+                </a:solidFill>
+              </a:rPr>
+              <a:t>                       }</a:t>
+            </a:r>
+          </a:p>
+          <a:p>
+            <a:pPr algn="l"/>
+            <a:r>
+              <a:rPr lang="en-US" sz="3300" b="1" dirty="0" smtClean="0">
+                <a:solidFill>
+                  <a:schemeClr val="accent1">
+                    <a:lumMod val="50000"/>
+                  </a:schemeClr>
+                </a:solidFill>
+              </a:rPr>
+              <a:t>         },</a:t>
+            </a:r>
+          </a:p>
+          <a:p>
+            <a:pPr algn="l"/>
+            <a:r>
+              <a:rPr lang="en-US" sz="3300" b="1" dirty="0" smtClean="0">
+                <a:solidFill>
+                  <a:schemeClr val="accent6">
+                    <a:lumMod val="50000"/>
+                  </a:schemeClr>
+                </a:solidFill>
+              </a:rPr>
+              <a:t>        sass:{</a:t>
+            </a:r>
+          </a:p>
+          <a:p>
+            <a:pPr algn="l"/>
+            <a:r>
+              <a:rPr lang="en-US" sz="3300" b="1" dirty="0" smtClean="0">
+                <a:solidFill>
+                  <a:schemeClr val="accent6">
+                    <a:lumMod val="50000"/>
+                  </a:schemeClr>
+                </a:solidFill>
+              </a:rPr>
+              <a:t>            dist:{</a:t>
+            </a:r>
+          </a:p>
+          <a:p>
+            <a:pPr algn="l"/>
+            <a:r>
+              <a:rPr lang="en-US" sz="3300" b="1" dirty="0" smtClean="0">
+                <a:solidFill>
+                  <a:schemeClr val="accent6">
+                    <a:lumMod val="50000"/>
+                  </a:schemeClr>
+                </a:solidFill>
+              </a:rPr>
+              <a:t>                files:{</a:t>
+            </a:r>
+          </a:p>
+          <a:p>
+            <a:pPr algn="l"/>
+            <a:r>
+              <a:rPr lang="en-US" sz="3300" b="1" dirty="0" smtClean="0">
+                <a:solidFill>
+                  <a:schemeClr val="accent6">
+                    <a:lumMod val="50000"/>
+                  </a:schemeClr>
+                </a:solidFill>
+              </a:rPr>
+              <a:t>                    '</a:t>
+            </a:r>
+            <a:r>
+              <a:rPr lang="en-US" sz="3300" b="1" dirty="0" err="1" smtClean="0">
+                <a:solidFill>
+                  <a:schemeClr val="accent6">
+                    <a:lumMod val="50000"/>
+                  </a:schemeClr>
+                </a:solidFill>
+              </a:rPr>
+              <a:t>css</a:t>
+            </a:r>
+            <a:r>
+              <a:rPr lang="en-US" sz="3300" b="1" dirty="0" smtClean="0">
+                <a:solidFill>
+                  <a:schemeClr val="accent6">
+                    <a:lumMod val="50000"/>
+                  </a:schemeClr>
+                </a:solidFill>
+              </a:rPr>
+              <a:t>/</a:t>
+            </a:r>
+            <a:r>
+              <a:rPr lang="en-US" sz="3300" b="1" dirty="0" err="1" smtClean="0">
+                <a:solidFill>
+                  <a:schemeClr val="accent6">
+                    <a:lumMod val="50000"/>
+                  </a:schemeClr>
+                </a:solidFill>
+              </a:rPr>
+              <a:t>custom.css':'sass</a:t>
+            </a:r>
+            <a:r>
+              <a:rPr lang="en-US" sz="3300" b="1" dirty="0" smtClean="0">
+                <a:solidFill>
+                  <a:schemeClr val="accent6">
+                    <a:lumMod val="50000"/>
+                  </a:schemeClr>
+                </a:solidFill>
+              </a:rPr>
+              <a:t>/</a:t>
+            </a:r>
+            <a:r>
+              <a:rPr lang="en-US" sz="3300" b="1" dirty="0" err="1" smtClean="0">
+                <a:solidFill>
+                  <a:schemeClr val="accent6">
+                    <a:lumMod val="50000"/>
+                  </a:schemeClr>
+                </a:solidFill>
+              </a:rPr>
+              <a:t>custom.scss</a:t>
+            </a:r>
+            <a:r>
+              <a:rPr lang="en-US" sz="3300" b="1" dirty="0" smtClean="0">
+                <a:solidFill>
+                  <a:schemeClr val="accent6">
+                    <a:lumMod val="50000"/>
+                  </a:schemeClr>
+                </a:solidFill>
+              </a:rPr>
+              <a:t>'</a:t>
+            </a:r>
+          </a:p>
+          <a:p>
+            <a:pPr algn="l"/>
+            <a:r>
+              <a:rPr lang="en-US" sz="3300" b="1" dirty="0" smtClean="0">
+                <a:solidFill>
+                  <a:schemeClr val="accent6">
+                    <a:lumMod val="50000"/>
+                  </a:schemeClr>
+                </a:solidFill>
+              </a:rPr>
+              <a:t>                        }</a:t>
+            </a:r>
+          </a:p>
+          <a:p>
+            <a:pPr algn="l"/>
+            <a:r>
+              <a:rPr lang="en-US" sz="3300" b="1" dirty="0" smtClean="0">
+                <a:solidFill>
+                  <a:schemeClr val="accent6">
+                    <a:lumMod val="50000"/>
+                  </a:schemeClr>
+                </a:solidFill>
+              </a:rPr>
+              <a:t>                   }</a:t>
+            </a:r>
+          </a:p>
+          <a:p>
+            <a:pPr algn="l"/>
+            <a:r>
+              <a:rPr lang="en-US" sz="3300" b="1" dirty="0" smtClean="0">
+                <a:solidFill>
+                  <a:schemeClr val="accent6">
+                    <a:lumMod val="50000"/>
+                  </a:schemeClr>
+                </a:solidFill>
+              </a:rPr>
+              <a:t>        }});</a:t>
+            </a:r>
+          </a:p>
+          <a:p>
+            <a:pPr algn="l"/>
+            <a:r>
+              <a:rPr lang="en-US" sz="3300" b="1" dirty="0" smtClean="0">
+                <a:solidFill>
+                  <a:schemeClr val="accent6">
+                    <a:lumMod val="50000"/>
+                  </a:schemeClr>
+                </a:solidFill>
+              </a:rPr>
+              <a:t> </a:t>
+            </a:r>
+          </a:p>
+          <a:p>
+            <a:pPr algn="l"/>
+            <a:r>
+              <a:rPr lang="en-US" sz="3300" b="1" dirty="0" smtClean="0">
+                <a:solidFill>
+                  <a:schemeClr val="accent6">
+                    <a:lumMod val="50000"/>
+                  </a:schemeClr>
+                </a:solidFill>
+              </a:rPr>
+              <a:t> grunt.loadNpmTasks('grunt-</a:t>
+            </a:r>
+            <a:r>
+              <a:rPr lang="en-US" sz="3300" b="1" dirty="0" err="1" smtClean="0">
+                <a:solidFill>
+                  <a:schemeClr val="accent6">
+                    <a:lumMod val="50000"/>
+                  </a:schemeClr>
+                </a:solidFill>
+              </a:rPr>
+              <a:t>contrib</a:t>
+            </a:r>
+            <a:r>
+              <a:rPr lang="en-US" sz="3300" b="1" dirty="0" smtClean="0">
+                <a:solidFill>
+                  <a:schemeClr val="accent6">
+                    <a:lumMod val="50000"/>
+                  </a:schemeClr>
+                </a:solidFill>
+              </a:rPr>
+              <a:t>-watch');</a:t>
+            </a:r>
+          </a:p>
+          <a:p>
+            <a:pPr algn="l"/>
+            <a:r>
+              <a:rPr lang="en-US" sz="3300" b="1" dirty="0" smtClean="0">
+                <a:solidFill>
+                  <a:schemeClr val="accent6">
+                    <a:lumMod val="50000"/>
+                  </a:schemeClr>
+                </a:solidFill>
+              </a:rPr>
+              <a:t>}</a:t>
+            </a:r>
+          </a:p>
+          <a:p>
+            <a:pPr algn="l"/>
+            <a:endParaRPr lang="en-US" sz="3300" b="1" dirty="0" smtClean="0">
+              <a:solidFill>
+                <a:schemeClr val="accent6">
+                  <a:lumMod val="50000"/>
+                </a:schemeClr>
+              </a:solidFill>
+            </a:endParaRPr>
+          </a:p>
+          <a:p>
+            <a:pPr algn="l"/>
+            <a:r>
+              <a:rPr lang="en-US" sz="3300" b="1" dirty="0" smtClean="0">
+                <a:solidFill>
+                  <a:schemeClr val="accent6">
+                    <a:lumMod val="50000"/>
+                  </a:schemeClr>
+                </a:solidFill>
+              </a:rPr>
+              <a:t>grunt watch</a:t>
+            </a:r>
+          </a:p>
+          <a:p>
+            <a:pPr algn="l"/>
+            <a:endParaRPr lang="en-US" sz="3300" b="1" dirty="0" smtClean="0">
+              <a:solidFill>
+                <a:schemeClr val="accent6">
+                  <a:lumMod val="50000"/>
+                </a:schemeClr>
+              </a:solidFill>
+            </a:endParaRPr>
+          </a:p>
+        </p:txBody>
+      </p:sp>
+      <p:sp>
+        <p:nvSpPr>
+          <p:cNvPr id="10" name="Rounded Rectangle 9"/>
+          <p:cNvSpPr/>
+          <p:nvPr/>
+        </p:nvSpPr>
+        <p:spPr>
+          <a:xfrm>
+            <a:off x="7010400" y="304800"/>
+            <a:ext cx="3581400" cy="609600"/>
+          </a:xfrm>
+          <a:prstGeom prst="roundRect">
+            <a:avLst/>
+          </a:prstGeom>
+          <a:solidFill>
+            <a:schemeClr val="tx1">
+              <a:lumMod val="65000"/>
+            </a:schemeClr>
+          </a:solidFill>
+          <a:ln>
+            <a:solidFill>
+              <a:schemeClr val="accent6">
+                <a:lumMod val="50000"/>
+              </a:schemeClr>
+            </a:solidFill>
+          </a:ln>
+        </p:spPr>
+        <p:style>
+          <a:lnRef idx="2">
+            <a:schemeClr val="accent1">
+              <a:shade val="50000"/>
+            </a:schemeClr>
+          </a:lnRef>
+          <a:fillRef idx="1">
+            <a:schemeClr val="accent1"/>
+          </a:fillRef>
+          <a:effectRef idx="0">
+            <a:schemeClr val="accent1"/>
+          </a:effectRef>
+          <a:fontRef idx="minor">
+            <a:schemeClr val="lt1"/>
+          </a:fontRef>
+        </p:style>
+        <p:txBody>
+          <a:bodyPr rtlCol="0" anchor="ctr"/>
+          <a:lstStyle/>
+          <a:p>
+            <a:r>
+              <a:rPr lang="en-US" dirty="0" smtClean="0">
+                <a:solidFill>
+                  <a:schemeClr val="accent6">
+                    <a:lumMod val="50000"/>
+                  </a:schemeClr>
+                </a:solidFill>
+              </a:rPr>
+              <a:t>Use Ruby Command Prompt </a:t>
+            </a:r>
+            <a:endParaRPr lang="en-US" dirty="0">
+              <a:solidFill>
+                <a:schemeClr val="accent6">
+                  <a:lumMod val="50000"/>
+                </a:schemeClr>
+              </a:solidFill>
+            </a:endParaRPr>
+          </a:p>
+        </p:txBody>
+      </p:sp>
+      <p:cxnSp>
+        <p:nvCxnSpPr>
+          <p:cNvPr id="12" name="Straight Arrow Connector 11"/>
+          <p:cNvCxnSpPr/>
+          <p:nvPr/>
+        </p:nvCxnSpPr>
+        <p:spPr>
+          <a:xfrm flipV="1">
+            <a:off x="2057400" y="5105400"/>
+            <a:ext cx="4038600" cy="609600"/>
+          </a:xfrm>
+          <a:prstGeom prst="straightConnector1">
+            <a:avLst/>
+          </a:prstGeom>
+          <a:ln w="38100">
+            <a:solidFill>
+              <a:schemeClr val="accent2"/>
+            </a:solidFill>
+            <a:tailEnd type="arrow"/>
+          </a:ln>
+        </p:spPr>
+        <p:style>
+          <a:lnRef idx="1">
+            <a:schemeClr val="accent1"/>
+          </a:lnRef>
+          <a:fillRef idx="0">
+            <a:schemeClr val="accent1"/>
+          </a:fillRef>
+          <a:effectRef idx="0">
+            <a:schemeClr val="accent1"/>
+          </a:effectRef>
+          <a:fontRef idx="minor">
+            <a:schemeClr val="tx1"/>
+          </a:fontRef>
+        </p:style>
+      </p:cxnSp>
+      <p:sp>
+        <p:nvSpPr>
+          <p:cNvPr id="13" name="Rounded Rectangle 12"/>
+          <p:cNvSpPr/>
+          <p:nvPr/>
+        </p:nvSpPr>
+        <p:spPr>
+          <a:xfrm>
+            <a:off x="6096000" y="4800600"/>
+            <a:ext cx="3048000" cy="533400"/>
+          </a:xfrm>
+          <a:prstGeom prst="roundRect">
+            <a:avLst/>
+          </a:prstGeom>
+          <a:solidFill>
+            <a:schemeClr val="tx1">
+              <a:lumMod val="65000"/>
+            </a:schemeClr>
+          </a:solidFill>
+          <a:ln>
+            <a:solidFill>
+              <a:schemeClr val="accent6">
+                <a:lumMod val="50000"/>
+              </a:schemeClr>
+            </a:solidFill>
+          </a:ln>
+        </p:spPr>
+        <p:style>
+          <a:lnRef idx="2">
+            <a:schemeClr val="accent1">
+              <a:shade val="50000"/>
+            </a:schemeClr>
+          </a:lnRef>
+          <a:fillRef idx="1">
+            <a:schemeClr val="accent1"/>
+          </a:fillRef>
+          <a:effectRef idx="0">
+            <a:schemeClr val="accent1"/>
+          </a:effectRef>
+          <a:fontRef idx="minor">
+            <a:schemeClr val="lt1"/>
+          </a:fontRef>
+        </p:style>
+        <p:txBody>
+          <a:bodyPr rtlCol="0" anchor="ctr"/>
+          <a:lstStyle/>
+          <a:p>
+            <a:r>
+              <a:rPr lang="en-US" dirty="0" smtClean="0">
+                <a:solidFill>
+                  <a:schemeClr val="accent6">
+                    <a:lumMod val="50000"/>
+                  </a:schemeClr>
+                </a:solidFill>
+              </a:rPr>
+              <a:t>Leave the Task Running</a:t>
+            </a:r>
+            <a:endParaRPr lang="en-US" dirty="0">
+              <a:solidFill>
+                <a:schemeClr val="accent6">
+                  <a:lumMod val="50000"/>
+                </a:schemeClr>
+              </a:solidFill>
+            </a:endParaRPr>
+          </a:p>
+        </p:txBody>
+      </p:sp>
+      <p:cxnSp>
+        <p:nvCxnSpPr>
+          <p:cNvPr id="14" name="Straight Arrow Connector 13"/>
+          <p:cNvCxnSpPr/>
+          <p:nvPr/>
+        </p:nvCxnSpPr>
+        <p:spPr>
+          <a:xfrm>
+            <a:off x="4572000" y="533400"/>
+            <a:ext cx="2362200" cy="76200"/>
+          </a:xfrm>
+          <a:prstGeom prst="straightConnector1">
+            <a:avLst/>
+          </a:prstGeom>
+          <a:ln w="38100">
+            <a:solidFill>
+              <a:schemeClr val="accent2"/>
+            </a:solidFill>
+            <a:tailEnd type="arrow"/>
+          </a:ln>
+        </p:spPr>
+        <p:style>
+          <a:lnRef idx="1">
+            <a:schemeClr val="accent1"/>
+          </a:lnRef>
+          <a:fillRef idx="0">
+            <a:schemeClr val="accent1"/>
+          </a:fillRef>
+          <a:effectRef idx="0">
+            <a:schemeClr val="accent1"/>
+          </a:effectRef>
+          <a:fontRef idx="minor">
+            <a:schemeClr val="tx1"/>
+          </a:fontRef>
+        </p:style>
+      </p:cxnSp>
+      <p:cxnSp>
+        <p:nvCxnSpPr>
+          <p:cNvPr id="16" name="Straight Arrow Connector 15"/>
+          <p:cNvCxnSpPr>
+            <a:endCxn id="20" idx="1"/>
+          </p:cNvCxnSpPr>
+          <p:nvPr/>
+        </p:nvCxnSpPr>
+        <p:spPr>
+          <a:xfrm flipV="1">
+            <a:off x="5257800" y="1600200"/>
+            <a:ext cx="2438400" cy="457200"/>
+          </a:xfrm>
+          <a:prstGeom prst="straightConnector1">
+            <a:avLst/>
+          </a:prstGeom>
+          <a:ln w="38100">
+            <a:solidFill>
+              <a:schemeClr val="accent2"/>
+            </a:solidFill>
+            <a:tailEnd type="arrow"/>
+          </a:ln>
+        </p:spPr>
+        <p:style>
+          <a:lnRef idx="1">
+            <a:schemeClr val="accent1"/>
+          </a:lnRef>
+          <a:fillRef idx="0">
+            <a:schemeClr val="accent1"/>
+          </a:fillRef>
+          <a:effectRef idx="0">
+            <a:schemeClr val="accent1"/>
+          </a:effectRef>
+          <a:fontRef idx="minor">
+            <a:schemeClr val="tx1"/>
+          </a:fontRef>
+        </p:style>
+      </p:cxnSp>
+      <p:cxnSp>
+        <p:nvCxnSpPr>
+          <p:cNvPr id="17" name="Straight Arrow Connector 16"/>
+          <p:cNvCxnSpPr/>
+          <p:nvPr/>
+        </p:nvCxnSpPr>
+        <p:spPr>
+          <a:xfrm>
+            <a:off x="3810000" y="2438400"/>
+            <a:ext cx="2438400" cy="0"/>
+          </a:xfrm>
+          <a:prstGeom prst="straightConnector1">
+            <a:avLst/>
+          </a:prstGeom>
+          <a:ln w="38100">
+            <a:solidFill>
+              <a:schemeClr val="accent2"/>
+            </a:solidFill>
+            <a:tailEnd type="arrow"/>
+          </a:ln>
+        </p:spPr>
+        <p:style>
+          <a:lnRef idx="1">
+            <a:schemeClr val="accent1"/>
+          </a:lnRef>
+          <a:fillRef idx="0">
+            <a:schemeClr val="accent1"/>
+          </a:fillRef>
+          <a:effectRef idx="0">
+            <a:schemeClr val="accent1"/>
+          </a:effectRef>
+          <a:fontRef idx="minor">
+            <a:schemeClr val="tx1"/>
+          </a:fontRef>
+        </p:style>
+      </p:cxnSp>
+      <p:sp>
+        <p:nvSpPr>
+          <p:cNvPr id="20" name="Rounded Rectangle 19"/>
+          <p:cNvSpPr/>
+          <p:nvPr/>
+        </p:nvSpPr>
+        <p:spPr>
+          <a:xfrm>
+            <a:off x="7696200" y="1371600"/>
+            <a:ext cx="1752600" cy="457200"/>
+          </a:xfrm>
+          <a:prstGeom prst="roundRect">
+            <a:avLst/>
+          </a:prstGeom>
+          <a:solidFill>
+            <a:schemeClr val="tx1">
+              <a:lumMod val="65000"/>
+            </a:schemeClr>
+          </a:solidFill>
+          <a:ln>
+            <a:solidFill>
+              <a:schemeClr val="accent6">
+                <a:lumMod val="50000"/>
+              </a:schemeClr>
+            </a:solidFill>
+          </a:ln>
+        </p:spPr>
+        <p:style>
+          <a:lnRef idx="2">
+            <a:schemeClr val="accent1">
+              <a:shade val="50000"/>
+            </a:schemeClr>
+          </a:lnRef>
+          <a:fillRef idx="1">
+            <a:schemeClr val="accent1"/>
+          </a:fillRef>
+          <a:effectRef idx="0">
+            <a:schemeClr val="accent1"/>
+          </a:effectRef>
+          <a:fontRef idx="minor">
+            <a:schemeClr val="lt1"/>
+          </a:fontRef>
+        </p:style>
+        <p:txBody>
+          <a:bodyPr rtlCol="0" anchor="ctr"/>
+          <a:lstStyle/>
+          <a:p>
+            <a:r>
+              <a:rPr lang="en-US" dirty="0" smtClean="0">
+                <a:solidFill>
+                  <a:schemeClr val="accent6">
+                    <a:lumMod val="50000"/>
+                  </a:schemeClr>
+                </a:solidFill>
+              </a:rPr>
+              <a:t>File to Watch </a:t>
+            </a:r>
+            <a:endParaRPr lang="en-US" dirty="0">
+              <a:solidFill>
+                <a:schemeClr val="accent6">
+                  <a:lumMod val="50000"/>
+                </a:schemeClr>
+              </a:solidFill>
+            </a:endParaRPr>
+          </a:p>
+        </p:txBody>
+      </p:sp>
+      <p:sp>
+        <p:nvSpPr>
+          <p:cNvPr id="21" name="Rounded Rectangle 20"/>
+          <p:cNvSpPr/>
+          <p:nvPr/>
+        </p:nvSpPr>
+        <p:spPr>
+          <a:xfrm>
+            <a:off x="6248400" y="2286000"/>
+            <a:ext cx="5943600" cy="457200"/>
+          </a:xfrm>
+          <a:prstGeom prst="roundRect">
+            <a:avLst/>
+          </a:prstGeom>
+          <a:solidFill>
+            <a:schemeClr val="tx1">
+              <a:lumMod val="65000"/>
+            </a:schemeClr>
+          </a:solidFill>
+          <a:ln>
+            <a:solidFill>
+              <a:schemeClr val="accent6">
+                <a:lumMod val="50000"/>
+              </a:schemeClr>
+            </a:solidFill>
+          </a:ln>
+        </p:spPr>
+        <p:style>
+          <a:lnRef idx="2">
+            <a:schemeClr val="accent1">
+              <a:shade val="50000"/>
+            </a:schemeClr>
+          </a:lnRef>
+          <a:fillRef idx="1">
+            <a:schemeClr val="accent1"/>
+          </a:fillRef>
+          <a:effectRef idx="0">
+            <a:schemeClr val="accent1"/>
+          </a:effectRef>
+          <a:fontRef idx="minor">
+            <a:schemeClr val="lt1"/>
+          </a:fontRef>
+        </p:style>
+        <p:txBody>
+          <a:bodyPr rtlCol="0" anchor="ctr"/>
+          <a:lstStyle/>
+          <a:p>
+            <a:r>
+              <a:rPr lang="en-US" dirty="0" smtClean="0">
+                <a:solidFill>
+                  <a:schemeClr val="accent6">
+                    <a:lumMod val="50000"/>
+                  </a:schemeClr>
+                </a:solidFill>
+              </a:rPr>
+              <a:t>Task to perform when file being watched changes </a:t>
+            </a:r>
+            <a:endParaRPr lang="en-US" dirty="0">
+              <a:solidFill>
+                <a:schemeClr val="accent6">
+                  <a:lumMod val="50000"/>
+                </a:schemeClr>
+              </a:solidFill>
+            </a:endParaRPr>
+          </a:p>
+        </p:txBody>
+      </p:sp>
+      <p:cxnSp>
+        <p:nvCxnSpPr>
+          <p:cNvPr id="25" name="Straight Arrow Connector 24"/>
+          <p:cNvCxnSpPr/>
+          <p:nvPr/>
+        </p:nvCxnSpPr>
+        <p:spPr>
+          <a:xfrm>
+            <a:off x="3810000" y="2514600"/>
+            <a:ext cx="2286000" cy="685800"/>
+          </a:xfrm>
+          <a:prstGeom prst="straightConnector1">
+            <a:avLst/>
+          </a:prstGeom>
+          <a:ln w="38100">
+            <a:solidFill>
+              <a:schemeClr val="accent2"/>
+            </a:solidFill>
+            <a:tailEnd type="arrow"/>
+          </a:ln>
+        </p:spPr>
+        <p:style>
+          <a:lnRef idx="1">
+            <a:schemeClr val="accent1"/>
+          </a:lnRef>
+          <a:fillRef idx="0">
+            <a:schemeClr val="accent1"/>
+          </a:fillRef>
+          <a:effectRef idx="0">
+            <a:schemeClr val="accent1"/>
+          </a:effectRef>
+          <a:fontRef idx="minor">
+            <a:schemeClr val="tx1"/>
+          </a:fontRef>
+        </p:style>
+      </p:cxnSp>
+      <p:sp>
+        <p:nvSpPr>
+          <p:cNvPr id="27" name="Rounded Rectangle 26"/>
+          <p:cNvSpPr/>
+          <p:nvPr/>
+        </p:nvSpPr>
+        <p:spPr>
+          <a:xfrm>
+            <a:off x="6172200" y="2971800"/>
+            <a:ext cx="4114800" cy="457200"/>
+          </a:xfrm>
+          <a:prstGeom prst="roundRect">
+            <a:avLst/>
+          </a:prstGeom>
+          <a:solidFill>
+            <a:schemeClr val="tx1">
+              <a:lumMod val="65000"/>
+            </a:schemeClr>
+          </a:solidFill>
+          <a:ln>
+            <a:solidFill>
+              <a:schemeClr val="accent6">
+                <a:lumMod val="50000"/>
+              </a:schemeClr>
+            </a:solidFill>
+          </a:ln>
+        </p:spPr>
+        <p:style>
+          <a:lnRef idx="2">
+            <a:schemeClr val="accent1">
+              <a:shade val="50000"/>
+            </a:schemeClr>
+          </a:lnRef>
+          <a:fillRef idx="1">
+            <a:schemeClr val="accent1"/>
+          </a:fillRef>
+          <a:effectRef idx="0">
+            <a:schemeClr val="accent1"/>
+          </a:effectRef>
+          <a:fontRef idx="minor">
+            <a:schemeClr val="lt1"/>
+          </a:fontRef>
+        </p:style>
+        <p:txBody>
+          <a:bodyPr rtlCol="0" anchor="ctr"/>
+          <a:lstStyle/>
+          <a:p>
+            <a:r>
+              <a:rPr lang="en-US" dirty="0" smtClean="0">
+                <a:solidFill>
+                  <a:schemeClr val="accent6">
+                    <a:lumMod val="50000"/>
+                  </a:schemeClr>
+                </a:solidFill>
+              </a:rPr>
+              <a:t>Can chain the tasks to run in order</a:t>
+            </a:r>
+            <a:endParaRPr lang="en-US" dirty="0">
+              <a:solidFill>
+                <a:schemeClr val="accent6">
+                  <a:lumMod val="50000"/>
+                </a:schemeClr>
+              </a:solidFill>
+            </a:endParaRPr>
+          </a:p>
+        </p:txBody>
+      </p:sp>
+    </p:spTree>
+  </p:cSld>
+  <p:clrMapOvr>
+    <a:masterClrMapping/>
+  </p:clrMapOvr>
+</p:sld>
+</file>
+
+<file path=ppt/slides/slide14.xml><?xml version="1.0" encoding="utf-8"?>
+<p:sld xmlns:a="http://schemas.openxmlformats.org/drawingml/2006/main" xmlns:r="http://schemas.openxmlformats.org/officeDocument/2006/relationships" xmlns:p="http://schemas.openxmlformats.org/presentationml/2006/main">
+  <p:cSld>
+    <p:spTree>
+      <p:nvGrpSpPr>
+        <p:cNvPr id="1" name=""/>
+        <p:cNvGrpSpPr/>
+        <p:nvPr/>
+      </p:nvGrpSpPr>
+      <p:grpSpPr>
+        <a:xfrm>
+          <a:off x="0" y="0"/>
+          <a:ext cx="0" cy="0"/>
+          <a:chOff x="0" y="0"/>
+          <a:chExt cx="0" cy="0"/>
+        </a:xfrm>
+      </p:grpSpPr>
+      <p:sp>
+        <p:nvSpPr>
+          <p:cNvPr id="3" name="Subtitle 2"/>
+          <p:cNvSpPr>
+            <a:spLocks noGrp="1"/>
+          </p:cNvSpPr>
+          <p:nvPr>
+            <p:ph type="subTitle" idx="1"/>
+          </p:nvPr>
+        </p:nvSpPr>
+        <p:spPr>
+          <a:xfrm>
+            <a:off x="152400" y="228600"/>
+            <a:ext cx="8991600" cy="6629400"/>
+          </a:xfrm>
+        </p:spPr>
+        <p:txBody>
+          <a:bodyPr>
+            <a:normAutofit fontScale="77500" lnSpcReduction="20000"/>
+          </a:bodyPr>
+          <a:lstStyle/>
+          <a:p>
+            <a:pPr algn="l"/>
+            <a:r>
+              <a:rPr lang="en-US" sz="3600" b="1" dirty="0" smtClean="0">
+                <a:solidFill>
+                  <a:schemeClr val="bg1">
+                    <a:lumMod val="95000"/>
+                    <a:lumOff val="5000"/>
+                  </a:schemeClr>
+                </a:solidFill>
+              </a:rPr>
+              <a:t>How to use a specific task using grunt?</a:t>
+            </a:r>
+          </a:p>
+          <a:p>
+            <a:pPr algn="l"/>
+            <a:r>
+              <a:rPr lang="en-US" sz="3300" b="1" dirty="0" smtClean="0">
+                <a:solidFill>
+                  <a:schemeClr val="accent6">
+                    <a:lumMod val="50000"/>
+                  </a:schemeClr>
+                </a:solidFill>
+              </a:rPr>
+              <a:t>module.exports=function(grunt){</a:t>
+            </a:r>
+          </a:p>
+          <a:p>
+            <a:pPr algn="l"/>
+            <a:r>
+              <a:rPr lang="en-US" sz="3300" b="1" dirty="0" smtClean="0">
+                <a:solidFill>
+                  <a:schemeClr val="accent6">
+                    <a:lumMod val="50000"/>
+                  </a:schemeClr>
+                </a:solidFill>
+              </a:rPr>
+              <a:t>    grunt.initConfig({</a:t>
+            </a:r>
+          </a:p>
+          <a:p>
+            <a:pPr algn="l"/>
+            <a:r>
+              <a:rPr lang="en-US" sz="3300" b="1" dirty="0" smtClean="0">
+                <a:solidFill>
+                  <a:schemeClr val="accent6">
+                    <a:lumMod val="50000"/>
+                  </a:schemeClr>
+                </a:solidFill>
+              </a:rPr>
+              <a:t>        pkg:grunt.file.readJSON('package.json'),</a:t>
+            </a:r>
+          </a:p>
+          <a:p>
+            <a:pPr algn="l"/>
+            <a:r>
+              <a:rPr lang="en-US" sz="3300" b="1" dirty="0" smtClean="0">
+                <a:solidFill>
+                  <a:schemeClr val="accent6">
+                    <a:lumMod val="50000"/>
+                  </a:schemeClr>
+                </a:solidFill>
+              </a:rPr>
+              <a:t>        concat:{</a:t>
+            </a:r>
+          </a:p>
+          <a:p>
+            <a:pPr algn="l"/>
+            <a:r>
+              <a:rPr lang="en-US" sz="3300" b="1" dirty="0" smtClean="0">
+                <a:solidFill>
+                  <a:schemeClr val="accent6">
+                    <a:lumMod val="50000"/>
+                  </a:schemeClr>
+                </a:solidFill>
+              </a:rPr>
+              <a:t>            options:{</a:t>
+            </a:r>
+          </a:p>
+          <a:p>
+            <a:pPr algn="l"/>
+            <a:r>
+              <a:rPr lang="en-US" sz="3300" b="1" dirty="0" smtClean="0">
+                <a:solidFill>
+                  <a:schemeClr val="accent6">
+                    <a:lumMod val="50000"/>
+                  </a:schemeClr>
+                </a:solidFill>
+              </a:rPr>
+              <a:t>             </a:t>
+            </a:r>
+            <a:r>
+              <a:rPr lang="en-US" sz="3300" b="1" dirty="0" err="1" smtClean="0">
+                <a:solidFill>
+                  <a:schemeClr val="accent6">
+                    <a:lumMod val="50000"/>
+                  </a:schemeClr>
+                </a:solidFill>
+              </a:rPr>
+              <a:t>seperator</a:t>
+            </a:r>
+            <a:r>
+              <a:rPr lang="en-US" sz="3300" b="1" dirty="0" smtClean="0">
+                <a:solidFill>
+                  <a:schemeClr val="accent6">
+                    <a:lumMod val="50000"/>
+                  </a:schemeClr>
+                </a:solidFill>
+              </a:rPr>
+              <a:t>:"\n\n"   </a:t>
+            </a:r>
+          </a:p>
+          <a:p>
+            <a:pPr algn="l"/>
+            <a:r>
+              <a:rPr lang="en-US" sz="3300" b="1" dirty="0" smtClean="0">
+                <a:solidFill>
+                  <a:schemeClr val="accent6">
+                    <a:lumMod val="50000"/>
+                  </a:schemeClr>
+                </a:solidFill>
+              </a:rPr>
+              <a:t>            },</a:t>
+            </a:r>
+          </a:p>
+          <a:p>
+            <a:pPr algn="l"/>
+            <a:r>
+              <a:rPr lang="en-US" sz="3300" b="1" dirty="0" smtClean="0">
+                <a:solidFill>
+                  <a:schemeClr val="accent6">
+                    <a:lumMod val="50000"/>
+                  </a:schemeClr>
+                </a:solidFill>
+              </a:rPr>
+              <a:t>            dist:{</a:t>
+            </a:r>
+          </a:p>
+          <a:p>
+            <a:pPr algn="l"/>
+            <a:r>
+              <a:rPr lang="en-US" sz="3300" b="1" dirty="0" smtClean="0">
+                <a:solidFill>
+                  <a:schemeClr val="accent6">
+                    <a:lumMod val="50000"/>
+                  </a:schemeClr>
+                </a:solidFill>
+              </a:rPr>
+              <a:t>               </a:t>
+            </a:r>
+            <a:r>
+              <a:rPr lang="en-US" sz="3300" b="1" dirty="0" err="1" smtClean="0">
+                <a:solidFill>
+                  <a:schemeClr val="accent6">
+                    <a:lumMod val="50000"/>
+                  </a:schemeClr>
+                </a:solidFill>
+              </a:rPr>
+              <a:t>src</a:t>
+            </a:r>
+            <a:r>
+              <a:rPr lang="en-US" sz="3300" b="1" dirty="0" smtClean="0">
+                <a:solidFill>
+                  <a:schemeClr val="accent6">
+                    <a:lumMod val="50000"/>
+                  </a:schemeClr>
+                </a:solidFill>
+              </a:rPr>
+              <a:t>:['JS/</a:t>
+            </a:r>
+            <a:r>
+              <a:rPr lang="en-US" sz="3300" b="1" dirty="0" err="1" smtClean="0">
+                <a:solidFill>
+                  <a:schemeClr val="accent6">
+                    <a:lumMod val="50000"/>
+                  </a:schemeClr>
+                </a:solidFill>
+              </a:rPr>
+              <a:t>FirstFile.js','JS</a:t>
+            </a:r>
+            <a:r>
+              <a:rPr lang="en-US" sz="3300" b="1" dirty="0" smtClean="0">
+                <a:solidFill>
+                  <a:schemeClr val="accent6">
+                    <a:lumMod val="50000"/>
+                  </a:schemeClr>
+                </a:solidFill>
+              </a:rPr>
+              <a:t>/SecondFile.js'],</a:t>
+            </a:r>
+          </a:p>
+          <a:p>
+            <a:pPr algn="l"/>
+            <a:r>
+              <a:rPr lang="en-US" sz="3300" b="1" dirty="0" smtClean="0">
+                <a:solidFill>
+                  <a:schemeClr val="accent6">
+                    <a:lumMod val="50000"/>
+                  </a:schemeClr>
+                </a:solidFill>
+              </a:rPr>
+              <a:t>               </a:t>
+            </a:r>
+            <a:r>
+              <a:rPr lang="en-US" sz="3300" b="1" dirty="0" err="1" smtClean="0">
+                <a:solidFill>
+                  <a:schemeClr val="accent6">
+                    <a:lumMod val="50000"/>
+                  </a:schemeClr>
+                </a:solidFill>
+              </a:rPr>
+              <a:t>dest:'bin</a:t>
+            </a:r>
+            <a:r>
+              <a:rPr lang="en-US" sz="3300" b="1" dirty="0" smtClean="0">
+                <a:solidFill>
+                  <a:schemeClr val="accent6">
+                    <a:lumMod val="50000"/>
+                  </a:schemeClr>
+                </a:solidFill>
+              </a:rPr>
+              <a:t>/&lt;%=pkg.name%&gt;.</a:t>
+            </a:r>
+            <a:r>
+              <a:rPr lang="en-US" sz="3300" b="1" dirty="0" err="1" smtClean="0">
+                <a:solidFill>
+                  <a:schemeClr val="accent6">
+                    <a:lumMod val="50000"/>
+                  </a:schemeClr>
+                </a:solidFill>
+              </a:rPr>
+              <a:t>js</a:t>
+            </a:r>
+            <a:r>
+              <a:rPr lang="en-US" sz="3300" b="1" dirty="0" smtClean="0">
+                <a:solidFill>
+                  <a:schemeClr val="accent6">
+                    <a:lumMod val="50000"/>
+                  </a:schemeClr>
+                </a:solidFill>
+              </a:rPr>
+              <a:t>'</a:t>
+            </a:r>
+          </a:p>
+          <a:p>
+            <a:pPr algn="l"/>
+            <a:r>
+              <a:rPr lang="en-US" sz="3300" b="1" dirty="0" smtClean="0">
+                <a:solidFill>
+                  <a:schemeClr val="accent6">
+                    <a:lumMod val="50000"/>
+                  </a:schemeClr>
+                </a:solidFill>
+              </a:rPr>
+              <a:t>            },</a:t>
+            </a:r>
+          </a:p>
+          <a:p>
+            <a:pPr algn="l"/>
+            <a:r>
+              <a:rPr lang="en-US" sz="3300" b="1" dirty="0" smtClean="0">
+                <a:solidFill>
+                  <a:schemeClr val="accent6">
+                    <a:lumMod val="50000"/>
+                  </a:schemeClr>
+                </a:solidFill>
+              </a:rPr>
+              <a:t>            styles:{</a:t>
+            </a:r>
+          </a:p>
+          <a:p>
+            <a:pPr algn="l"/>
+            <a:r>
+              <a:rPr lang="en-US" sz="3300" b="1" dirty="0" smtClean="0">
+                <a:solidFill>
+                  <a:schemeClr val="accent6">
+                    <a:lumMod val="50000"/>
+                  </a:schemeClr>
+                </a:solidFill>
+              </a:rPr>
+              <a:t>	 </a:t>
+            </a:r>
+            <a:r>
+              <a:rPr lang="en-US" sz="3300" b="1" dirty="0" err="1" smtClean="0">
+                <a:solidFill>
+                  <a:schemeClr val="accent6">
+                    <a:lumMod val="50000"/>
+                  </a:schemeClr>
+                </a:solidFill>
+              </a:rPr>
+              <a:t>src</a:t>
+            </a:r>
+            <a:r>
+              <a:rPr lang="en-US" sz="3300" b="1" dirty="0" smtClean="0">
+                <a:solidFill>
+                  <a:schemeClr val="accent6">
+                    <a:lumMod val="50000"/>
+                  </a:schemeClr>
+                </a:solidFill>
+              </a:rPr>
+              <a:t>:[‘</a:t>
+            </a:r>
+            <a:r>
+              <a:rPr lang="en-US" sz="3300" b="1" dirty="0" err="1" smtClean="0">
+                <a:solidFill>
+                  <a:schemeClr val="accent6">
+                    <a:lumMod val="50000"/>
+                  </a:schemeClr>
+                </a:solidFill>
+              </a:rPr>
+              <a:t>css</a:t>
+            </a:r>
+            <a:r>
+              <a:rPr lang="en-US" sz="3300" b="1" dirty="0" smtClean="0">
+                <a:solidFill>
+                  <a:schemeClr val="accent6">
+                    <a:lumMod val="50000"/>
+                  </a:schemeClr>
+                </a:solidFill>
+              </a:rPr>
+              <a:t>/</a:t>
+            </a:r>
+            <a:r>
+              <a:rPr lang="en-US" sz="3300" b="1" dirty="0" err="1" smtClean="0">
+                <a:solidFill>
+                  <a:schemeClr val="accent6">
+                    <a:lumMod val="50000"/>
+                  </a:schemeClr>
+                </a:solidFill>
+              </a:rPr>
+              <a:t>bootstrap.css’,’css</a:t>
+            </a:r>
+            <a:r>
+              <a:rPr lang="en-US" sz="3300" b="1" dirty="0" smtClean="0">
+                <a:solidFill>
+                  <a:schemeClr val="accent6">
+                    <a:lumMod val="50000"/>
+                  </a:schemeClr>
+                </a:solidFill>
+              </a:rPr>
+              <a:t>/custom.css’],</a:t>
+            </a:r>
+          </a:p>
+          <a:p>
+            <a:pPr algn="l"/>
+            <a:r>
+              <a:rPr lang="en-US" sz="3300" b="1" dirty="0" smtClean="0">
+                <a:solidFill>
+                  <a:schemeClr val="accent6">
+                    <a:lumMod val="50000"/>
+                  </a:schemeClr>
+                </a:solidFill>
+              </a:rPr>
+              <a:t>	 </a:t>
+            </a:r>
+            <a:r>
+              <a:rPr lang="en-US" sz="3300" b="1" dirty="0" err="1" smtClean="0">
+                <a:solidFill>
+                  <a:schemeClr val="accent6">
+                    <a:lumMod val="50000"/>
+                  </a:schemeClr>
+                </a:solidFill>
+              </a:rPr>
+              <a:t>dest:’css</a:t>
+            </a:r>
+            <a:r>
+              <a:rPr lang="en-US" sz="3300" b="1" dirty="0" smtClean="0">
+                <a:solidFill>
+                  <a:schemeClr val="accent6">
+                    <a:lumMod val="50000"/>
+                  </a:schemeClr>
+                </a:solidFill>
+              </a:rPr>
+              <a:t>/styles.css’</a:t>
+            </a:r>
+          </a:p>
+          <a:p>
+            <a:pPr algn="l"/>
+            <a:r>
+              <a:rPr lang="en-US" sz="3300" b="1" dirty="0" smtClean="0">
+                <a:solidFill>
+                  <a:schemeClr val="accent6">
+                    <a:lumMod val="50000"/>
+                  </a:schemeClr>
+                </a:solidFill>
+              </a:rPr>
+              <a:t>                       }</a:t>
+            </a:r>
+          </a:p>
+          <a:p>
+            <a:pPr algn="l"/>
+            <a:r>
+              <a:rPr lang="en-US" sz="3300" b="1" dirty="0" smtClean="0">
+                <a:solidFill>
+                  <a:schemeClr val="accent6">
+                    <a:lumMod val="50000"/>
+                  </a:schemeClr>
+                </a:solidFill>
+              </a:rPr>
+              <a:t>            },</a:t>
+            </a:r>
+          </a:p>
+          <a:p>
+            <a:pPr algn="l"/>
+            <a:r>
+              <a:rPr lang="en-US" sz="3300" b="1" dirty="0" smtClean="0">
+                <a:solidFill>
+                  <a:schemeClr val="accent6">
+                    <a:lumMod val="50000"/>
+                  </a:schemeClr>
+                </a:solidFill>
+              </a:rPr>
+              <a:t>});</a:t>
+            </a:r>
+          </a:p>
+          <a:p>
+            <a:pPr algn="l"/>
+            <a:r>
+              <a:rPr lang="en-US" sz="3300" b="1" dirty="0" smtClean="0">
+                <a:solidFill>
+                  <a:schemeClr val="accent6">
+                    <a:lumMod val="50000"/>
+                  </a:schemeClr>
+                </a:solidFill>
+              </a:rPr>
+              <a:t>}</a:t>
+            </a:r>
+          </a:p>
+          <a:p>
+            <a:pPr algn="l"/>
+            <a:r>
+              <a:rPr lang="en-US" sz="3300" b="1" dirty="0" smtClean="0">
+                <a:solidFill>
+                  <a:schemeClr val="accent6">
+                    <a:lumMod val="50000"/>
+                  </a:schemeClr>
+                </a:solidFill>
+              </a:rPr>
+              <a:t>grunt concat : styles</a:t>
+            </a:r>
+          </a:p>
+        </p:txBody>
+      </p:sp>
+      <p:cxnSp>
+        <p:nvCxnSpPr>
+          <p:cNvPr id="12" name="Straight Arrow Connector 11"/>
+          <p:cNvCxnSpPr/>
+          <p:nvPr/>
+        </p:nvCxnSpPr>
+        <p:spPr>
+          <a:xfrm flipV="1">
+            <a:off x="3505200" y="5638800"/>
+            <a:ext cx="4343400" cy="762000"/>
+          </a:xfrm>
+          <a:prstGeom prst="straightConnector1">
+            <a:avLst/>
+          </a:prstGeom>
+          <a:ln w="38100">
+            <a:solidFill>
+              <a:schemeClr val="accent2"/>
+            </a:solidFill>
+            <a:tailEnd type="arrow"/>
+          </a:ln>
+        </p:spPr>
+        <p:style>
+          <a:lnRef idx="1">
+            <a:schemeClr val="accent1"/>
+          </a:lnRef>
+          <a:fillRef idx="0">
+            <a:schemeClr val="accent1"/>
+          </a:fillRef>
+          <a:effectRef idx="0">
+            <a:schemeClr val="accent1"/>
+          </a:effectRef>
+          <a:fontRef idx="minor">
+            <a:schemeClr val="tx1"/>
+          </a:fontRef>
+        </p:style>
+      </p:cxnSp>
+      <p:sp>
+        <p:nvSpPr>
+          <p:cNvPr id="13" name="Rounded Rectangle 12"/>
+          <p:cNvSpPr/>
+          <p:nvPr/>
+        </p:nvSpPr>
+        <p:spPr>
+          <a:xfrm>
+            <a:off x="7924800" y="5334000"/>
+            <a:ext cx="4267200" cy="533400"/>
+          </a:xfrm>
+          <a:prstGeom prst="roundRect">
+            <a:avLst/>
+          </a:prstGeom>
+          <a:solidFill>
+            <a:schemeClr val="tx1">
+              <a:lumMod val="65000"/>
+            </a:schemeClr>
+          </a:solidFill>
+          <a:ln>
+            <a:solidFill>
+              <a:schemeClr val="accent6">
+                <a:lumMod val="50000"/>
+              </a:schemeClr>
+            </a:solidFill>
+          </a:ln>
+        </p:spPr>
+        <p:style>
+          <a:lnRef idx="2">
+            <a:schemeClr val="accent1">
+              <a:shade val="50000"/>
+            </a:schemeClr>
+          </a:lnRef>
+          <a:fillRef idx="1">
+            <a:schemeClr val="accent1"/>
+          </a:fillRef>
+          <a:effectRef idx="0">
+            <a:schemeClr val="accent1"/>
+          </a:effectRef>
+          <a:fontRef idx="minor">
+            <a:schemeClr val="lt1"/>
+          </a:fontRef>
+        </p:style>
+        <p:txBody>
+          <a:bodyPr rtlCol="0" anchor="ctr"/>
+          <a:lstStyle/>
+          <a:p>
+            <a:r>
+              <a:rPr lang="en-US" dirty="0" smtClean="0">
+                <a:solidFill>
+                  <a:schemeClr val="accent6">
+                    <a:lumMod val="50000"/>
+                  </a:schemeClr>
+                </a:solidFill>
+              </a:rPr>
+              <a:t>Run the Task on command prompt</a:t>
+            </a:r>
+            <a:endParaRPr lang="en-US" dirty="0">
+              <a:solidFill>
+                <a:schemeClr val="accent6">
+                  <a:lumMod val="50000"/>
+                </a:schemeClr>
+              </a:solidFill>
+            </a:endParaRPr>
+          </a:p>
+        </p:txBody>
+      </p:sp>
+    </p:spTree>
+  </p:cSld>
+  <p:clrMapOvr>
+    <a:masterClrMapping/>
+  </p:clrMapOvr>
+</p:sld>
+</file>
+
+<file path=ppt/slides/slide15.xml><?xml version="1.0" encoding="utf-8"?>
+<p:sld xmlns:a="http://schemas.openxmlformats.org/drawingml/2006/main" xmlns:r="http://schemas.openxmlformats.org/officeDocument/2006/relationships" xmlns:p="http://schemas.openxmlformats.org/presentationml/2006/main">
+  <p:cSld>
+    <p:spTree>
+      <p:nvGrpSpPr>
+        <p:cNvPr id="1" name=""/>
+        <p:cNvGrpSpPr/>
+        <p:nvPr/>
+      </p:nvGrpSpPr>
+      <p:grpSpPr>
+        <a:xfrm>
+          <a:off x="0" y="0"/>
+          <a:ext cx="0" cy="0"/>
+          <a:chOff x="0" y="0"/>
+          <a:chExt cx="0" cy="0"/>
+        </a:xfrm>
+      </p:grpSpPr>
+      <p:sp>
+        <p:nvSpPr>
+          <p:cNvPr id="3" name="Subtitle 2"/>
+          <p:cNvSpPr>
+            <a:spLocks noGrp="1"/>
+          </p:cNvSpPr>
+          <p:nvPr>
+            <p:ph type="subTitle" idx="1"/>
+          </p:nvPr>
+        </p:nvSpPr>
+        <p:spPr>
+          <a:xfrm>
+            <a:off x="152400" y="228600"/>
+            <a:ext cx="8991600" cy="6629400"/>
+          </a:xfrm>
+        </p:spPr>
+        <p:txBody>
+          <a:bodyPr>
+            <a:normAutofit fontScale="92500" lnSpcReduction="10000"/>
+          </a:bodyPr>
+          <a:lstStyle/>
+          <a:p>
+            <a:pPr algn="l"/>
+            <a:r>
+              <a:rPr lang="en-US" sz="3300" b="1" dirty="0" smtClean="0">
+                <a:solidFill>
+                  <a:schemeClr val="bg1">
+                    <a:lumMod val="95000"/>
+                    <a:lumOff val="5000"/>
+                  </a:schemeClr>
+                </a:solidFill>
+              </a:rPr>
+              <a:t>Gulp-&gt; Gulp is a Javascript Task Runner just like Grunt.</a:t>
+            </a:r>
+          </a:p>
+          <a:p>
+            <a:pPr algn="l"/>
+            <a:endParaRPr lang="en-US" sz="3300" b="1" dirty="0" smtClean="0">
+              <a:solidFill>
+                <a:schemeClr val="bg1">
+                  <a:lumMod val="95000"/>
+                  <a:lumOff val="5000"/>
+                </a:schemeClr>
+              </a:solidFill>
+            </a:endParaRPr>
+          </a:p>
+          <a:p>
+            <a:pPr algn="l"/>
+            <a:r>
+              <a:rPr lang="en-US" b="1" dirty="0" smtClean="0">
+                <a:solidFill>
+                  <a:schemeClr val="accent5">
+                    <a:lumMod val="75000"/>
+                  </a:schemeClr>
+                </a:solidFill>
+              </a:rPr>
+              <a:t>var gulp=require('gulp');</a:t>
+            </a:r>
+          </a:p>
+          <a:p>
+            <a:pPr algn="l"/>
+            <a:r>
+              <a:rPr lang="en-US" b="1" dirty="0" smtClean="0">
+                <a:solidFill>
+                  <a:schemeClr val="accent5">
+                    <a:lumMod val="75000"/>
+                  </a:schemeClr>
+                </a:solidFill>
+              </a:rPr>
+              <a:t>var </a:t>
+            </a:r>
+            <a:r>
+              <a:rPr lang="en-US" b="1" dirty="0" err="1" smtClean="0">
+                <a:solidFill>
+                  <a:schemeClr val="accent5">
+                    <a:lumMod val="75000"/>
+                  </a:schemeClr>
+                </a:solidFill>
+              </a:rPr>
+              <a:t>concat</a:t>
+            </a:r>
+            <a:r>
+              <a:rPr lang="en-US" b="1" dirty="0" smtClean="0">
+                <a:solidFill>
+                  <a:schemeClr val="accent5">
+                    <a:lumMod val="75000"/>
+                  </a:schemeClr>
+                </a:solidFill>
+              </a:rPr>
+              <a:t>=require('gulp-</a:t>
+            </a:r>
+            <a:r>
+              <a:rPr lang="en-US" b="1" dirty="0" err="1" smtClean="0">
+                <a:solidFill>
+                  <a:schemeClr val="accent5">
+                    <a:lumMod val="75000"/>
+                  </a:schemeClr>
+                </a:solidFill>
+              </a:rPr>
+              <a:t>concat</a:t>
+            </a:r>
+            <a:r>
+              <a:rPr lang="en-US" b="1" dirty="0" smtClean="0">
+                <a:solidFill>
+                  <a:schemeClr val="accent5">
+                    <a:lumMod val="75000"/>
+                  </a:schemeClr>
+                </a:solidFill>
+              </a:rPr>
+              <a:t>');</a:t>
+            </a:r>
+          </a:p>
+          <a:p>
+            <a:pPr algn="l"/>
+            <a:r>
+              <a:rPr lang="en-US" b="1" dirty="0" smtClean="0">
+                <a:solidFill>
+                  <a:schemeClr val="accent5">
+                    <a:lumMod val="75000"/>
+                  </a:schemeClr>
+                </a:solidFill>
+              </a:rPr>
+              <a:t>var uglify=require('gulp-uglify');</a:t>
+            </a:r>
+          </a:p>
+          <a:p>
+            <a:pPr algn="l"/>
+            <a:endParaRPr lang="en-US" b="1" dirty="0" smtClean="0">
+              <a:solidFill>
+                <a:schemeClr val="accent5">
+                  <a:lumMod val="75000"/>
+                </a:schemeClr>
+              </a:solidFill>
+            </a:endParaRPr>
+          </a:p>
+          <a:p>
+            <a:pPr algn="l"/>
+            <a:r>
+              <a:rPr lang="en-US" b="1" dirty="0" smtClean="0">
+                <a:solidFill>
+                  <a:schemeClr val="accent5">
+                    <a:lumMod val="75000"/>
+                  </a:schemeClr>
+                </a:solidFill>
+              </a:rPr>
+              <a:t>gulp.task('</a:t>
+            </a:r>
+            <a:r>
+              <a:rPr lang="en-US" b="1" dirty="0" err="1" smtClean="0">
+                <a:solidFill>
+                  <a:schemeClr val="accent5">
+                    <a:lumMod val="75000"/>
+                  </a:schemeClr>
+                </a:solidFill>
+              </a:rPr>
+              <a:t>default',function</a:t>
+            </a:r>
+            <a:r>
+              <a:rPr lang="en-US" b="1" dirty="0" smtClean="0">
+                <a:solidFill>
+                  <a:schemeClr val="accent5">
+                    <a:lumMod val="75000"/>
+                  </a:schemeClr>
+                </a:solidFill>
+              </a:rPr>
+              <a:t>(){</a:t>
+            </a:r>
+          </a:p>
+          <a:p>
+            <a:pPr algn="l"/>
+            <a:r>
+              <a:rPr lang="en-US" b="1" dirty="0" smtClean="0">
+                <a:solidFill>
+                  <a:schemeClr val="accent5">
+                    <a:lumMod val="75000"/>
+                  </a:schemeClr>
+                </a:solidFill>
+              </a:rPr>
+              <a:t>    return gulp.src(['JS/</a:t>
+            </a:r>
+            <a:r>
+              <a:rPr lang="en-US" b="1" dirty="0" err="1" smtClean="0">
+                <a:solidFill>
+                  <a:schemeClr val="accent5">
+                    <a:lumMod val="75000"/>
+                  </a:schemeClr>
+                </a:solidFill>
+              </a:rPr>
+              <a:t>FirstFile.js','JS</a:t>
+            </a:r>
+            <a:r>
+              <a:rPr lang="en-US" b="1" dirty="0" smtClean="0">
+                <a:solidFill>
+                  <a:schemeClr val="accent5">
+                    <a:lumMod val="75000"/>
+                  </a:schemeClr>
+                </a:solidFill>
+              </a:rPr>
+              <a:t>/SecondFile.js'])</a:t>
+            </a:r>
+          </a:p>
+          <a:p>
+            <a:pPr algn="l"/>
+            <a:r>
+              <a:rPr lang="en-US" b="1" dirty="0" smtClean="0">
+                <a:solidFill>
+                  <a:schemeClr val="accent5">
+                    <a:lumMod val="75000"/>
+                  </a:schemeClr>
+                </a:solidFill>
+              </a:rPr>
+              <a:t>    .pipe(concat('NewName.js'))</a:t>
+            </a:r>
+          </a:p>
+          <a:p>
+            <a:pPr algn="l"/>
+            <a:r>
+              <a:rPr lang="en-US" b="1" dirty="0" smtClean="0">
+                <a:solidFill>
+                  <a:schemeClr val="accent5">
+                    <a:lumMod val="75000"/>
+                  </a:schemeClr>
+                </a:solidFill>
+              </a:rPr>
+              <a:t>    .pipe(</a:t>
+            </a:r>
+            <a:r>
+              <a:rPr lang="en-US" b="1" dirty="0" err="1" smtClean="0">
+                <a:solidFill>
+                  <a:schemeClr val="accent5">
+                    <a:lumMod val="75000"/>
+                  </a:schemeClr>
+                </a:solidFill>
+              </a:rPr>
+              <a:t>gulp.dest</a:t>
+            </a:r>
+            <a:r>
+              <a:rPr lang="en-US" b="1" dirty="0" smtClean="0">
+                <a:solidFill>
+                  <a:schemeClr val="accent5">
+                    <a:lumMod val="75000"/>
+                  </a:schemeClr>
+                </a:solidFill>
+              </a:rPr>
+              <a:t>('</a:t>
+            </a:r>
+            <a:r>
+              <a:rPr lang="en-US" b="1" dirty="0" err="1" smtClean="0">
+                <a:solidFill>
+                  <a:schemeClr val="accent5">
+                    <a:lumMod val="75000"/>
+                  </a:schemeClr>
+                </a:solidFill>
+              </a:rPr>
+              <a:t>src</a:t>
+            </a:r>
+            <a:r>
+              <a:rPr lang="en-US" b="1" dirty="0" smtClean="0">
+                <a:solidFill>
+                  <a:schemeClr val="accent5">
+                    <a:lumMod val="75000"/>
+                  </a:schemeClr>
+                </a:solidFill>
+              </a:rPr>
+              <a:t>'))</a:t>
+            </a:r>
+          </a:p>
+          <a:p>
+            <a:pPr algn="l"/>
+            <a:r>
+              <a:rPr lang="en-US" b="1" dirty="0" smtClean="0">
+                <a:solidFill>
+                  <a:schemeClr val="accent5">
+                    <a:lumMod val="75000"/>
+                  </a:schemeClr>
+                </a:solidFill>
+              </a:rPr>
+              <a:t>    .pipe(uglify())</a:t>
+            </a:r>
+          </a:p>
+          <a:p>
+            <a:pPr algn="l"/>
+            <a:r>
+              <a:rPr lang="en-US" b="1" dirty="0" smtClean="0">
+                <a:solidFill>
+                  <a:schemeClr val="accent5">
+                    <a:lumMod val="75000"/>
+                  </a:schemeClr>
+                </a:solidFill>
+              </a:rPr>
+              <a:t>    .pipe(</a:t>
+            </a:r>
+            <a:r>
+              <a:rPr lang="en-US" b="1" dirty="0" err="1" smtClean="0">
+                <a:solidFill>
+                  <a:schemeClr val="accent5">
+                    <a:lumMod val="75000"/>
+                  </a:schemeClr>
+                </a:solidFill>
+              </a:rPr>
+              <a:t>gulp.dest</a:t>
+            </a:r>
+            <a:r>
+              <a:rPr lang="en-US" b="1" dirty="0" smtClean="0">
+                <a:solidFill>
+                  <a:schemeClr val="accent5">
+                    <a:lumMod val="75000"/>
+                  </a:schemeClr>
+                </a:solidFill>
+              </a:rPr>
+              <a:t>('bin'));</a:t>
+            </a:r>
+          </a:p>
+          <a:p>
+            <a:pPr algn="l"/>
+            <a:r>
+              <a:rPr lang="en-US" b="1" dirty="0" smtClean="0">
+                <a:solidFill>
+                  <a:schemeClr val="accent5">
+                    <a:lumMod val="75000"/>
+                  </a:schemeClr>
+                </a:solidFill>
+              </a:rPr>
+              <a:t>});</a:t>
+            </a:r>
+          </a:p>
+          <a:p>
+            <a:pPr algn="l"/>
+            <a:endParaRPr lang="en-US" b="1" dirty="0" smtClean="0">
+              <a:solidFill>
+                <a:schemeClr val="accent5">
+                  <a:lumMod val="75000"/>
+                </a:schemeClr>
+              </a:solidFill>
+            </a:endParaRPr>
+          </a:p>
+          <a:p>
+            <a:pPr algn="l"/>
+            <a:r>
+              <a:rPr lang="en-US" b="1" dirty="0" smtClean="0">
+                <a:solidFill>
+                  <a:schemeClr val="accent5">
+                    <a:lumMod val="75000"/>
+                  </a:schemeClr>
+                </a:solidFill>
+              </a:rPr>
+              <a:t>gulp </a:t>
+            </a:r>
+          </a:p>
+          <a:p>
+            <a:pPr algn="l"/>
+            <a:endParaRPr lang="en-US" b="1" dirty="0" smtClean="0">
+              <a:solidFill>
+                <a:schemeClr val="accent5">
+                  <a:lumMod val="75000"/>
+                </a:schemeClr>
+              </a:solidFill>
+            </a:endParaRPr>
+          </a:p>
+          <a:p>
+            <a:pPr algn="l"/>
+            <a:endParaRPr lang="en-US" b="1" dirty="0" smtClean="0">
+              <a:solidFill>
+                <a:schemeClr val="accent5">
+                  <a:lumMod val="75000"/>
+                </a:schemeClr>
+              </a:solidFill>
+            </a:endParaRPr>
+          </a:p>
+        </p:txBody>
+      </p:sp>
+      <p:sp>
+        <p:nvSpPr>
+          <p:cNvPr id="5" name="Rounded Rectangle 4"/>
+          <p:cNvSpPr/>
+          <p:nvPr/>
+        </p:nvSpPr>
+        <p:spPr>
+          <a:xfrm>
+            <a:off x="6019800" y="5486400"/>
+            <a:ext cx="1752600" cy="533400"/>
+          </a:xfrm>
+          <a:prstGeom prst="roundRect">
+            <a:avLst/>
+          </a:prstGeom>
+          <a:solidFill>
+            <a:schemeClr val="tx1">
+              <a:lumMod val="65000"/>
+            </a:schemeClr>
+          </a:solidFill>
+          <a:ln>
+            <a:solidFill>
+              <a:schemeClr val="accent6">
+                <a:lumMod val="50000"/>
+              </a:schemeClr>
+            </a:solidFill>
+          </a:ln>
+        </p:spPr>
+        <p:style>
+          <a:lnRef idx="2">
+            <a:schemeClr val="accent1">
+              <a:shade val="50000"/>
+            </a:schemeClr>
+          </a:lnRef>
+          <a:fillRef idx="1">
+            <a:schemeClr val="accent1"/>
+          </a:fillRef>
+          <a:effectRef idx="0">
+            <a:schemeClr val="accent1"/>
+          </a:effectRef>
+          <a:fontRef idx="minor">
+            <a:schemeClr val="lt1"/>
+          </a:fontRef>
+        </p:style>
+        <p:txBody>
+          <a:bodyPr rtlCol="0" anchor="ctr"/>
+          <a:lstStyle/>
+          <a:p>
+            <a:r>
+              <a:rPr lang="en-US" dirty="0" smtClean="0">
+                <a:solidFill>
+                  <a:schemeClr val="accent6">
+                    <a:lumMod val="50000"/>
+                  </a:schemeClr>
+                </a:solidFill>
+              </a:rPr>
+              <a:t>Run the Task</a:t>
+            </a:r>
+            <a:endParaRPr lang="en-US" dirty="0">
+              <a:solidFill>
+                <a:schemeClr val="accent6">
+                  <a:lumMod val="50000"/>
+                </a:schemeClr>
+              </a:solidFill>
+            </a:endParaRPr>
+          </a:p>
+        </p:txBody>
+      </p:sp>
+      <p:cxnSp>
+        <p:nvCxnSpPr>
+          <p:cNvPr id="6" name="Straight Arrow Connector 5"/>
+          <p:cNvCxnSpPr/>
+          <p:nvPr/>
+        </p:nvCxnSpPr>
+        <p:spPr>
+          <a:xfrm flipV="1">
+            <a:off x="1143000" y="5715000"/>
+            <a:ext cx="4800600" cy="609600"/>
+          </a:xfrm>
+          <a:prstGeom prst="straightConnector1">
+            <a:avLst/>
+          </a:prstGeom>
+          <a:ln w="38100">
+            <a:solidFill>
+              <a:schemeClr val="accent2"/>
+            </a:solidFill>
+            <a:tailEnd type="arrow"/>
+          </a:ln>
+        </p:spPr>
+        <p:style>
+          <a:lnRef idx="1">
+            <a:schemeClr val="accent1"/>
+          </a:lnRef>
+          <a:fillRef idx="0">
+            <a:schemeClr val="accent1"/>
+          </a:fillRef>
+          <a:effectRef idx="0">
+            <a:schemeClr val="accent1"/>
+          </a:effectRef>
+          <a:fontRef idx="minor">
+            <a:schemeClr val="tx1"/>
+          </a:fontRef>
+        </p:style>
+      </p:cxnSp>
+    </p:spTree>
+  </p:cSld>
+  <p:clrMapOvr>
+    <a:masterClrMapping/>
+  </p:clrMapOvr>
+</p:sld>
+</file>
+
+<file path=ppt/slides/slide16.xml><?xml version="1.0" encoding="utf-8"?>
+<p:sld xmlns:a="http://schemas.openxmlformats.org/drawingml/2006/main" xmlns:r="http://schemas.openxmlformats.org/officeDocument/2006/relationships" xmlns:p="http://schemas.openxmlformats.org/presentationml/2006/main">
+  <p:cSld>
+    <p:spTree>
+      <p:nvGrpSpPr>
+        <p:cNvPr id="1" name=""/>
+        <p:cNvGrpSpPr/>
+        <p:nvPr/>
+      </p:nvGrpSpPr>
+      <p:grpSpPr>
+        <a:xfrm>
+          <a:off x="0" y="0"/>
+          <a:ext cx="0" cy="0"/>
+          <a:chOff x="0" y="0"/>
+          <a:chExt cx="0" cy="0"/>
+        </a:xfrm>
+      </p:grpSpPr>
+      <p:sp>
+        <p:nvSpPr>
+          <p:cNvPr id="3" name="Subtitle 2"/>
+          <p:cNvSpPr>
+            <a:spLocks noGrp="1"/>
+          </p:cNvSpPr>
+          <p:nvPr>
+            <p:ph type="subTitle" idx="1"/>
+          </p:nvPr>
+        </p:nvSpPr>
+        <p:spPr>
+          <a:xfrm>
+            <a:off x="152400" y="228600"/>
+            <a:ext cx="8991600" cy="6629400"/>
+          </a:xfrm>
+        </p:spPr>
+        <p:txBody>
+          <a:bodyPr>
+            <a:normAutofit/>
+          </a:bodyPr>
+          <a:lstStyle/>
+          <a:p>
+            <a:pPr algn="l"/>
+            <a:endParaRPr lang="en-US" b="1" dirty="0" smtClean="0">
+              <a:solidFill>
+                <a:schemeClr val="accent5">
+                  <a:lumMod val="75000"/>
+                </a:schemeClr>
+              </a:solidFill>
+            </a:endParaRPr>
+          </a:p>
+          <a:p>
+            <a:pPr algn="l"/>
+            <a:r>
+              <a:rPr lang="en-US" b="1" dirty="0" smtClean="0">
+                <a:solidFill>
+                  <a:schemeClr val="bg1"/>
+                </a:solidFill>
+              </a:rPr>
+              <a:t>How to set up Gulp to run synchronous tasks?</a:t>
+            </a:r>
+          </a:p>
+          <a:p>
+            <a:pPr algn="l"/>
+            <a:endParaRPr lang="en-US" b="1" dirty="0" smtClean="0">
+              <a:solidFill>
+                <a:schemeClr val="bg1"/>
+              </a:solidFill>
+            </a:endParaRPr>
+          </a:p>
+          <a:p>
+            <a:pPr algn="l"/>
+            <a:r>
+              <a:rPr lang="en-US" b="1" dirty="0" smtClean="0">
+                <a:solidFill>
+                  <a:schemeClr val="bg1"/>
+                </a:solidFill>
+              </a:rPr>
+              <a:t>Gulp tasks are asynchronous so if you want to run tasks synchronously the you have to get</a:t>
+            </a:r>
+          </a:p>
+          <a:p>
+            <a:pPr algn="l"/>
+            <a:r>
+              <a:rPr lang="en-US" b="1" dirty="0" smtClean="0">
+                <a:solidFill>
+                  <a:schemeClr val="accent5">
+                    <a:lumMod val="50000"/>
+                  </a:schemeClr>
+                </a:solidFill>
+              </a:rPr>
+              <a:t>npm install run-sequence –save-dev</a:t>
+            </a:r>
+          </a:p>
+          <a:p>
+            <a:pPr algn="l"/>
+            <a:endParaRPr lang="en-US" b="1" dirty="0" smtClean="0">
+              <a:solidFill>
+                <a:schemeClr val="accent5">
+                  <a:lumMod val="50000"/>
+                </a:schemeClr>
+              </a:solidFill>
+            </a:endParaRPr>
+          </a:p>
+          <a:p>
+            <a:pPr algn="l"/>
+            <a:r>
+              <a:rPr lang="en-US" b="1" dirty="0" smtClean="0">
+                <a:solidFill>
+                  <a:schemeClr val="accent5">
+                    <a:lumMod val="50000"/>
+                  </a:schemeClr>
+                </a:solidFill>
+              </a:rPr>
+              <a:t>var runSequence=require(‘run-sequence’);</a:t>
+            </a:r>
+          </a:p>
+          <a:p>
+            <a:pPr algn="l"/>
+            <a:endParaRPr lang="en-US" b="1" dirty="0" smtClean="0">
+              <a:solidFill>
+                <a:schemeClr val="accent5">
+                  <a:lumMod val="50000"/>
+                </a:schemeClr>
+              </a:solidFill>
+            </a:endParaRPr>
+          </a:p>
+          <a:p>
+            <a:pPr algn="l"/>
+            <a:r>
+              <a:rPr lang="en-US" b="1" dirty="0" smtClean="0">
+                <a:solidFill>
+                  <a:schemeClr val="accent5">
+                    <a:lumMod val="50000"/>
+                  </a:schemeClr>
+                </a:solidFill>
+              </a:rPr>
+              <a:t>runSequence(‘Task1’,’Task2’);</a:t>
+            </a:r>
+          </a:p>
+        </p:txBody>
+      </p:sp>
+    </p:spTree>
+  </p:cSld>
+  <p:clrMapOvr>
+    <a:masterClrMapping/>
+  </p:clrMapOvr>
+</p:sld>
+</file>
+
+<file path=ppt/slides/slide17.xml><?xml version="1.0" encoding="utf-8"?>
+<p:sld xmlns:a="http://schemas.openxmlformats.org/drawingml/2006/main" xmlns:r="http://schemas.openxmlformats.org/officeDocument/2006/relationships" xmlns:p="http://schemas.openxmlformats.org/presentationml/2006/main">
+  <p:cSld>
+    <p:spTree>
+      <p:nvGrpSpPr>
+        <p:cNvPr id="1" name=""/>
+        <p:cNvGrpSpPr/>
+        <p:nvPr/>
+      </p:nvGrpSpPr>
+      <p:grpSpPr>
+        <a:xfrm>
+          <a:off x="0" y="0"/>
+          <a:ext cx="0" cy="0"/>
+          <a:chOff x="0" y="0"/>
+          <a:chExt cx="0" cy="0"/>
+        </a:xfrm>
+      </p:grpSpPr>
+      <p:sp>
+        <p:nvSpPr>
+          <p:cNvPr id="3" name="Subtitle 2"/>
+          <p:cNvSpPr>
+            <a:spLocks noGrp="1"/>
+          </p:cNvSpPr>
+          <p:nvPr>
+            <p:ph type="subTitle" idx="1"/>
+          </p:nvPr>
+        </p:nvSpPr>
+        <p:spPr>
+          <a:xfrm>
+            <a:off x="152400" y="228600"/>
+            <a:ext cx="8991600" cy="6629400"/>
+          </a:xfrm>
+        </p:spPr>
+        <p:txBody>
+          <a:bodyPr>
+            <a:normAutofit/>
+          </a:bodyPr>
+          <a:lstStyle/>
+          <a:p>
+            <a:pPr algn="l"/>
+            <a:endParaRPr lang="en-US" b="1" dirty="0" smtClean="0">
+              <a:solidFill>
+                <a:schemeClr val="accent5">
+                  <a:lumMod val="75000"/>
+                </a:schemeClr>
+              </a:solidFill>
+            </a:endParaRPr>
+          </a:p>
+          <a:p>
+            <a:pPr algn="l"/>
+            <a:r>
+              <a:rPr lang="en-US" b="1" dirty="0" smtClean="0">
+                <a:solidFill>
+                  <a:schemeClr val="bg1"/>
+                </a:solidFill>
+              </a:rPr>
+              <a:t>How to </a:t>
+            </a:r>
+            <a:r>
+              <a:rPr lang="en-US" b="1" dirty="0" smtClean="0">
+                <a:solidFill>
+                  <a:schemeClr val="bg1"/>
+                </a:solidFill>
+              </a:rPr>
+              <a:t>use Watch in Gulp?</a:t>
+            </a:r>
+            <a:endParaRPr lang="en-US" b="1" dirty="0" smtClean="0">
+              <a:solidFill>
+                <a:schemeClr val="bg1"/>
+              </a:solidFill>
+            </a:endParaRPr>
+          </a:p>
+          <a:p>
+            <a:pPr algn="l"/>
+            <a:endParaRPr lang="en-US" b="1" dirty="0" smtClean="0">
+              <a:solidFill>
+                <a:schemeClr val="bg1"/>
+              </a:solidFill>
+            </a:endParaRPr>
+          </a:p>
+          <a:p>
+            <a:pPr algn="l"/>
+            <a:r>
+              <a:rPr lang="en-US" sz="2400" b="1" dirty="0" smtClean="0">
+                <a:solidFill>
+                  <a:schemeClr val="accent5">
+                    <a:lumMod val="50000"/>
+                  </a:schemeClr>
+                </a:solidFill>
+              </a:rPr>
+              <a:t>var watch=require('gulp-watch</a:t>
+            </a:r>
+            <a:r>
+              <a:rPr lang="en-US" sz="2400" b="1" dirty="0" smtClean="0">
+                <a:solidFill>
+                  <a:schemeClr val="accent5">
+                    <a:lumMod val="50000"/>
+                  </a:schemeClr>
+                </a:solidFill>
+              </a:rPr>
+              <a:t>');</a:t>
+            </a:r>
+          </a:p>
+          <a:p>
+            <a:pPr algn="l"/>
+            <a:endParaRPr lang="en-US" sz="2400" b="1" dirty="0" smtClean="0">
+              <a:solidFill>
+                <a:schemeClr val="accent5">
+                  <a:lumMod val="50000"/>
+                </a:schemeClr>
+              </a:solidFill>
+            </a:endParaRPr>
+          </a:p>
+          <a:p>
+            <a:pPr algn="l"/>
+            <a:r>
+              <a:rPr lang="en-US" sz="2400" b="1" dirty="0" smtClean="0">
+                <a:solidFill>
+                  <a:schemeClr val="accent5">
+                    <a:lumMod val="50000"/>
+                  </a:schemeClr>
+                </a:solidFill>
+              </a:rPr>
+              <a:t>gulp.task('</a:t>
+            </a:r>
+            <a:r>
+              <a:rPr lang="en-US" sz="2400" b="1" dirty="0" err="1" smtClean="0">
+                <a:solidFill>
+                  <a:schemeClr val="accent5">
+                    <a:lumMod val="50000"/>
+                  </a:schemeClr>
+                </a:solidFill>
+              </a:rPr>
+              <a:t>devjs</a:t>
+            </a:r>
+            <a:r>
+              <a:rPr lang="en-US" sz="2400" b="1" dirty="0" smtClean="0">
+                <a:solidFill>
+                  <a:schemeClr val="accent5">
+                    <a:lumMod val="50000"/>
+                  </a:schemeClr>
+                </a:solidFill>
+              </a:rPr>
+              <a:t>', function</a:t>
+            </a:r>
+            <a:r>
+              <a:rPr lang="en-US" sz="2400" b="1" dirty="0" smtClean="0">
+                <a:solidFill>
+                  <a:schemeClr val="accent5">
+                    <a:lumMod val="50000"/>
+                  </a:schemeClr>
+                </a:solidFill>
+              </a:rPr>
+              <a:t>(){</a:t>
+            </a:r>
+          </a:p>
+          <a:p>
+            <a:pPr algn="l"/>
+            <a:r>
+              <a:rPr lang="en-US" sz="2400" b="1" dirty="0" smtClean="0">
+                <a:solidFill>
+                  <a:schemeClr val="accent5">
+                    <a:lumMod val="50000"/>
+                  </a:schemeClr>
+                </a:solidFill>
+              </a:rPr>
+              <a:t>    return gulp.src('JS/*.js')</a:t>
+            </a:r>
+          </a:p>
+          <a:p>
+            <a:pPr algn="l"/>
+            <a:r>
+              <a:rPr lang="en-US" sz="2400" b="1" dirty="0" smtClean="0">
+                <a:solidFill>
+                  <a:schemeClr val="accent5">
+                    <a:lumMod val="50000"/>
+                  </a:schemeClr>
+                </a:solidFill>
+              </a:rPr>
+              <a:t>    .pipe(</a:t>
+            </a:r>
+            <a:r>
+              <a:rPr lang="en-US" sz="2400" b="1" dirty="0" err="1" smtClean="0">
+                <a:solidFill>
+                  <a:schemeClr val="accent5">
+                    <a:lumMod val="50000"/>
+                  </a:schemeClr>
+                </a:solidFill>
+              </a:rPr>
+              <a:t>concat</a:t>
+            </a:r>
+            <a:r>
+              <a:rPr lang="en-US" sz="2400" b="1" dirty="0" smtClean="0">
+                <a:solidFill>
+                  <a:schemeClr val="accent5">
+                    <a:lumMod val="50000"/>
+                  </a:schemeClr>
+                </a:solidFill>
+              </a:rPr>
+              <a:t>('MinFile.js'))</a:t>
+            </a:r>
+          </a:p>
+          <a:p>
+            <a:pPr algn="l"/>
+            <a:r>
+              <a:rPr lang="en-US" sz="2400" b="1" dirty="0" smtClean="0">
+                <a:solidFill>
+                  <a:schemeClr val="accent5">
+                    <a:lumMod val="50000"/>
+                  </a:schemeClr>
+                </a:solidFill>
+              </a:rPr>
+              <a:t>    .pipe(</a:t>
+            </a:r>
+            <a:r>
+              <a:rPr lang="en-US" sz="2400" b="1" dirty="0" err="1" smtClean="0">
+                <a:solidFill>
+                  <a:schemeClr val="accent5">
+                    <a:lumMod val="50000"/>
+                  </a:schemeClr>
+                </a:solidFill>
+              </a:rPr>
+              <a:t>gulp.dest</a:t>
+            </a:r>
+            <a:r>
+              <a:rPr lang="en-US" sz="2400" b="1" dirty="0" smtClean="0">
+                <a:solidFill>
+                  <a:schemeClr val="accent5">
+                    <a:lumMod val="50000"/>
+                  </a:schemeClr>
+                </a:solidFill>
+              </a:rPr>
+              <a:t>('</a:t>
+            </a:r>
+            <a:r>
+              <a:rPr lang="en-US" sz="2400" b="1" dirty="0" err="1" smtClean="0">
+                <a:solidFill>
+                  <a:schemeClr val="accent5">
+                    <a:lumMod val="50000"/>
+                  </a:schemeClr>
+                </a:solidFill>
+              </a:rPr>
+              <a:t>src</a:t>
+            </a:r>
+            <a:r>
+              <a:rPr lang="en-US" sz="2400" b="1" dirty="0" smtClean="0">
+                <a:solidFill>
+                  <a:schemeClr val="accent5">
+                    <a:lumMod val="50000"/>
+                  </a:schemeClr>
+                </a:solidFill>
+              </a:rPr>
+              <a:t>'));</a:t>
+            </a:r>
+          </a:p>
+          <a:p>
+            <a:pPr algn="l"/>
+            <a:r>
+              <a:rPr lang="en-US" sz="2400" b="1" dirty="0" smtClean="0">
+                <a:solidFill>
+                  <a:schemeClr val="accent5">
+                    <a:lumMod val="50000"/>
+                  </a:schemeClr>
+                </a:solidFill>
+              </a:rPr>
+              <a:t>});</a:t>
+            </a:r>
+          </a:p>
+          <a:p>
+            <a:pPr algn="l"/>
+            <a:endParaRPr lang="en-US" sz="2400" b="1" dirty="0" smtClean="0">
+              <a:solidFill>
+                <a:schemeClr val="accent5">
+                  <a:lumMod val="50000"/>
+                </a:schemeClr>
+              </a:solidFill>
+            </a:endParaRPr>
+          </a:p>
+          <a:p>
+            <a:pPr algn="l"/>
+            <a:r>
+              <a:rPr lang="en-US" sz="2400" b="1" dirty="0" smtClean="0">
+                <a:solidFill>
+                  <a:schemeClr val="accent5">
+                    <a:lumMod val="50000"/>
+                  </a:schemeClr>
+                </a:solidFill>
+              </a:rPr>
+              <a:t>gulp.task('</a:t>
+            </a:r>
+            <a:r>
+              <a:rPr lang="en-US" sz="2400" b="1" dirty="0" err="1" smtClean="0">
+                <a:solidFill>
+                  <a:schemeClr val="accent5">
+                    <a:lumMod val="50000"/>
+                  </a:schemeClr>
+                </a:solidFill>
+              </a:rPr>
+              <a:t>watch',function</a:t>
+            </a:r>
+            <a:r>
+              <a:rPr lang="en-US" sz="2400" b="1" dirty="0" smtClean="0">
+                <a:solidFill>
+                  <a:schemeClr val="accent5">
+                    <a:lumMod val="50000"/>
+                  </a:schemeClr>
+                </a:solidFill>
+              </a:rPr>
+              <a:t>(){</a:t>
+            </a:r>
+          </a:p>
+          <a:p>
+            <a:pPr algn="l"/>
+            <a:r>
+              <a:rPr lang="en-US" sz="2400" b="1" dirty="0" smtClean="0">
+                <a:solidFill>
+                  <a:schemeClr val="accent5">
+                    <a:lumMod val="50000"/>
+                  </a:schemeClr>
+                </a:solidFill>
+              </a:rPr>
+              <a:t>    gulp.watch('JS/*.js',['</a:t>
+            </a:r>
+            <a:r>
+              <a:rPr lang="en-US" sz="2400" b="1" dirty="0" err="1" smtClean="0">
+                <a:solidFill>
+                  <a:schemeClr val="accent5">
+                    <a:lumMod val="50000"/>
+                  </a:schemeClr>
+                </a:solidFill>
+              </a:rPr>
+              <a:t>devjs</a:t>
+            </a:r>
+            <a:r>
+              <a:rPr lang="en-US" sz="2400" b="1" dirty="0" smtClean="0">
+                <a:solidFill>
+                  <a:schemeClr val="accent5">
+                    <a:lumMod val="50000"/>
+                  </a:schemeClr>
+                </a:solidFill>
+              </a:rPr>
+              <a:t>']);</a:t>
+            </a:r>
+          </a:p>
+          <a:p>
+            <a:pPr algn="l"/>
+            <a:r>
+              <a:rPr lang="en-US" sz="2400" b="1" dirty="0" smtClean="0">
+                <a:solidFill>
+                  <a:schemeClr val="accent5">
+                    <a:lumMod val="50000"/>
+                  </a:schemeClr>
+                </a:solidFill>
+              </a:rPr>
+              <a:t>})</a:t>
+            </a:r>
+          </a:p>
+          <a:p>
+            <a:pPr algn="l"/>
+            <a:endParaRPr lang="en-US" sz="2400" b="1" dirty="0" smtClean="0">
+              <a:solidFill>
+                <a:schemeClr val="accent5">
+                  <a:lumMod val="50000"/>
+                </a:schemeClr>
+              </a:solidFill>
+            </a:endParaRPr>
+          </a:p>
+          <a:p>
+            <a:pPr algn="l"/>
+            <a:r>
+              <a:rPr lang="en-US" sz="2400" b="1" dirty="0" smtClean="0">
+                <a:solidFill>
+                  <a:schemeClr val="accent5">
+                    <a:lumMod val="50000"/>
+                  </a:schemeClr>
+                </a:solidFill>
+              </a:rPr>
+              <a:t>g</a:t>
+            </a:r>
+            <a:r>
+              <a:rPr lang="en-US" sz="2400" b="1" dirty="0" smtClean="0">
+                <a:solidFill>
+                  <a:schemeClr val="accent5">
+                    <a:lumMod val="50000"/>
+                  </a:schemeClr>
+                </a:solidFill>
+              </a:rPr>
+              <a:t>ulp watch</a:t>
+            </a:r>
+            <a:endParaRPr lang="en-US" sz="2400" b="1" dirty="0" smtClean="0">
+              <a:solidFill>
+                <a:schemeClr val="accent5">
+                  <a:lumMod val="50000"/>
+                </a:schemeClr>
+              </a:solidFill>
+            </a:endParaRPr>
+          </a:p>
+        </p:txBody>
+      </p:sp>
+      <p:cxnSp>
+        <p:nvCxnSpPr>
+          <p:cNvPr id="4" name="Straight Arrow Connector 3"/>
+          <p:cNvCxnSpPr>
+            <a:endCxn id="6" idx="1"/>
+          </p:cNvCxnSpPr>
+          <p:nvPr/>
+        </p:nvCxnSpPr>
+        <p:spPr>
+          <a:xfrm flipV="1">
+            <a:off x="2057400" y="4000500"/>
+            <a:ext cx="3429000" cy="647700"/>
+          </a:xfrm>
+          <a:prstGeom prst="straightConnector1">
+            <a:avLst/>
+          </a:prstGeom>
+          <a:ln w="38100">
+            <a:solidFill>
+              <a:schemeClr val="accent2"/>
+            </a:solidFill>
+            <a:tailEnd type="arrow"/>
+          </a:ln>
+        </p:spPr>
+        <p:style>
+          <a:lnRef idx="1">
+            <a:schemeClr val="accent1"/>
+          </a:lnRef>
+          <a:fillRef idx="0">
+            <a:schemeClr val="accent1"/>
+          </a:fillRef>
+          <a:effectRef idx="0">
+            <a:schemeClr val="accent1"/>
+          </a:effectRef>
+          <a:fontRef idx="minor">
+            <a:schemeClr val="tx1"/>
+          </a:fontRef>
+        </p:style>
+      </p:cxnSp>
+      <p:cxnSp>
+        <p:nvCxnSpPr>
+          <p:cNvPr id="5" name="Straight Arrow Connector 4"/>
+          <p:cNvCxnSpPr/>
+          <p:nvPr/>
+        </p:nvCxnSpPr>
+        <p:spPr>
+          <a:xfrm flipV="1">
+            <a:off x="4724400" y="4953000"/>
+            <a:ext cx="990600" cy="152400"/>
+          </a:xfrm>
+          <a:prstGeom prst="straightConnector1">
+            <a:avLst/>
+          </a:prstGeom>
+          <a:ln w="38100">
+            <a:solidFill>
+              <a:schemeClr val="accent2"/>
+            </a:solidFill>
+            <a:tailEnd type="arrow"/>
+          </a:ln>
+        </p:spPr>
+        <p:style>
+          <a:lnRef idx="1">
+            <a:schemeClr val="accent1"/>
+          </a:lnRef>
+          <a:fillRef idx="0">
+            <a:schemeClr val="accent1"/>
+          </a:fillRef>
+          <a:effectRef idx="0">
+            <a:schemeClr val="accent1"/>
+          </a:effectRef>
+          <a:fontRef idx="minor">
+            <a:schemeClr val="tx1"/>
+          </a:fontRef>
+        </p:style>
+      </p:cxnSp>
+      <p:sp>
+        <p:nvSpPr>
+          <p:cNvPr id="6" name="Rounded Rectangle 5"/>
+          <p:cNvSpPr/>
+          <p:nvPr/>
+        </p:nvSpPr>
+        <p:spPr>
+          <a:xfrm>
+            <a:off x="5486400" y="3733800"/>
+            <a:ext cx="3352800" cy="533400"/>
+          </a:xfrm>
+          <a:prstGeom prst="roundRect">
+            <a:avLst/>
+          </a:prstGeom>
+          <a:solidFill>
+            <a:schemeClr val="tx1">
+              <a:lumMod val="65000"/>
+            </a:schemeClr>
+          </a:solidFill>
+          <a:ln>
+            <a:solidFill>
+              <a:schemeClr val="accent6">
+                <a:lumMod val="50000"/>
+              </a:schemeClr>
+            </a:solidFill>
+          </a:ln>
+        </p:spPr>
+        <p:style>
+          <a:lnRef idx="2">
+            <a:schemeClr val="accent1">
+              <a:shade val="50000"/>
+            </a:schemeClr>
+          </a:lnRef>
+          <a:fillRef idx="1">
+            <a:schemeClr val="accent1"/>
+          </a:fillRef>
+          <a:effectRef idx="0">
+            <a:schemeClr val="accent1"/>
+          </a:effectRef>
+          <a:fontRef idx="minor">
+            <a:schemeClr val="lt1"/>
+          </a:fontRef>
+        </p:style>
+        <p:txBody>
+          <a:bodyPr rtlCol="0" anchor="ctr"/>
+          <a:lstStyle/>
+          <a:p>
+            <a:r>
+              <a:rPr lang="en-US" dirty="0" smtClean="0">
+                <a:solidFill>
+                  <a:schemeClr val="accent6">
+                    <a:lumMod val="50000"/>
+                  </a:schemeClr>
+                </a:solidFill>
+              </a:rPr>
+              <a:t>Setting the Watch Function</a:t>
+            </a:r>
+            <a:endParaRPr lang="en-US" dirty="0">
+              <a:solidFill>
+                <a:schemeClr val="accent6">
+                  <a:lumMod val="50000"/>
+                </a:schemeClr>
+              </a:solidFill>
+            </a:endParaRPr>
+          </a:p>
+        </p:txBody>
+      </p:sp>
+      <p:sp>
+        <p:nvSpPr>
+          <p:cNvPr id="7" name="Rounded Rectangle 6"/>
+          <p:cNvSpPr/>
+          <p:nvPr/>
+        </p:nvSpPr>
+        <p:spPr>
+          <a:xfrm>
+            <a:off x="5791200" y="4648200"/>
+            <a:ext cx="3352800" cy="838200"/>
+          </a:xfrm>
+          <a:prstGeom prst="roundRect">
+            <a:avLst/>
+          </a:prstGeom>
+          <a:solidFill>
+            <a:schemeClr val="tx1">
+              <a:lumMod val="65000"/>
+            </a:schemeClr>
+          </a:solidFill>
+          <a:ln>
+            <a:solidFill>
+              <a:schemeClr val="accent6">
+                <a:lumMod val="50000"/>
+              </a:schemeClr>
+            </a:solidFill>
+          </a:ln>
+        </p:spPr>
+        <p:style>
+          <a:lnRef idx="2">
+            <a:schemeClr val="accent1">
+              <a:shade val="50000"/>
+            </a:schemeClr>
+          </a:lnRef>
+          <a:fillRef idx="1">
+            <a:schemeClr val="accent1"/>
+          </a:fillRef>
+          <a:effectRef idx="0">
+            <a:schemeClr val="accent1"/>
+          </a:effectRef>
+          <a:fontRef idx="minor">
+            <a:schemeClr val="lt1"/>
+          </a:fontRef>
+        </p:style>
+        <p:txBody>
+          <a:bodyPr rtlCol="0" anchor="ctr"/>
+          <a:lstStyle/>
+          <a:p>
+            <a:r>
+              <a:rPr lang="en-US" dirty="0" smtClean="0">
+                <a:solidFill>
+                  <a:schemeClr val="accent6">
+                    <a:lumMod val="50000"/>
+                  </a:schemeClr>
+                </a:solidFill>
+              </a:rPr>
+              <a:t>Run the </a:t>
+            </a:r>
+            <a:r>
+              <a:rPr lang="en-US" dirty="0" smtClean="0">
+                <a:solidFill>
+                  <a:schemeClr val="accent6">
+                    <a:lumMod val="50000"/>
+                  </a:schemeClr>
+                </a:solidFill>
+              </a:rPr>
+              <a:t>Task Array when file being watched changes</a:t>
+            </a:r>
+            <a:endParaRPr lang="en-US" dirty="0">
+              <a:solidFill>
+                <a:schemeClr val="accent6">
+                  <a:lumMod val="50000"/>
+                </a:schemeClr>
+              </a:solidFill>
+            </a:endParaRPr>
+          </a:p>
+        </p:txBody>
+      </p:sp>
+    </p:spTree>
+  </p:cSld>
+  <p:clrMapOvr>
+    <a:masterClrMapping/>
+  </p:clrMapOvr>
+</p:sld>
+</file>
+
+<file path=ppt/slides/slide18.xml><?xml version="1.0" encoding="utf-8"?>
+<p:sld xmlns:a="http://schemas.openxmlformats.org/drawingml/2006/main" xmlns:r="http://schemas.openxmlformats.org/officeDocument/2006/relationships" xmlns:p="http://schemas.openxmlformats.org/presentationml/2006/main">
+  <p:cSld>
+    <p:spTree>
+      <p:nvGrpSpPr>
+        <p:cNvPr id="1" name=""/>
+        <p:cNvGrpSpPr/>
+        <p:nvPr/>
+      </p:nvGrpSpPr>
+      <p:grpSpPr>
+        <a:xfrm>
+          <a:off x="0" y="0"/>
+          <a:ext cx="0" cy="0"/>
+          <a:chOff x="0" y="0"/>
+          <a:chExt cx="0" cy="0"/>
+        </a:xfrm>
+      </p:grpSpPr>
+      <p:sp>
+        <p:nvSpPr>
+          <p:cNvPr id="3" name="Subtitle 2"/>
+          <p:cNvSpPr>
+            <a:spLocks noGrp="1"/>
+          </p:cNvSpPr>
+          <p:nvPr>
+            <p:ph type="subTitle" idx="1"/>
+          </p:nvPr>
+        </p:nvSpPr>
+        <p:spPr>
+          <a:xfrm>
+            <a:off x="152400" y="228600"/>
+            <a:ext cx="8991600" cy="6629400"/>
+          </a:xfrm>
+        </p:spPr>
+        <p:txBody>
+          <a:bodyPr>
+            <a:normAutofit/>
+          </a:bodyPr>
+          <a:lstStyle/>
+          <a:p>
+            <a:pPr algn="l"/>
+            <a:endParaRPr lang="en-US" b="1" dirty="0" smtClean="0">
+              <a:solidFill>
+                <a:schemeClr val="accent5">
+                  <a:lumMod val="75000"/>
+                </a:schemeClr>
+              </a:solidFill>
+            </a:endParaRPr>
+          </a:p>
+          <a:p>
+            <a:pPr algn="l"/>
+            <a:r>
+              <a:rPr lang="en-US" b="1" dirty="0" smtClean="0">
+                <a:solidFill>
+                  <a:schemeClr val="bg1"/>
+                </a:solidFill>
+              </a:rPr>
+              <a:t>How to </a:t>
+            </a:r>
+            <a:r>
+              <a:rPr lang="en-US" b="1" dirty="0" smtClean="0">
+                <a:solidFill>
+                  <a:schemeClr val="bg1"/>
+                </a:solidFill>
+              </a:rPr>
+              <a:t>use SASS with Gulp?</a:t>
+            </a:r>
+            <a:endParaRPr lang="en-US" b="1" dirty="0" smtClean="0">
+              <a:solidFill>
+                <a:schemeClr val="bg1"/>
+              </a:solidFill>
+            </a:endParaRPr>
+          </a:p>
+          <a:p>
+            <a:pPr algn="l"/>
+            <a:endParaRPr lang="en-US" b="1" dirty="0" smtClean="0">
+              <a:solidFill>
+                <a:schemeClr val="bg1"/>
+              </a:solidFill>
+            </a:endParaRPr>
+          </a:p>
+          <a:p>
+            <a:pPr algn="l"/>
+            <a:r>
+              <a:rPr lang="en-US" sz="2400" b="1" dirty="0" smtClean="0">
+                <a:solidFill>
+                  <a:schemeClr val="accent5">
+                    <a:lumMod val="50000"/>
+                  </a:schemeClr>
+                </a:solidFill>
+              </a:rPr>
+              <a:t>var </a:t>
+            </a:r>
+            <a:r>
+              <a:rPr lang="en-US" sz="2400" b="1" dirty="0" smtClean="0">
+                <a:solidFill>
+                  <a:schemeClr val="accent5">
+                    <a:lumMod val="50000"/>
+                  </a:schemeClr>
+                </a:solidFill>
+              </a:rPr>
+              <a:t>sass=require</a:t>
+            </a:r>
+            <a:r>
+              <a:rPr lang="en-US" sz="2400" b="1" dirty="0" smtClean="0">
+                <a:solidFill>
+                  <a:schemeClr val="accent5">
+                    <a:lumMod val="50000"/>
+                  </a:schemeClr>
+                </a:solidFill>
+              </a:rPr>
+              <a:t>(</a:t>
+            </a:r>
+            <a:r>
+              <a:rPr lang="en-US" sz="2400" b="1" dirty="0" smtClean="0">
+                <a:solidFill>
+                  <a:schemeClr val="accent5">
+                    <a:lumMod val="50000"/>
+                  </a:schemeClr>
+                </a:solidFill>
+              </a:rPr>
+              <a:t>'gulp-sass');</a:t>
+            </a:r>
+          </a:p>
+          <a:p>
+            <a:pPr algn="l"/>
+            <a:endParaRPr lang="en-US" sz="2400" b="1" dirty="0" smtClean="0">
+              <a:solidFill>
+                <a:schemeClr val="accent5">
+                  <a:lumMod val="50000"/>
+                </a:schemeClr>
+              </a:solidFill>
+            </a:endParaRPr>
+          </a:p>
+          <a:p>
+            <a:pPr algn="l"/>
+            <a:r>
+              <a:rPr lang="en-US" sz="2400" b="1" dirty="0" smtClean="0">
+                <a:solidFill>
+                  <a:schemeClr val="accent5">
+                    <a:lumMod val="50000"/>
+                  </a:schemeClr>
+                </a:solidFill>
+              </a:rPr>
+              <a:t>gulp.task</a:t>
+            </a:r>
+            <a:r>
+              <a:rPr lang="en-US" sz="2400" b="1" dirty="0" smtClean="0">
+                <a:solidFill>
+                  <a:schemeClr val="accent5">
+                    <a:lumMod val="50000"/>
+                  </a:schemeClr>
+                </a:solidFill>
+              </a:rPr>
+              <a:t>(‘sass', function</a:t>
+            </a:r>
+            <a:r>
+              <a:rPr lang="en-US" sz="2400" b="1" dirty="0" smtClean="0">
+                <a:solidFill>
+                  <a:schemeClr val="accent5">
+                    <a:lumMod val="50000"/>
+                  </a:schemeClr>
+                </a:solidFill>
+              </a:rPr>
+              <a:t>(){</a:t>
+            </a:r>
+          </a:p>
+          <a:p>
+            <a:pPr algn="l"/>
+            <a:r>
+              <a:rPr lang="en-US" sz="2400" b="1" dirty="0" smtClean="0">
+                <a:solidFill>
+                  <a:schemeClr val="accent5">
+                    <a:lumMod val="50000"/>
+                  </a:schemeClr>
+                </a:solidFill>
+              </a:rPr>
+              <a:t>    return gulp.src</a:t>
+            </a:r>
+            <a:r>
+              <a:rPr lang="en-US" sz="2400" b="1" dirty="0" smtClean="0">
+                <a:solidFill>
+                  <a:schemeClr val="accent5">
+                    <a:lumMod val="50000"/>
+                  </a:schemeClr>
+                </a:solidFill>
+              </a:rPr>
+              <a:t>(‘</a:t>
+            </a:r>
+            <a:r>
+              <a:rPr lang="en-US" sz="2400" b="1" dirty="0" err="1" smtClean="0">
+                <a:solidFill>
+                  <a:schemeClr val="accent5">
+                    <a:lumMod val="50000"/>
+                  </a:schemeClr>
+                </a:solidFill>
+              </a:rPr>
+              <a:t>css</a:t>
+            </a:r>
+            <a:r>
+              <a:rPr lang="en-US" sz="2400" b="1" dirty="0" smtClean="0">
+                <a:solidFill>
+                  <a:schemeClr val="accent5">
+                    <a:lumMod val="50000"/>
+                  </a:schemeClr>
+                </a:solidFill>
+              </a:rPr>
+              <a:t>/</a:t>
+            </a:r>
+            <a:r>
+              <a:rPr lang="en-US" sz="2400" b="1" dirty="0" err="1" smtClean="0">
+                <a:solidFill>
+                  <a:schemeClr val="accent5">
+                    <a:lumMod val="50000"/>
+                  </a:schemeClr>
+                </a:solidFill>
+              </a:rPr>
+              <a:t>styles.scss</a:t>
+            </a:r>
+            <a:r>
+              <a:rPr lang="en-US" sz="2400" b="1" dirty="0" smtClean="0">
+                <a:solidFill>
+                  <a:schemeClr val="accent5">
+                    <a:lumMod val="50000"/>
+                  </a:schemeClr>
+                </a:solidFill>
+              </a:rPr>
+              <a:t>')</a:t>
+            </a:r>
+            <a:endParaRPr lang="en-US" sz="2400" b="1" dirty="0" smtClean="0">
+              <a:solidFill>
+                <a:schemeClr val="accent5">
+                  <a:lumMod val="50000"/>
+                </a:schemeClr>
+              </a:solidFill>
+            </a:endParaRPr>
+          </a:p>
+          <a:p>
+            <a:pPr algn="l"/>
+            <a:r>
+              <a:rPr lang="en-US" sz="2400" b="1" dirty="0" smtClean="0">
+                <a:solidFill>
+                  <a:schemeClr val="accent5">
+                    <a:lumMod val="50000"/>
+                  </a:schemeClr>
+                </a:solidFill>
+              </a:rPr>
+              <a:t>    .</a:t>
+            </a:r>
+            <a:r>
+              <a:rPr lang="en-US" sz="2400" b="1" dirty="0" smtClean="0">
+                <a:solidFill>
+                  <a:schemeClr val="accent5">
+                    <a:lumMod val="50000"/>
+                  </a:schemeClr>
+                </a:solidFill>
+              </a:rPr>
+              <a:t>pipe(sass())</a:t>
+            </a:r>
+            <a:endParaRPr lang="en-US" sz="2400" b="1" dirty="0" smtClean="0">
+              <a:solidFill>
+                <a:schemeClr val="accent5">
+                  <a:lumMod val="50000"/>
+                </a:schemeClr>
+              </a:solidFill>
+            </a:endParaRPr>
+          </a:p>
+          <a:p>
+            <a:pPr algn="l"/>
+            <a:r>
+              <a:rPr lang="en-US" sz="2400" b="1" dirty="0" smtClean="0">
+                <a:solidFill>
+                  <a:schemeClr val="accent5">
+                    <a:lumMod val="50000"/>
+                  </a:schemeClr>
+                </a:solidFill>
+              </a:rPr>
+              <a:t>    .pipe(</a:t>
+            </a:r>
+            <a:r>
+              <a:rPr lang="en-US" sz="2400" b="1" dirty="0" err="1" smtClean="0">
+                <a:solidFill>
+                  <a:schemeClr val="accent5">
+                    <a:lumMod val="50000"/>
+                  </a:schemeClr>
+                </a:solidFill>
+              </a:rPr>
+              <a:t>gulp.dest</a:t>
+            </a:r>
+            <a:r>
+              <a:rPr lang="en-US" sz="2400" b="1" dirty="0" smtClean="0">
+                <a:solidFill>
+                  <a:schemeClr val="accent5">
+                    <a:lumMod val="50000"/>
+                  </a:schemeClr>
+                </a:solidFill>
+              </a:rPr>
+              <a:t>('</a:t>
+            </a:r>
+            <a:r>
+              <a:rPr lang="en-US" sz="2400" b="1" dirty="0" err="1" smtClean="0">
+                <a:solidFill>
+                  <a:schemeClr val="accent5">
+                    <a:lumMod val="50000"/>
+                  </a:schemeClr>
+                </a:solidFill>
+              </a:rPr>
+              <a:t>src</a:t>
+            </a:r>
+            <a:r>
+              <a:rPr lang="en-US" sz="2400" b="1" dirty="0" smtClean="0">
+                <a:solidFill>
+                  <a:schemeClr val="accent5">
+                    <a:lumMod val="50000"/>
+                  </a:schemeClr>
+                </a:solidFill>
+              </a:rPr>
+              <a:t>'));</a:t>
+            </a:r>
+          </a:p>
+          <a:p>
+            <a:pPr algn="l"/>
+            <a:r>
+              <a:rPr lang="en-US" sz="2400" b="1" dirty="0" smtClean="0">
+                <a:solidFill>
+                  <a:schemeClr val="accent5">
+                    <a:lumMod val="50000"/>
+                  </a:schemeClr>
+                </a:solidFill>
+              </a:rPr>
+              <a:t>});</a:t>
+            </a:r>
+          </a:p>
+          <a:p>
+            <a:pPr algn="l"/>
+            <a:endParaRPr lang="en-US" sz="2400" b="1" dirty="0" smtClean="0">
+              <a:solidFill>
+                <a:schemeClr val="accent5">
+                  <a:lumMod val="50000"/>
+                </a:schemeClr>
+              </a:solidFill>
+            </a:endParaRPr>
+          </a:p>
+          <a:p>
+            <a:pPr algn="l"/>
+            <a:r>
+              <a:rPr lang="en-US" sz="2400" b="1" dirty="0" smtClean="0">
+                <a:solidFill>
+                  <a:schemeClr val="accent5">
+                    <a:lumMod val="50000"/>
+                  </a:schemeClr>
+                </a:solidFill>
+              </a:rPr>
+              <a:t>gulp.task('</a:t>
+            </a:r>
+            <a:r>
+              <a:rPr lang="en-US" sz="2400" b="1" dirty="0" err="1" smtClean="0">
+                <a:solidFill>
+                  <a:schemeClr val="accent5">
+                    <a:lumMod val="50000"/>
+                  </a:schemeClr>
+                </a:solidFill>
+              </a:rPr>
+              <a:t>watch',function</a:t>
+            </a:r>
+            <a:r>
+              <a:rPr lang="en-US" sz="2400" b="1" dirty="0" smtClean="0">
+                <a:solidFill>
+                  <a:schemeClr val="accent5">
+                    <a:lumMod val="50000"/>
+                  </a:schemeClr>
+                </a:solidFill>
+              </a:rPr>
+              <a:t>(){</a:t>
+            </a:r>
+          </a:p>
+          <a:p>
+            <a:pPr algn="l"/>
+            <a:r>
+              <a:rPr lang="en-US" sz="2400" b="1" dirty="0" smtClean="0">
+                <a:solidFill>
+                  <a:schemeClr val="accent5">
+                    <a:lumMod val="50000"/>
+                  </a:schemeClr>
+                </a:solidFill>
+              </a:rPr>
+              <a:t>    gulp.watch</a:t>
+            </a:r>
+            <a:r>
+              <a:rPr lang="en-US" sz="2400" b="1" dirty="0" smtClean="0">
+                <a:solidFill>
+                  <a:schemeClr val="accent5">
+                    <a:lumMod val="50000"/>
+                  </a:schemeClr>
+                </a:solidFill>
+              </a:rPr>
+              <a:t>(‘CSS/*.</a:t>
+            </a:r>
+            <a:r>
+              <a:rPr lang="en-US" sz="2400" b="1" dirty="0" err="1" smtClean="0">
+                <a:solidFill>
+                  <a:schemeClr val="accent5">
+                    <a:lumMod val="50000"/>
+                  </a:schemeClr>
+                </a:solidFill>
+              </a:rPr>
+              <a:t>scss</a:t>
+            </a:r>
+            <a:r>
+              <a:rPr lang="en-US" sz="2400" b="1" dirty="0" smtClean="0">
+                <a:solidFill>
+                  <a:schemeClr val="accent5">
+                    <a:lumMod val="50000"/>
+                  </a:schemeClr>
+                </a:solidFill>
+              </a:rPr>
+              <a:t>',[‘sass']);</a:t>
+            </a:r>
+            <a:endParaRPr lang="en-US" sz="2400" b="1" dirty="0" smtClean="0">
+              <a:solidFill>
+                <a:schemeClr val="accent5">
+                  <a:lumMod val="50000"/>
+                </a:schemeClr>
+              </a:solidFill>
+            </a:endParaRPr>
+          </a:p>
+          <a:p>
+            <a:pPr algn="l"/>
+            <a:r>
+              <a:rPr lang="en-US" sz="2400" b="1" dirty="0" smtClean="0">
+                <a:solidFill>
+                  <a:schemeClr val="accent5">
+                    <a:lumMod val="50000"/>
+                  </a:schemeClr>
+                </a:solidFill>
+              </a:rPr>
+              <a:t>})</a:t>
+            </a:r>
+          </a:p>
+          <a:p>
+            <a:pPr algn="l"/>
+            <a:endParaRPr lang="en-US" sz="2400" b="1" dirty="0" smtClean="0">
+              <a:solidFill>
+                <a:schemeClr val="accent5">
+                  <a:lumMod val="50000"/>
+                </a:schemeClr>
+              </a:solidFill>
+            </a:endParaRPr>
+          </a:p>
+          <a:p>
+            <a:pPr algn="l"/>
+            <a:r>
+              <a:rPr lang="en-US" sz="2400" b="1" dirty="0" smtClean="0">
+                <a:solidFill>
+                  <a:schemeClr val="accent5">
+                    <a:lumMod val="50000"/>
+                  </a:schemeClr>
+                </a:solidFill>
+              </a:rPr>
+              <a:t>g</a:t>
+            </a:r>
+            <a:r>
+              <a:rPr lang="en-US" sz="2400" b="1" dirty="0" smtClean="0">
+                <a:solidFill>
+                  <a:schemeClr val="accent5">
+                    <a:lumMod val="50000"/>
+                  </a:schemeClr>
+                </a:solidFill>
+              </a:rPr>
+              <a:t>ulp watch</a:t>
+            </a:r>
+            <a:endParaRPr lang="en-US" sz="2400" b="1" dirty="0" smtClean="0">
+              <a:solidFill>
+                <a:schemeClr val="accent5">
+                  <a:lumMod val="50000"/>
+                </a:schemeClr>
+              </a:solidFill>
+            </a:endParaRPr>
+          </a:p>
+        </p:txBody>
+      </p:sp>
+      <p:cxnSp>
+        <p:nvCxnSpPr>
+          <p:cNvPr id="4" name="Straight Arrow Connector 3"/>
+          <p:cNvCxnSpPr>
+            <a:endCxn id="6" idx="1"/>
+          </p:cNvCxnSpPr>
+          <p:nvPr/>
+        </p:nvCxnSpPr>
+        <p:spPr>
+          <a:xfrm flipV="1">
+            <a:off x="2057400" y="4000500"/>
+            <a:ext cx="3429000" cy="647700"/>
+          </a:xfrm>
+          <a:prstGeom prst="straightConnector1">
+            <a:avLst/>
+          </a:prstGeom>
+          <a:ln w="38100">
+            <a:solidFill>
+              <a:schemeClr val="accent2"/>
+            </a:solidFill>
+            <a:tailEnd type="arrow"/>
+          </a:ln>
+        </p:spPr>
+        <p:style>
+          <a:lnRef idx="1">
+            <a:schemeClr val="accent1"/>
+          </a:lnRef>
+          <a:fillRef idx="0">
+            <a:schemeClr val="accent1"/>
+          </a:fillRef>
+          <a:effectRef idx="0">
+            <a:schemeClr val="accent1"/>
+          </a:effectRef>
+          <a:fontRef idx="minor">
+            <a:schemeClr val="tx1"/>
+          </a:fontRef>
+        </p:style>
+      </p:cxnSp>
+      <p:cxnSp>
+        <p:nvCxnSpPr>
+          <p:cNvPr id="5" name="Straight Arrow Connector 4"/>
+          <p:cNvCxnSpPr/>
+          <p:nvPr/>
+        </p:nvCxnSpPr>
+        <p:spPr>
+          <a:xfrm flipV="1">
+            <a:off x="5257800" y="4953000"/>
+            <a:ext cx="457200" cy="76200"/>
+          </a:xfrm>
+          <a:prstGeom prst="straightConnector1">
+            <a:avLst/>
+          </a:prstGeom>
+          <a:ln w="38100">
+            <a:solidFill>
+              <a:schemeClr val="accent2"/>
+            </a:solidFill>
+            <a:tailEnd type="arrow"/>
+          </a:ln>
+        </p:spPr>
+        <p:style>
+          <a:lnRef idx="1">
+            <a:schemeClr val="accent1"/>
+          </a:lnRef>
+          <a:fillRef idx="0">
+            <a:schemeClr val="accent1"/>
+          </a:fillRef>
+          <a:effectRef idx="0">
+            <a:schemeClr val="accent1"/>
+          </a:effectRef>
+          <a:fontRef idx="minor">
+            <a:schemeClr val="tx1"/>
+          </a:fontRef>
+        </p:style>
+      </p:cxnSp>
+      <p:sp>
+        <p:nvSpPr>
+          <p:cNvPr id="6" name="Rounded Rectangle 5"/>
+          <p:cNvSpPr/>
+          <p:nvPr/>
+        </p:nvSpPr>
+        <p:spPr>
+          <a:xfrm>
+            <a:off x="5486400" y="3733800"/>
+            <a:ext cx="3352800" cy="533400"/>
+          </a:xfrm>
+          <a:prstGeom prst="roundRect">
+            <a:avLst/>
+          </a:prstGeom>
+          <a:solidFill>
+            <a:schemeClr val="tx1">
+              <a:lumMod val="65000"/>
+            </a:schemeClr>
+          </a:solidFill>
+          <a:ln>
+            <a:solidFill>
+              <a:schemeClr val="accent6">
+                <a:lumMod val="50000"/>
+              </a:schemeClr>
+            </a:solidFill>
+          </a:ln>
+        </p:spPr>
+        <p:style>
+          <a:lnRef idx="2">
+            <a:schemeClr val="accent1">
+              <a:shade val="50000"/>
+            </a:schemeClr>
+          </a:lnRef>
+          <a:fillRef idx="1">
+            <a:schemeClr val="accent1"/>
+          </a:fillRef>
+          <a:effectRef idx="0">
+            <a:schemeClr val="accent1"/>
+          </a:effectRef>
+          <a:fontRef idx="minor">
+            <a:schemeClr val="lt1"/>
+          </a:fontRef>
+        </p:style>
+        <p:txBody>
+          <a:bodyPr rtlCol="0" anchor="ctr"/>
+          <a:lstStyle/>
+          <a:p>
+            <a:r>
+              <a:rPr lang="en-US" dirty="0" smtClean="0">
+                <a:solidFill>
+                  <a:schemeClr val="accent6">
+                    <a:lumMod val="50000"/>
+                  </a:schemeClr>
+                </a:solidFill>
+              </a:rPr>
+              <a:t>Setting the Watch Function</a:t>
+            </a:r>
+            <a:endParaRPr lang="en-US" dirty="0">
+              <a:solidFill>
+                <a:schemeClr val="accent6">
+                  <a:lumMod val="50000"/>
+                </a:schemeClr>
+              </a:solidFill>
+            </a:endParaRPr>
+          </a:p>
+        </p:txBody>
+      </p:sp>
+      <p:sp>
+        <p:nvSpPr>
+          <p:cNvPr id="7" name="Rounded Rectangle 6"/>
+          <p:cNvSpPr/>
+          <p:nvPr/>
+        </p:nvSpPr>
+        <p:spPr>
+          <a:xfrm>
+            <a:off x="5791200" y="4648200"/>
+            <a:ext cx="3352800" cy="838200"/>
+          </a:xfrm>
+          <a:prstGeom prst="roundRect">
+            <a:avLst/>
+          </a:prstGeom>
+          <a:solidFill>
+            <a:schemeClr val="tx1">
+              <a:lumMod val="65000"/>
+            </a:schemeClr>
+          </a:solidFill>
+          <a:ln>
+            <a:solidFill>
+              <a:schemeClr val="accent6">
+                <a:lumMod val="50000"/>
+              </a:schemeClr>
+            </a:solidFill>
+          </a:ln>
+        </p:spPr>
+        <p:style>
+          <a:lnRef idx="2">
+            <a:schemeClr val="accent1">
+              <a:shade val="50000"/>
+            </a:schemeClr>
+          </a:lnRef>
+          <a:fillRef idx="1">
+            <a:schemeClr val="accent1"/>
+          </a:fillRef>
+          <a:effectRef idx="0">
+            <a:schemeClr val="accent1"/>
+          </a:effectRef>
+          <a:fontRef idx="minor">
+            <a:schemeClr val="lt1"/>
+          </a:fontRef>
+        </p:style>
+        <p:txBody>
+          <a:bodyPr rtlCol="0" anchor="ctr"/>
+          <a:lstStyle/>
+          <a:p>
+            <a:r>
+              <a:rPr lang="en-US" dirty="0" smtClean="0">
+                <a:solidFill>
+                  <a:schemeClr val="accent6">
+                    <a:lumMod val="50000"/>
+                  </a:schemeClr>
+                </a:solidFill>
+              </a:rPr>
+              <a:t>Run the </a:t>
+            </a:r>
+            <a:r>
+              <a:rPr lang="en-US" dirty="0" smtClean="0">
+                <a:solidFill>
+                  <a:schemeClr val="accent6">
+                    <a:lumMod val="50000"/>
+                  </a:schemeClr>
+                </a:solidFill>
+              </a:rPr>
+              <a:t>Task Array when file being watched changes</a:t>
+            </a:r>
+            <a:endParaRPr lang="en-US" dirty="0">
+              <a:solidFill>
+                <a:schemeClr val="accent6">
+                  <a:lumMod val="50000"/>
+                </a:schemeClr>
+              </a:solidFill>
+            </a:endParaRPr>
+          </a:p>
+        </p:txBody>
+      </p:sp>
+    </p:spTree>
+  </p:cSld>
+  <p:clrMapOvr>
+    <a:masterClrMapping/>
+  </p:clrMapOvr>
+</p:sld>
+</file>
+
+<file path=ppt/slides/slide19.xml><?xml version="1.0" encoding="utf-8"?>
+<p:sld xmlns:a="http://schemas.openxmlformats.org/drawingml/2006/main" xmlns:r="http://schemas.openxmlformats.org/officeDocument/2006/relationships" xmlns:p="http://schemas.openxmlformats.org/presentationml/2006/main">
+  <p:cSld>
+    <p:spTree>
+      <p:nvGrpSpPr>
+        <p:cNvPr id="1" name=""/>
+        <p:cNvGrpSpPr/>
+        <p:nvPr/>
+      </p:nvGrpSpPr>
+      <p:grpSpPr>
+        <a:xfrm>
+          <a:off x="0" y="0"/>
+          <a:ext cx="0" cy="0"/>
+          <a:chOff x="0" y="0"/>
+          <a:chExt cx="0" cy="0"/>
+        </a:xfrm>
+      </p:grpSpPr>
+      <p:sp>
+        <p:nvSpPr>
+          <p:cNvPr id="3" name="Subtitle 2"/>
+          <p:cNvSpPr>
+            <a:spLocks noGrp="1"/>
+          </p:cNvSpPr>
+          <p:nvPr>
+            <p:ph type="subTitle" idx="1"/>
+          </p:nvPr>
+        </p:nvSpPr>
+        <p:spPr>
+          <a:xfrm>
+            <a:off x="152400" y="228600"/>
+            <a:ext cx="8991600" cy="6629400"/>
+          </a:xfrm>
+        </p:spPr>
+        <p:txBody>
+          <a:bodyPr>
+            <a:normAutofit fontScale="85000" lnSpcReduction="20000"/>
+          </a:bodyPr>
+          <a:lstStyle/>
+          <a:p>
+            <a:pPr algn="l"/>
+            <a:endParaRPr lang="en-US" b="1" dirty="0" smtClean="0">
+              <a:solidFill>
+                <a:schemeClr val="accent5">
+                  <a:lumMod val="75000"/>
+                </a:schemeClr>
+              </a:solidFill>
+            </a:endParaRPr>
+          </a:p>
+          <a:p>
+            <a:pPr algn="l"/>
+            <a:r>
+              <a:rPr lang="en-US" b="1" dirty="0" smtClean="0">
+                <a:solidFill>
+                  <a:schemeClr val="bg1"/>
+                </a:solidFill>
+              </a:rPr>
+              <a:t>How </a:t>
+            </a:r>
+            <a:r>
+              <a:rPr lang="en-US" b="1" dirty="0" smtClean="0">
+                <a:solidFill>
+                  <a:schemeClr val="bg1"/>
+                </a:solidFill>
+              </a:rPr>
+              <a:t>can we use BrowserSync with Gulp?</a:t>
+            </a:r>
+            <a:endParaRPr lang="en-US" b="1" dirty="0" smtClean="0">
+              <a:solidFill>
+                <a:schemeClr val="bg1"/>
+              </a:solidFill>
+            </a:endParaRPr>
+          </a:p>
+          <a:p>
+            <a:pPr algn="l"/>
+            <a:endParaRPr lang="en-US" b="1" dirty="0" smtClean="0">
+              <a:solidFill>
+                <a:schemeClr val="bg1"/>
+              </a:solidFill>
+            </a:endParaRPr>
+          </a:p>
+          <a:p>
+            <a:pPr algn="l"/>
+            <a:r>
+              <a:rPr lang="en-US" sz="2400" b="1" dirty="0" smtClean="0">
+                <a:solidFill>
+                  <a:schemeClr val="accent5">
+                    <a:lumMod val="50000"/>
+                  </a:schemeClr>
+                </a:solidFill>
+              </a:rPr>
+              <a:t>var </a:t>
+            </a:r>
+            <a:r>
+              <a:rPr lang="en-US" sz="2400" b="1" dirty="0" smtClean="0">
+                <a:solidFill>
+                  <a:schemeClr val="accent5">
+                    <a:lumMod val="50000"/>
+                  </a:schemeClr>
+                </a:solidFill>
+              </a:rPr>
+              <a:t>browserSync=require(‘browser-sync);</a:t>
+            </a:r>
+          </a:p>
+          <a:p>
+            <a:pPr algn="l"/>
+            <a:endParaRPr lang="en-US" sz="2400" b="1" dirty="0" smtClean="0">
+              <a:solidFill>
+                <a:schemeClr val="accent5">
+                  <a:lumMod val="50000"/>
+                </a:schemeClr>
+              </a:solidFill>
+            </a:endParaRPr>
+          </a:p>
+          <a:p>
+            <a:pPr algn="l"/>
+            <a:r>
+              <a:rPr lang="en-US" sz="2400" b="1" dirty="0" smtClean="0">
+                <a:solidFill>
+                  <a:schemeClr val="accent5">
+                    <a:lumMod val="50000"/>
+                  </a:schemeClr>
+                </a:solidFill>
+              </a:rPr>
+              <a:t>gulp.task</a:t>
+            </a:r>
+            <a:r>
+              <a:rPr lang="en-US" sz="2400" b="1" dirty="0" smtClean="0">
+                <a:solidFill>
+                  <a:schemeClr val="accent5">
+                    <a:lumMod val="50000"/>
+                  </a:schemeClr>
+                </a:solidFill>
+              </a:rPr>
+              <a:t>(‘sass', function</a:t>
+            </a:r>
+            <a:r>
+              <a:rPr lang="en-US" sz="2400" b="1" dirty="0" smtClean="0">
+                <a:solidFill>
+                  <a:schemeClr val="accent5">
+                    <a:lumMod val="50000"/>
+                  </a:schemeClr>
+                </a:solidFill>
+              </a:rPr>
+              <a:t>(){</a:t>
+            </a:r>
+          </a:p>
+          <a:p>
+            <a:pPr algn="l"/>
+            <a:r>
+              <a:rPr lang="en-US" sz="2400" b="1" dirty="0" smtClean="0">
+                <a:solidFill>
+                  <a:schemeClr val="accent5">
+                    <a:lumMod val="50000"/>
+                  </a:schemeClr>
+                </a:solidFill>
+              </a:rPr>
+              <a:t>    return gulp.src</a:t>
+            </a:r>
+            <a:r>
+              <a:rPr lang="en-US" sz="2400" b="1" dirty="0" smtClean="0">
+                <a:solidFill>
+                  <a:schemeClr val="accent5">
+                    <a:lumMod val="50000"/>
+                  </a:schemeClr>
+                </a:solidFill>
+              </a:rPr>
+              <a:t>(‘</a:t>
+            </a:r>
+            <a:r>
+              <a:rPr lang="en-US" sz="2400" b="1" dirty="0" err="1" smtClean="0">
+                <a:solidFill>
+                  <a:schemeClr val="accent5">
+                    <a:lumMod val="50000"/>
+                  </a:schemeClr>
+                </a:solidFill>
+              </a:rPr>
+              <a:t>css</a:t>
+            </a:r>
+            <a:r>
+              <a:rPr lang="en-US" sz="2400" b="1" dirty="0" smtClean="0">
+                <a:solidFill>
+                  <a:schemeClr val="accent5">
+                    <a:lumMod val="50000"/>
+                  </a:schemeClr>
+                </a:solidFill>
+              </a:rPr>
+              <a:t>/</a:t>
+            </a:r>
+            <a:r>
+              <a:rPr lang="en-US" sz="2400" b="1" dirty="0" err="1" smtClean="0">
+                <a:solidFill>
+                  <a:schemeClr val="accent5">
+                    <a:lumMod val="50000"/>
+                  </a:schemeClr>
+                </a:solidFill>
+              </a:rPr>
+              <a:t>styles.scss</a:t>
+            </a:r>
+            <a:r>
+              <a:rPr lang="en-US" sz="2400" b="1" dirty="0" smtClean="0">
+                <a:solidFill>
+                  <a:schemeClr val="accent5">
+                    <a:lumMod val="50000"/>
+                  </a:schemeClr>
+                </a:solidFill>
+              </a:rPr>
+              <a:t>')</a:t>
+            </a:r>
+            <a:endParaRPr lang="en-US" sz="2400" b="1" dirty="0" smtClean="0">
+              <a:solidFill>
+                <a:schemeClr val="accent5">
+                  <a:lumMod val="50000"/>
+                </a:schemeClr>
+              </a:solidFill>
+            </a:endParaRPr>
+          </a:p>
+          <a:p>
+            <a:pPr algn="l"/>
+            <a:r>
+              <a:rPr lang="en-US" sz="2400" b="1" dirty="0" smtClean="0">
+                <a:solidFill>
+                  <a:schemeClr val="accent5">
+                    <a:lumMod val="50000"/>
+                  </a:schemeClr>
+                </a:solidFill>
+              </a:rPr>
+              <a:t>    .</a:t>
+            </a:r>
+            <a:r>
+              <a:rPr lang="en-US" sz="2400" b="1" dirty="0" smtClean="0">
+                <a:solidFill>
+                  <a:schemeClr val="accent5">
+                    <a:lumMod val="50000"/>
+                  </a:schemeClr>
+                </a:solidFill>
+              </a:rPr>
+              <a:t>pipe(sass())</a:t>
+            </a:r>
+            <a:endParaRPr lang="en-US" sz="2400" b="1" dirty="0" smtClean="0">
+              <a:solidFill>
+                <a:schemeClr val="accent5">
+                  <a:lumMod val="50000"/>
+                </a:schemeClr>
+              </a:solidFill>
+            </a:endParaRPr>
+          </a:p>
+          <a:p>
+            <a:pPr algn="l"/>
+            <a:r>
+              <a:rPr lang="en-US" sz="2400" b="1" dirty="0" smtClean="0">
+                <a:solidFill>
+                  <a:schemeClr val="accent5">
+                    <a:lumMod val="50000"/>
+                  </a:schemeClr>
+                </a:solidFill>
+              </a:rPr>
+              <a:t>    .pipe(</a:t>
+            </a:r>
+            <a:r>
+              <a:rPr lang="en-US" sz="2400" b="1" dirty="0" err="1" smtClean="0">
+                <a:solidFill>
+                  <a:schemeClr val="accent5">
+                    <a:lumMod val="50000"/>
+                  </a:schemeClr>
+                </a:solidFill>
+              </a:rPr>
+              <a:t>gulp.dest</a:t>
+            </a:r>
+            <a:r>
+              <a:rPr lang="en-US" sz="2400" b="1" dirty="0" smtClean="0">
+                <a:solidFill>
+                  <a:schemeClr val="accent5">
+                    <a:lumMod val="50000"/>
+                  </a:schemeClr>
+                </a:solidFill>
+              </a:rPr>
+              <a:t>('</a:t>
+            </a:r>
+            <a:r>
+              <a:rPr lang="en-US" sz="2400" b="1" dirty="0" err="1" smtClean="0">
+                <a:solidFill>
+                  <a:schemeClr val="accent5">
+                    <a:lumMod val="50000"/>
+                  </a:schemeClr>
+                </a:solidFill>
+              </a:rPr>
+              <a:t>src</a:t>
+            </a:r>
+            <a:r>
+              <a:rPr lang="en-US" sz="2400" b="1" dirty="0" smtClean="0">
+                <a:solidFill>
+                  <a:schemeClr val="accent5">
+                    <a:lumMod val="50000"/>
+                  </a:schemeClr>
+                </a:solidFill>
+              </a:rPr>
+              <a:t>'));</a:t>
+            </a:r>
+          </a:p>
+          <a:p>
+            <a:pPr algn="l"/>
+            <a:r>
+              <a:rPr lang="en-US" sz="2400" b="1" dirty="0" smtClean="0">
+                <a:solidFill>
+                  <a:schemeClr val="accent5">
+                    <a:lumMod val="50000"/>
+                  </a:schemeClr>
+                </a:solidFill>
+              </a:rPr>
+              <a:t>});</a:t>
+            </a:r>
+          </a:p>
+          <a:p>
+            <a:pPr algn="l"/>
+            <a:endParaRPr lang="en-US" sz="2400" b="1" dirty="0" smtClean="0">
+              <a:solidFill>
+                <a:schemeClr val="accent5">
+                  <a:lumMod val="50000"/>
+                </a:schemeClr>
+              </a:solidFill>
+            </a:endParaRPr>
+          </a:p>
+          <a:p>
+            <a:pPr algn="l"/>
+            <a:r>
+              <a:rPr lang="en-US" sz="2400" b="1" dirty="0" smtClean="0">
+                <a:solidFill>
+                  <a:schemeClr val="accent5">
+                    <a:lumMod val="50000"/>
+                  </a:schemeClr>
+                </a:solidFill>
+              </a:rPr>
+              <a:t>gulp.task(‘sass-watch‘ ,[‘sass'], </a:t>
+            </a:r>
+            <a:r>
+              <a:rPr lang="en-US" sz="2400" b="1" dirty="0" err="1" smtClean="0">
+                <a:solidFill>
+                  <a:schemeClr val="accent5">
+                    <a:lumMod val="50000"/>
+                  </a:schemeClr>
+                </a:solidFill>
+              </a:rPr>
+              <a:t>browserSync.reload</a:t>
+            </a:r>
+            <a:r>
+              <a:rPr lang="en-US" sz="2400" b="1" dirty="0" smtClean="0">
+                <a:solidFill>
+                  <a:schemeClr val="accent5">
+                    <a:lumMod val="50000"/>
+                  </a:schemeClr>
+                </a:solidFill>
+              </a:rPr>
+              <a:t>);</a:t>
+            </a:r>
+          </a:p>
+          <a:p>
+            <a:pPr algn="l"/>
+            <a:r>
+              <a:rPr lang="en-US" sz="2400" b="1" dirty="0" smtClean="0">
+                <a:solidFill>
+                  <a:schemeClr val="accent5">
+                    <a:lumMod val="50000"/>
+                  </a:schemeClr>
+                </a:solidFill>
+              </a:rPr>
+              <a:t>})</a:t>
+            </a:r>
+          </a:p>
+          <a:p>
+            <a:pPr algn="l"/>
+            <a:endParaRPr lang="en-US" sz="2400" b="1" dirty="0" smtClean="0">
+              <a:solidFill>
+                <a:schemeClr val="accent5">
+                  <a:lumMod val="50000"/>
+                </a:schemeClr>
+              </a:solidFill>
+            </a:endParaRPr>
+          </a:p>
+          <a:p>
+            <a:pPr algn="l"/>
+            <a:r>
+              <a:rPr lang="en-US" sz="2400" b="1" dirty="0" smtClean="0">
+                <a:solidFill>
+                  <a:schemeClr val="accent5">
+                    <a:lumMod val="50000"/>
+                  </a:schemeClr>
+                </a:solidFill>
+              </a:rPr>
+              <a:t>gulp.task</a:t>
+            </a:r>
+            <a:r>
+              <a:rPr lang="en-US" sz="2400" b="1" dirty="0" smtClean="0">
+                <a:solidFill>
+                  <a:schemeClr val="accent5">
+                    <a:lumMod val="50000"/>
+                  </a:schemeClr>
+                </a:solidFill>
+              </a:rPr>
+              <a:t>('watch',function(){</a:t>
+            </a:r>
+          </a:p>
+          <a:p>
+            <a:pPr algn="l"/>
+            <a:r>
+              <a:rPr lang="en-US" sz="2400" b="1" dirty="0" smtClean="0">
+                <a:solidFill>
+                  <a:schemeClr val="accent5">
+                    <a:lumMod val="50000"/>
+                  </a:schemeClr>
+                </a:solidFill>
+              </a:rPr>
+              <a:t> </a:t>
+            </a:r>
+            <a:r>
+              <a:rPr lang="en-US" sz="2400" b="1" dirty="0" smtClean="0">
+                <a:solidFill>
+                  <a:schemeClr val="accent5">
+                    <a:lumMod val="50000"/>
+                  </a:schemeClr>
+                </a:solidFill>
+              </a:rPr>
+              <a:t>   browserSync({</a:t>
+            </a:r>
+          </a:p>
+          <a:p>
+            <a:pPr algn="l"/>
+            <a:r>
+              <a:rPr lang="en-US" sz="2400" b="1" dirty="0" smtClean="0">
+                <a:solidFill>
+                  <a:schemeClr val="accent5">
+                    <a:lumMod val="50000"/>
+                  </a:schemeClr>
+                </a:solidFill>
+              </a:rPr>
+              <a:t>     server:{</a:t>
+            </a:r>
+          </a:p>
+          <a:p>
+            <a:pPr algn="l"/>
+            <a:r>
+              <a:rPr lang="en-US" sz="2400" b="1" dirty="0" smtClean="0">
+                <a:solidFill>
+                  <a:schemeClr val="accent5">
+                    <a:lumMod val="50000"/>
+                  </a:schemeClr>
+                </a:solidFill>
+              </a:rPr>
+              <a:t>     </a:t>
+            </a:r>
+            <a:r>
+              <a:rPr lang="en-US" sz="2400" b="1" dirty="0" err="1" smtClean="0">
+                <a:solidFill>
+                  <a:schemeClr val="accent5">
+                    <a:lumMod val="50000"/>
+                  </a:schemeClr>
+                </a:solidFill>
+              </a:rPr>
+              <a:t>baseDir</a:t>
+            </a:r>
+            <a:r>
+              <a:rPr lang="en-US" sz="2400" b="1" dirty="0" smtClean="0">
+                <a:solidFill>
+                  <a:schemeClr val="accent5">
+                    <a:lumMod val="50000"/>
+                  </a:schemeClr>
+                </a:solidFill>
+              </a:rPr>
+              <a:t> : ’</a:t>
+            </a:r>
+            <a:r>
+              <a:rPr lang="en-US" sz="2400" b="1" dirty="0" err="1" smtClean="0">
+                <a:solidFill>
+                  <a:schemeClr val="accent5">
+                    <a:lumMod val="50000"/>
+                  </a:schemeClr>
+                </a:solidFill>
+              </a:rPr>
+              <a:t>src</a:t>
+            </a:r>
+            <a:r>
+              <a:rPr lang="en-US" sz="2400" b="1" dirty="0" smtClean="0">
+                <a:solidFill>
+                  <a:schemeClr val="accent5">
+                    <a:lumMod val="50000"/>
+                  </a:schemeClr>
+                </a:solidFill>
+              </a:rPr>
+              <a:t>/’</a:t>
+            </a:r>
+          </a:p>
+          <a:p>
+            <a:pPr algn="l"/>
+            <a:r>
+              <a:rPr lang="en-US" sz="2400" b="1" dirty="0" smtClean="0">
+                <a:solidFill>
+                  <a:schemeClr val="accent5">
+                    <a:lumMod val="50000"/>
+                  </a:schemeClr>
+                </a:solidFill>
+              </a:rPr>
+              <a:t> </a:t>
+            </a:r>
+            <a:r>
+              <a:rPr lang="en-US" sz="2400" b="1" dirty="0" smtClean="0">
+                <a:solidFill>
+                  <a:schemeClr val="accent5">
+                    <a:lumMod val="50000"/>
+                  </a:schemeClr>
+                </a:solidFill>
+              </a:rPr>
+              <a:t>    }</a:t>
+            </a:r>
+            <a:endParaRPr lang="en-US" sz="2400" b="1" dirty="0" smtClean="0">
+              <a:solidFill>
+                <a:schemeClr val="accent5">
+                  <a:lumMod val="50000"/>
+                </a:schemeClr>
+              </a:solidFill>
+            </a:endParaRPr>
+          </a:p>
+          <a:p>
+            <a:pPr algn="l"/>
+            <a:r>
+              <a:rPr lang="en-US" sz="2400" b="1" dirty="0" smtClean="0">
+                <a:solidFill>
+                  <a:schemeClr val="accent5">
+                    <a:lumMod val="50000"/>
+                  </a:schemeClr>
+                </a:solidFill>
+              </a:rPr>
+              <a:t>     });</a:t>
+            </a:r>
+          </a:p>
+          <a:p>
+            <a:pPr algn="l"/>
+            <a:r>
+              <a:rPr lang="en-US" sz="2400" b="1" dirty="0" smtClean="0">
+                <a:solidFill>
+                  <a:schemeClr val="accent5">
+                    <a:lumMod val="50000"/>
+                  </a:schemeClr>
+                </a:solidFill>
+              </a:rPr>
+              <a:t>    gulp.watch(‘CSS/*.</a:t>
+            </a:r>
+            <a:r>
+              <a:rPr lang="en-US" sz="2400" b="1" dirty="0" err="1" smtClean="0">
+                <a:solidFill>
+                  <a:schemeClr val="accent5">
+                    <a:lumMod val="50000"/>
+                  </a:schemeClr>
+                </a:solidFill>
+              </a:rPr>
+              <a:t>scss</a:t>
+            </a:r>
+            <a:r>
+              <a:rPr lang="en-US" sz="2400" b="1" dirty="0" smtClean="0">
+                <a:solidFill>
+                  <a:schemeClr val="accent5">
+                    <a:lumMod val="50000"/>
+                  </a:schemeClr>
+                </a:solidFill>
+              </a:rPr>
+              <a:t>',[‘sass-watch']);</a:t>
+            </a:r>
+          </a:p>
+          <a:p>
+            <a:pPr algn="l"/>
+            <a:r>
+              <a:rPr lang="en-US" sz="2400" b="1" dirty="0" smtClean="0">
+                <a:solidFill>
+                  <a:schemeClr val="accent5">
+                    <a:lumMod val="50000"/>
+                  </a:schemeClr>
+                </a:solidFill>
+              </a:rPr>
+              <a:t>})</a:t>
+            </a:r>
+          </a:p>
+          <a:p>
+            <a:pPr algn="l"/>
+            <a:endParaRPr lang="en-US" sz="2400" b="1" dirty="0" smtClean="0">
+              <a:solidFill>
+                <a:schemeClr val="accent5">
+                  <a:lumMod val="50000"/>
+                </a:schemeClr>
+              </a:solidFill>
+            </a:endParaRPr>
+          </a:p>
+          <a:p>
+            <a:pPr algn="l"/>
+            <a:r>
+              <a:rPr lang="en-US" sz="2400" b="1" dirty="0" smtClean="0">
+                <a:solidFill>
+                  <a:schemeClr val="accent5">
+                    <a:lumMod val="50000"/>
+                  </a:schemeClr>
+                </a:solidFill>
+              </a:rPr>
+              <a:t>g</a:t>
+            </a:r>
+            <a:r>
+              <a:rPr lang="en-US" sz="2400" b="1" dirty="0" smtClean="0">
+                <a:solidFill>
+                  <a:schemeClr val="accent5">
+                    <a:lumMod val="50000"/>
+                  </a:schemeClr>
+                </a:solidFill>
+              </a:rPr>
+              <a:t>ulp watch</a:t>
+            </a:r>
+            <a:endParaRPr lang="en-US" sz="2400" b="1" dirty="0" smtClean="0">
+              <a:solidFill>
+                <a:schemeClr val="accent5">
+                  <a:lumMod val="50000"/>
+                </a:schemeClr>
+              </a:solidFill>
+            </a:endParaRPr>
+          </a:p>
+        </p:txBody>
+      </p:sp>
     </p:spTree>
   </p:cSld>
   <p:clrMapOvr>
@@ -4928,33 +9960,7 @@
                 <a:latin typeface="Century Gothic" pitchFamily="34" charset="0"/>
                 <a:cs typeface="Calibri" pitchFamily="34" charset="0"/>
               </a:rPr>
-              <a:t>How to reinitialize a git repository and </a:t>
-            </a:r>
-            <a:r>
-              <a:rPr lang="en-US" b="1" dirty="0" smtClean="0">
-                <a:solidFill>
-                  <a:schemeClr val="bg1">
-                    <a:lumMod val="95000"/>
-                    <a:lumOff val="5000"/>
-                  </a:schemeClr>
-                </a:solidFill>
-                <a:latin typeface="Century Gothic" pitchFamily="34" charset="0"/>
-                <a:cs typeface="Calibri" pitchFamily="34" charset="0"/>
-              </a:rPr>
-              <a:t>check so </a:t>
-            </a:r>
-            <a:r>
-              <a:rPr lang="en-US" b="1" dirty="0" smtClean="0">
-                <a:solidFill>
-                  <a:schemeClr val="bg1">
-                    <a:lumMod val="95000"/>
-                    <a:lumOff val="5000"/>
-                  </a:schemeClr>
-                </a:solidFill>
-                <a:latin typeface="Century Gothic" pitchFamily="34" charset="0"/>
-                <a:cs typeface="Calibri" pitchFamily="34" charset="0"/>
-              </a:rPr>
-              <a:t>that everything is synced up?</a:t>
+              <a:t>How to reinitialize a git repository and check so that everything is synced up?</a:t>
             </a:r>
           </a:p>
           <a:p>
@@ -4989,29 +9995,7 @@
                   </a:schemeClr>
                 </a:solidFill>
               </a:rPr>
-              <a:t>How to check the status of the local directory for </a:t>
-            </a:r>
-            <a:r>
-              <a:rPr lang="en-US" b="1" dirty="0" smtClean="0">
-                <a:solidFill>
-                  <a:schemeClr val="bg1">
-                    <a:lumMod val="95000"/>
-                    <a:lumOff val="5000"/>
-                  </a:schemeClr>
-                </a:solidFill>
-              </a:rPr>
-              <a:t>changed files</a:t>
-            </a:r>
-            <a:r>
-              <a:rPr lang="en-US" b="1" dirty="0" smtClean="0">
-                <a:solidFill>
-                  <a:schemeClr val="bg1">
-                    <a:lumMod val="95000"/>
-                    <a:lumOff val="5000"/>
-                  </a:schemeClr>
-                </a:solidFill>
-              </a:rPr>
-              <a:t>?</a:t>
+              <a:t>How to check the status of the local directory for changed files?</a:t>
             </a:r>
           </a:p>
           <a:p>
@@ -5061,6 +10045,328 @@
                 </a:schemeClr>
               </a:solidFill>
             </a:endParaRPr>
+          </a:p>
+        </p:txBody>
+      </p:sp>
+    </p:spTree>
+  </p:cSld>
+  <p:clrMapOvr>
+    <a:masterClrMapping/>
+  </p:clrMapOvr>
+</p:sld>
+</file>
+
+<file path=ppt/slides/slide20.xml><?xml version="1.0" encoding="utf-8"?>
+<p:sld xmlns:a="http://schemas.openxmlformats.org/drawingml/2006/main" xmlns:r="http://schemas.openxmlformats.org/officeDocument/2006/relationships" xmlns:p="http://schemas.openxmlformats.org/presentationml/2006/main">
+  <p:cSld>
+    <p:spTree>
+      <p:nvGrpSpPr>
+        <p:cNvPr id="1" name=""/>
+        <p:cNvGrpSpPr/>
+        <p:nvPr/>
+      </p:nvGrpSpPr>
+      <p:grpSpPr>
+        <a:xfrm>
+          <a:off x="0" y="0"/>
+          <a:ext cx="0" cy="0"/>
+          <a:chOff x="0" y="0"/>
+          <a:chExt cx="0" cy="0"/>
+        </a:xfrm>
+      </p:grpSpPr>
+      <p:sp>
+        <p:nvSpPr>
+          <p:cNvPr id="3" name="Subtitle 2"/>
+          <p:cNvSpPr>
+            <a:spLocks noGrp="1"/>
+          </p:cNvSpPr>
+          <p:nvPr>
+            <p:ph type="subTitle" idx="1"/>
+          </p:nvPr>
+        </p:nvSpPr>
+        <p:spPr>
+          <a:xfrm>
+            <a:off x="152400" y="228600"/>
+            <a:ext cx="8991600" cy="6629400"/>
+          </a:xfrm>
+        </p:spPr>
+        <p:txBody>
+          <a:bodyPr>
+            <a:normAutofit/>
+          </a:bodyPr>
+          <a:lstStyle/>
+          <a:p>
+            <a:pPr algn="l"/>
+            <a:endParaRPr lang="en-US" b="1" dirty="0" smtClean="0">
+              <a:solidFill>
+                <a:schemeClr val="accent5">
+                  <a:lumMod val="75000"/>
+                </a:schemeClr>
+              </a:solidFill>
+            </a:endParaRPr>
+          </a:p>
+          <a:p>
+            <a:pPr algn="l"/>
+            <a:r>
+              <a:rPr lang="en-US" b="1" dirty="0" smtClean="0">
+                <a:solidFill>
+                  <a:schemeClr val="bg1"/>
+                </a:solidFill>
+              </a:rPr>
+              <a:t>How </a:t>
+            </a:r>
+            <a:r>
+              <a:rPr lang="en-US" b="1" dirty="0" smtClean="0">
+                <a:solidFill>
+                  <a:schemeClr val="bg1"/>
+                </a:solidFill>
+              </a:rPr>
+              <a:t>can we do Error Handling with Gulp?</a:t>
+            </a:r>
+            <a:endParaRPr lang="en-US" b="1" dirty="0" smtClean="0">
+              <a:solidFill>
+                <a:schemeClr val="bg1"/>
+              </a:solidFill>
+            </a:endParaRPr>
+          </a:p>
+          <a:p>
+            <a:pPr algn="l"/>
+            <a:endParaRPr lang="en-US" b="1" dirty="0" smtClean="0">
+              <a:solidFill>
+                <a:schemeClr val="bg1"/>
+              </a:solidFill>
+            </a:endParaRPr>
+          </a:p>
+          <a:p>
+            <a:pPr algn="l"/>
+            <a:r>
+              <a:rPr lang="en-US" sz="2400" b="1" dirty="0" smtClean="0">
+                <a:solidFill>
+                  <a:schemeClr val="accent5">
+                    <a:lumMod val="50000"/>
+                  </a:schemeClr>
+                </a:solidFill>
+              </a:rPr>
+              <a:t>gulp.task(‘sass', function</a:t>
+            </a:r>
+            <a:r>
+              <a:rPr lang="en-US" sz="2400" b="1" dirty="0" smtClean="0">
+                <a:solidFill>
+                  <a:schemeClr val="accent5">
+                    <a:lumMod val="50000"/>
+                  </a:schemeClr>
+                </a:solidFill>
+              </a:rPr>
+              <a:t>(){</a:t>
+            </a:r>
+          </a:p>
+          <a:p>
+            <a:pPr algn="l"/>
+            <a:r>
+              <a:rPr lang="en-US" sz="2400" b="1" dirty="0" smtClean="0">
+                <a:solidFill>
+                  <a:schemeClr val="accent5">
+                    <a:lumMod val="50000"/>
+                  </a:schemeClr>
+                </a:solidFill>
+              </a:rPr>
+              <a:t>    return gulp.src</a:t>
+            </a:r>
+            <a:r>
+              <a:rPr lang="en-US" sz="2400" b="1" dirty="0" smtClean="0">
+                <a:solidFill>
+                  <a:schemeClr val="accent5">
+                    <a:lumMod val="50000"/>
+                  </a:schemeClr>
+                </a:solidFill>
+              </a:rPr>
+              <a:t>(‘</a:t>
+            </a:r>
+            <a:r>
+              <a:rPr lang="en-US" sz="2400" b="1" dirty="0" err="1" smtClean="0">
+                <a:solidFill>
+                  <a:schemeClr val="accent5">
+                    <a:lumMod val="50000"/>
+                  </a:schemeClr>
+                </a:solidFill>
+              </a:rPr>
+              <a:t>css</a:t>
+            </a:r>
+            <a:r>
+              <a:rPr lang="en-US" sz="2400" b="1" dirty="0" smtClean="0">
+                <a:solidFill>
+                  <a:schemeClr val="accent5">
+                    <a:lumMod val="50000"/>
+                  </a:schemeClr>
+                </a:solidFill>
+              </a:rPr>
+              <a:t>/</a:t>
+            </a:r>
+            <a:r>
+              <a:rPr lang="en-US" sz="2400" b="1" dirty="0" err="1" smtClean="0">
+                <a:solidFill>
+                  <a:schemeClr val="accent5">
+                    <a:lumMod val="50000"/>
+                  </a:schemeClr>
+                </a:solidFill>
+              </a:rPr>
+              <a:t>styles.scss</a:t>
+            </a:r>
+            <a:r>
+              <a:rPr lang="en-US" sz="2400" b="1" dirty="0" smtClean="0">
+                <a:solidFill>
+                  <a:schemeClr val="accent5">
+                    <a:lumMod val="50000"/>
+                  </a:schemeClr>
+                </a:solidFill>
+              </a:rPr>
+              <a:t>')</a:t>
+            </a:r>
+            <a:endParaRPr lang="en-US" sz="2400" b="1" dirty="0" smtClean="0">
+              <a:solidFill>
+                <a:schemeClr val="accent5">
+                  <a:lumMod val="50000"/>
+                </a:schemeClr>
+              </a:solidFill>
+            </a:endParaRPr>
+          </a:p>
+          <a:p>
+            <a:pPr algn="l"/>
+            <a:r>
+              <a:rPr lang="en-US" sz="2400" b="1" dirty="0" smtClean="0">
+                <a:solidFill>
+                  <a:schemeClr val="accent5">
+                    <a:lumMod val="50000"/>
+                  </a:schemeClr>
+                </a:solidFill>
+              </a:rPr>
+              <a:t>    .</a:t>
+            </a:r>
+            <a:r>
+              <a:rPr lang="en-US" sz="2400" b="1" dirty="0" smtClean="0">
+                <a:solidFill>
+                  <a:schemeClr val="accent5">
+                    <a:lumMod val="50000"/>
+                  </a:schemeClr>
+                </a:solidFill>
+              </a:rPr>
+              <a:t>pipe(sass())</a:t>
+            </a:r>
+          </a:p>
+          <a:p>
+            <a:pPr algn="l"/>
+            <a:r>
+              <a:rPr lang="en-US" sz="2400" b="1" dirty="0" smtClean="0">
+                <a:solidFill>
+                  <a:schemeClr val="accent5">
+                    <a:lumMod val="50000"/>
+                  </a:schemeClr>
+                </a:solidFill>
+              </a:rPr>
+              <a:t> </a:t>
+            </a:r>
+            <a:r>
+              <a:rPr lang="en-US" sz="2400" b="1" dirty="0" smtClean="0">
+                <a:solidFill>
+                  <a:schemeClr val="accent5">
+                    <a:lumMod val="50000"/>
+                  </a:schemeClr>
+                </a:solidFill>
+              </a:rPr>
+              <a:t>   .on(‘error’, </a:t>
+            </a:r>
+            <a:r>
+              <a:rPr lang="en-US" sz="2400" b="1" dirty="0" err="1" smtClean="0">
+                <a:solidFill>
+                  <a:schemeClr val="accent5">
+                    <a:lumMod val="50000"/>
+                  </a:schemeClr>
+                </a:solidFill>
+              </a:rPr>
+              <a:t>console.error.bind</a:t>
+            </a:r>
+            <a:r>
+              <a:rPr lang="en-US" sz="2400" b="1" dirty="0" smtClean="0">
+                <a:solidFill>
+                  <a:schemeClr val="accent5">
+                    <a:lumMod val="50000"/>
+                  </a:schemeClr>
+                </a:solidFill>
+              </a:rPr>
+              <a:t>(console))</a:t>
+            </a:r>
+            <a:endParaRPr lang="en-US" sz="2400" b="1" dirty="0" smtClean="0">
+              <a:solidFill>
+                <a:schemeClr val="accent5">
+                  <a:lumMod val="50000"/>
+                </a:schemeClr>
+              </a:solidFill>
+            </a:endParaRPr>
+          </a:p>
+          <a:p>
+            <a:pPr algn="l"/>
+            <a:r>
+              <a:rPr lang="en-US" sz="2400" b="1" dirty="0" smtClean="0">
+                <a:solidFill>
+                  <a:schemeClr val="accent5">
+                    <a:lumMod val="50000"/>
+                  </a:schemeClr>
+                </a:solidFill>
+              </a:rPr>
+              <a:t>    .pipe(</a:t>
+            </a:r>
+            <a:r>
+              <a:rPr lang="en-US" sz="2400" b="1" dirty="0" err="1" smtClean="0">
+                <a:solidFill>
+                  <a:schemeClr val="accent5">
+                    <a:lumMod val="50000"/>
+                  </a:schemeClr>
+                </a:solidFill>
+              </a:rPr>
+              <a:t>gulp.dest</a:t>
+            </a:r>
+            <a:r>
+              <a:rPr lang="en-US" sz="2400" b="1" dirty="0" smtClean="0">
+                <a:solidFill>
+                  <a:schemeClr val="accent5">
+                    <a:lumMod val="50000"/>
+                  </a:schemeClr>
+                </a:solidFill>
+              </a:rPr>
+              <a:t>('</a:t>
+            </a:r>
+            <a:r>
+              <a:rPr lang="en-US" sz="2400" b="1" dirty="0" err="1" smtClean="0">
+                <a:solidFill>
+                  <a:schemeClr val="accent5">
+                    <a:lumMod val="50000"/>
+                  </a:schemeClr>
+                </a:solidFill>
+              </a:rPr>
+              <a:t>src</a:t>
+            </a:r>
+            <a:r>
+              <a:rPr lang="en-US" sz="2400" b="1" dirty="0" smtClean="0">
+                <a:solidFill>
+                  <a:schemeClr val="accent5">
+                    <a:lumMod val="50000"/>
+                  </a:schemeClr>
+                </a:solidFill>
+              </a:rPr>
+              <a:t>'));</a:t>
+            </a:r>
+          </a:p>
+          <a:p>
+            <a:pPr algn="l"/>
+            <a:r>
+              <a:rPr lang="en-US" sz="2400" b="1" dirty="0" smtClean="0">
+                <a:solidFill>
+                  <a:schemeClr val="accent5">
+                    <a:lumMod val="50000"/>
+                  </a:schemeClr>
+                </a:solidFill>
+              </a:rPr>
+              <a:t>});</a:t>
+            </a:r>
           </a:p>
         </p:txBody>
       </p:sp>
@@ -5136,16 +10442,6 @@
               </a:rPr>
               <a:t>How to add a file to the repository?</a:t>
             </a:r>
-            <a:endParaRPr lang="en-US" b="1" dirty="0" smtClean="0">
-              <a:solidFill>
-                <a:schemeClr val="bg1">
-                  <a:lumMod val="95000"/>
-                  <a:lumOff val="5000"/>
-                </a:schemeClr>
-              </a:solidFill>
-              <a:latin typeface="Century Gothic" pitchFamily="34" charset="0"/>
-              <a:cs typeface="Calibri" pitchFamily="34" charset="0"/>
-            </a:endParaRPr>
           </a:p>
           <a:p>
             <a:pPr algn="l"/>
@@ -5157,29 +10453,19 @@
                   </a:schemeClr>
                 </a:solidFill>
               </a:rPr>
-              <a:t>git </a:t>
+              <a:t>git add FILENAME.Extension[</a:t>
             </a:r>
             <a:r>
               <a:rPr lang="en-US" b="1" dirty="0" smtClean="0">
                 <a:solidFill>
-                  <a:schemeClr val="accent6">
-                    <a:lumMod val="50000"/>
-                  </a:schemeClr>
-                </a:solidFill>
-              </a:rPr>
-              <a:t>add FILENAME.Extension[</a:t>
+                  <a:srgbClr val="FFFF00"/>
+                </a:solidFill>
+              </a:rPr>
+              <a:t>Case-Sensitive</a:t>
             </a:r>
             <a:r>
               <a:rPr lang="en-US" b="1" dirty="0" smtClean="0">
                 <a:solidFill>
-                  <a:srgbClr val="FFFF00"/>
-                </a:solidFill>
-              </a:rPr>
-              <a:t>Case-Sensitive</a:t>
-            </a:r>
-            <a:r>
-              <a:rPr lang="en-US" b="1" dirty="0" smtClean="0">
-                <a:solidFill>
                   <a:schemeClr val="accent6">
                     <a:lumMod val="50000"/>
                   </a:schemeClr>
@@ -5187,13 +10473,6 @@
               </a:rPr>
               <a:t>]</a:t>
             </a:r>
-            <a:endParaRPr lang="en-US" b="1" dirty="0" smtClean="0">
-              <a:solidFill>
-                <a:schemeClr val="accent6">
-                  <a:lumMod val="50000"/>
-                </a:schemeClr>
-              </a:solidFill>
-            </a:endParaRPr>
           </a:p>
           <a:p>
             <a:pPr algn="l"/>
@@ -5214,27 +10493,8 @@
                   </a:schemeClr>
                 </a:solidFill>
               </a:rPr>
-              <a:t>How </a:t>
-            </a:r>
-            <a:r>
-              <a:rPr lang="en-US" b="1" dirty="0" smtClean="0">
-                <a:solidFill>
-                  <a:schemeClr val="bg1">
-                    <a:lumMod val="95000"/>
-                    <a:lumOff val="5000"/>
-                  </a:schemeClr>
-                </a:solidFill>
-              </a:rPr>
-              <a:t>to commit changes in a file?</a:t>
-            </a:r>
-            <a:endParaRPr lang="en-US" b="1" dirty="0" smtClean="0">
-              <a:solidFill>
-                <a:schemeClr val="bg1">
-                  <a:lumMod val="95000"/>
-                  <a:lumOff val="5000"/>
-                </a:schemeClr>
-              </a:solidFill>
-            </a:endParaRPr>
+              <a:t>How to commit changes in a file?</a:t>
+            </a:r>
           </a:p>
           <a:p>
             <a:pPr algn="l"/>
@@ -5289,17 +10549,7 @@
                   </a:schemeClr>
                 </a:solidFill>
               </a:rPr>
-              <a:t>g</a:t>
-            </a:r>
-            <a:r>
-              <a:rPr lang="en-US" b="1" dirty="0" smtClean="0">
-                <a:solidFill>
-                  <a:schemeClr val="accent6">
-                    <a:lumMod val="50000"/>
-                  </a:schemeClr>
-                </a:solidFill>
-              </a:rPr>
-              <a:t>it push</a:t>
+              <a:t>git push</a:t>
             </a:r>
             <a:r>
               <a:rPr lang="en-US" b="1" dirty="0" smtClean="0">
@@ -5320,11 +10570,6 @@
               </a:rPr>
               <a:t>origin master[Optional recommended]</a:t>
             </a:r>
-            <a:endParaRPr lang="en-US" b="1" dirty="0" smtClean="0">
-              <a:solidFill>
-                <a:srgbClr val="FFFF00"/>
-              </a:solidFill>
-            </a:endParaRPr>
           </a:p>
           <a:p>
             <a:pPr algn="l"/>
@@ -5581,17 +10826,7 @@
                   </a:schemeClr>
                 </a:solidFill>
               </a:rPr>
-              <a:t>n</a:t>
-            </a:r>
-            <a:r>
-              <a:rPr lang="en-US" b="1" dirty="0" smtClean="0">
-                <a:solidFill>
-                  <a:schemeClr val="accent6">
-                    <a:lumMod val="50000"/>
-                  </a:schemeClr>
-                </a:solidFill>
-              </a:rPr>
-              <a:t>pm install bower –g</a:t>
+              <a:t>npm install bower –g</a:t>
             </a:r>
           </a:p>
           <a:p>
@@ -5615,40 +10850,7 @@
                   </a:schemeClr>
                 </a:solidFill>
               </a:rPr>
-              <a:t>How to install </a:t>
-            </a:r>
-            <a:r>
-              <a:rPr lang="en-US" b="1" dirty="0" smtClean="0">
-                <a:solidFill>
-                  <a:schemeClr val="bg1">
-                    <a:lumMod val="95000"/>
-                    <a:lumOff val="5000"/>
-                  </a:schemeClr>
-                </a:solidFill>
-              </a:rPr>
-              <a:t>bower locally in a folder </a:t>
-            </a:r>
-            <a:r>
-              <a:rPr lang="en-US" b="1" dirty="0" smtClean="0">
-                <a:solidFill>
-                  <a:schemeClr val="bg1">
-                    <a:lumMod val="95000"/>
-                    <a:lumOff val="5000"/>
-                  </a:schemeClr>
-                </a:solidFill>
-              </a:rPr>
-              <a:t>using npm</a:t>
-            </a:r>
-            <a:r>
-              <a:rPr lang="en-US" b="1" dirty="0" smtClean="0">
-                <a:solidFill>
-                  <a:schemeClr val="bg1">
-                    <a:lumMod val="95000"/>
-                    <a:lumOff val="5000"/>
-                  </a:schemeClr>
-                </a:solidFill>
-              </a:rPr>
-              <a:t>?</a:t>
+              <a:t>How to install bower locally in a folder using npm?</a:t>
             </a:r>
           </a:p>
           <a:p>
@@ -5765,17 +10967,7 @@
                   </a:schemeClr>
                 </a:solidFill>
               </a:rPr>
-              <a:t>b</a:t>
-            </a:r>
-            <a:r>
-              <a:rPr lang="en-US" b="1" dirty="0" smtClean="0">
-                <a:solidFill>
-                  <a:schemeClr val="tx1">
-                    <a:lumMod val="65000"/>
-                  </a:schemeClr>
-                </a:solidFill>
-              </a:rPr>
-              <a:t>ower is a front-end package manager for web.</a:t>
+              <a:t>bower is a front-end package manager for web.</a:t>
             </a:r>
           </a:p>
           <a:p>
@@ -5825,17 +11017,7 @@
                   </a:schemeClr>
                 </a:solidFill>
               </a:rPr>
-              <a:t>b</a:t>
-            </a:r>
-            <a:r>
-              <a:rPr lang="en-US" b="1" dirty="0" smtClean="0">
-                <a:solidFill>
-                  <a:schemeClr val="accent6">
-                    <a:lumMod val="50000"/>
-                  </a:schemeClr>
-                </a:solidFill>
-              </a:rPr>
-              <a:t>ower install PACKAGENAME</a:t>
+              <a:t>bower install PACKAGENAME</a:t>
             </a:r>
           </a:p>
           <a:p>
@@ -5868,52 +11050,20 @@
                   </a:schemeClr>
                 </a:solidFill>
               </a:rPr>
-              <a:t>How to </a:t>
-            </a:r>
+              <a:t>How to uninstall a package using bower?</a:t>
+            </a:r>
+          </a:p>
+          <a:p>
+            <a:pPr algn="l"/>
             <a:r>
               <a:rPr lang="en-US" b="1" dirty="0" smtClean="0">
                 <a:solidFill>
-                  <a:schemeClr val="bg1">
-                    <a:lumMod val="95000"/>
-                    <a:lumOff val="5000"/>
-                  </a:schemeClr>
-                </a:solidFill>
-              </a:rPr>
-              <a:t>uninstall </a:t>
-            </a:r>
-            <a:r>
-              <a:rPr lang="en-US" b="1" dirty="0" smtClean="0">
-                <a:solidFill>
-                  <a:schemeClr val="bg1">
-                    <a:lumMod val="95000"/>
-                    <a:lumOff val="5000"/>
-                  </a:schemeClr>
-                </a:solidFill>
-              </a:rPr>
-              <a:t>a package using bower?</a:t>
-            </a:r>
-          </a:p>
-          <a:p>
-            <a:pPr algn="l"/>
-            <a:r>
-              <a:rPr lang="en-US" b="1" dirty="0" smtClean="0">
-                <a:solidFill>
-                  <a:schemeClr val="accent6">
-                    <a:lumMod val="50000"/>
-                  </a:schemeClr>
-                </a:solidFill>
-              </a:rPr>
-              <a:t>bower uninstall </a:t>
-            </a:r>
-            <a:r>
-              <a:rPr lang="en-US" b="1" dirty="0" smtClean="0">
-                <a:solidFill>
-                  <a:schemeClr val="accent6">
-                    <a:lumMod val="50000"/>
-                  </a:schemeClr>
-                </a:solidFill>
-              </a:rPr>
-              <a:t>PACKAGENAME</a:t>
+                  <a:schemeClr val="accent6">
+                    <a:lumMod val="50000"/>
+                  </a:schemeClr>
+                </a:solidFill>
+              </a:rPr>
+              <a:t>bower uninstall PACKAGENAME</a:t>
             </a:r>
           </a:p>
           <a:p>
@@ -5994,17 +11144,7 @@
                   </a:schemeClr>
                 </a:solidFill>
               </a:rPr>
-              <a:t>b</a:t>
-            </a:r>
-            <a:r>
-              <a:rPr lang="en-US" b="1" dirty="0" smtClean="0">
-                <a:solidFill>
-                  <a:schemeClr val="accent6">
-                    <a:lumMod val="50000"/>
-                  </a:schemeClr>
-                </a:solidFill>
-              </a:rPr>
-              <a:t>ower list</a:t>
+              <a:t>bower list</a:t>
             </a:r>
           </a:p>
           <a:p>
@@ -6155,7 +11295,17 @@
                   </a:schemeClr>
                 </a:solidFill>
               </a:rPr>
-              <a:t>g</a:t>
+              <a:t>grunt is a Javascript task runner for different tasks. Grunt relies heavily on </a:t>
+            </a:r>
+            <a:r>
+              <a:rPr lang="en-US" b="1" dirty="0" smtClean="0">
+                <a:solidFill>
+                  <a:schemeClr val="accent6">
+                    <a:lumMod val="50000"/>
+                  </a:schemeClr>
+                </a:solidFill>
+              </a:rPr>
+              <a:t>Package.json</a:t>
             </a:r>
             <a:r>
               <a:rPr lang="en-US" b="1" dirty="0" smtClean="0">
@@ -6165,7 +11315,7 @@
                   </a:schemeClr>
                 </a:solidFill>
               </a:rPr>
-              <a:t>runt is a Javascript task runner for different tasks. Grunt relies heavily on </a:t>
+              <a:t> file so we can initialize it with </a:t>
             </a:r>
             <a:r>
               <a:rPr lang="en-US" b="1" dirty="0" smtClean="0">
@@ -6175,7 +11325,7 @@
                   </a:schemeClr>
                 </a:solidFill>
               </a:rPr>
-              <a:t>Package.json</a:t>
+              <a:t>npm init. </a:t>
             </a:r>
             <a:r>
               <a:rPr lang="en-US" b="1" dirty="0" smtClean="0">
@@ -6185,7 +11335,7 @@
                   </a:schemeClr>
                 </a:solidFill>
               </a:rPr>
-              <a:t> file so we can initialize it with </a:t>
+              <a:t>Grunt also requires</a:t>
             </a:r>
             <a:r>
               <a:rPr lang="en-US" b="1" dirty="0" smtClean="0">
@@ -6195,7 +11345,7 @@
                   </a:schemeClr>
                 </a:solidFill>
               </a:rPr>
-              <a:t>npm init. </a:t>
+              <a:t> Gruntfile.js</a:t>
             </a:r>
             <a:r>
               <a:rPr lang="en-US" b="1" dirty="0" smtClean="0">
@@ -6205,7 +11355,7 @@
                   </a:schemeClr>
                 </a:solidFill>
               </a:rPr>
-              <a:t>Grunt also requires</a:t>
+              <a:t> or </a:t>
             </a:r>
             <a:r>
               <a:rPr lang="en-US" b="1" dirty="0" smtClean="0">
@@ -6215,7 +11365,7 @@
                   </a:schemeClr>
                 </a:solidFill>
               </a:rPr>
-              <a:t> Gruntfile.js</a:t>
+              <a:t>Gruntfile.coffee</a:t>
             </a:r>
             <a:r>
               <a:rPr lang="en-US" b="1" dirty="0" smtClean="0">
@@ -6225,45 +11375,8 @@
                   </a:schemeClr>
                 </a:solidFill>
               </a:rPr>
-              <a:t> </a:t>
-            </a:r>
-            <a:r>
-              <a:rPr lang="en-US" b="1" dirty="0" smtClean="0">
-                <a:solidFill>
-                  <a:schemeClr val="tx1">
-                    <a:lumMod val="65000"/>
-                  </a:schemeClr>
-                </a:solidFill>
-              </a:rPr>
-              <a:t>or </a:t>
-            </a:r>
-            <a:r>
-              <a:rPr lang="en-US" b="1" dirty="0" smtClean="0">
-                <a:solidFill>
-                  <a:schemeClr val="accent6">
-                    <a:lumMod val="50000"/>
-                  </a:schemeClr>
-                </a:solidFill>
-              </a:rPr>
-              <a:t>Gruntfile.coffee</a:t>
-            </a:r>
-            <a:r>
-              <a:rPr lang="en-US" b="1" dirty="0" smtClean="0">
-                <a:solidFill>
-                  <a:schemeClr val="tx1">
-                    <a:lumMod val="65000"/>
-                  </a:schemeClr>
-                </a:solidFill>
-              </a:rPr>
               <a:t> and is used to configure or define tasks and load Grunt plugins.</a:t>
             </a:r>
-            <a:endParaRPr lang="en-US" b="1" dirty="0" smtClean="0">
-              <a:solidFill>
-                <a:schemeClr val="tx1">
-                  <a:lumMod val="65000"/>
-                </a:schemeClr>
-              </a:solidFill>
-            </a:endParaRPr>
           </a:p>
           <a:p>
             <a:pPr algn="l"/>
@@ -6299,17 +11412,7 @@
                   </a:schemeClr>
                 </a:solidFill>
               </a:rPr>
-              <a:t>npm install -g </a:t>
-            </a:r>
-            <a:r>
-              <a:rPr lang="en-US" b="1" dirty="0" smtClean="0">
-                <a:solidFill>
-                  <a:schemeClr val="accent6">
-                    <a:lumMod val="50000"/>
-                  </a:schemeClr>
-                </a:solidFill>
-              </a:rPr>
-              <a:t>grunt-</a:t>
+              <a:t>npm install -g grunt-</a:t>
             </a:r>
             <a:r>
               <a:rPr lang="en-US" b="1" dirty="0" err="1" smtClean="0">
@@ -6452,8 +11555,11 @@
                   </a:schemeClr>
                 </a:solidFill>
               </a:rPr>
-              <a:t>module.exports = </a:t>
-            </a:r>
+              <a:t>module.exports = function(grunt) </a:t>
+            </a:r>
+          </a:p>
+          <a:p>
+            <a:pPr algn="l"/>
             <a:r>
               <a:rPr lang="en-US" b="1" dirty="0" smtClean="0">
                 <a:solidFill>
@@ -6462,8 +11568,11 @@
                   </a:schemeClr>
                 </a:solidFill>
               </a:rPr>
-              <a:t>function(grunt</a:t>
-            </a:r>
+              <a:t>{</a:t>
+            </a:r>
+          </a:p>
+          <a:p>
+            <a:pPr algn="l"/>
             <a:r>
               <a:rPr lang="en-US" b="1" dirty="0" smtClean="0">
                 <a:solidFill>
@@ -6472,58 +11581,8 @@
                   </a:schemeClr>
                 </a:solidFill>
               </a:rPr>
-              <a:t>) </a:t>
-            </a:r>
-            <a:endParaRPr lang="en-US" b="1" dirty="0" smtClean="0">
-              <a:solidFill>
-                <a:schemeClr val="accent6">
-                  <a:lumMod val="50000"/>
-                </a:schemeClr>
-              </a:solidFill>
-            </a:endParaRPr>
-          </a:p>
-          <a:p>
-            <a:pPr algn="l"/>
-            <a:r>
-              <a:rPr lang="en-US" b="1" dirty="0" smtClean="0">
-                <a:solidFill>
-                  <a:schemeClr val="accent6">
-                    <a:lumMod val="50000"/>
-                  </a:schemeClr>
-                </a:solidFill>
-              </a:rPr>
-              <a:t>{</a:t>
-            </a:r>
-          </a:p>
-          <a:p>
-            <a:pPr algn="l"/>
-            <a:r>
-              <a:rPr lang="en-US" b="1" dirty="0" smtClean="0">
-                <a:solidFill>
-                  <a:schemeClr val="accent6">
-                    <a:lumMod val="50000"/>
-                  </a:schemeClr>
-                </a:solidFill>
-              </a:rPr>
-              <a:t> </a:t>
-            </a:r>
-            <a:r>
-              <a:rPr lang="en-US" b="1" dirty="0" smtClean="0">
-                <a:solidFill>
-                  <a:schemeClr val="accent6">
-                    <a:lumMod val="50000"/>
-                  </a:schemeClr>
-                </a:solidFill>
-              </a:rPr>
-              <a:t>// Do grunt-related things in here </a:t>
-            </a:r>
-            <a:endParaRPr lang="en-US" b="1" dirty="0" smtClean="0">
-              <a:solidFill>
-                <a:schemeClr val="accent6">
-                  <a:lumMod val="50000"/>
-                </a:schemeClr>
-              </a:solidFill>
-            </a:endParaRPr>
+              <a:t> // Do grunt-related things in here </a:t>
+            </a:r>
           </a:p>
           <a:p>
             <a:pPr algn="l"/>
@@ -6616,9 +11675,9 @@
           <a:prstGeom prst="straightConnector1">
             <a:avLst/>
           </a:prstGeom>
-          <a:ln>
+          <a:ln w="38100">
             <a:solidFill>
-              <a:srgbClr val="FFFF00"/>
+              <a:schemeClr val="accent2"/>
             </a:solidFill>
             <a:tailEnd type="arrow"/>
           </a:ln>
@@ -7040,13 +12099,6 @@
               </a:rPr>
               <a:t>});</a:t>
             </a:r>
-            <a:endParaRPr lang="en-US" b="1" dirty="0" smtClean="0">
-              <a:solidFill>
-                <a:schemeClr val="accent6">
-                  <a:lumMod val="50000"/>
-                </a:schemeClr>
-              </a:solidFill>
-            </a:endParaRPr>
           </a:p>
           <a:p>
             <a:pPr algn="l"/>
@@ -7078,8 +12130,11 @@
                   </a:schemeClr>
                 </a:solidFill>
               </a:rPr>
-              <a:t>-concat</a:t>
-            </a:r>
+              <a:t>-concat');</a:t>
+            </a:r>
+          </a:p>
+          <a:p>
+            <a:pPr algn="l"/>
             <a:r>
               <a:rPr lang="en-US" b="1" dirty="0" smtClean="0">
                 <a:solidFill>
@@ -7088,15 +12143,8 @@
                   </a:schemeClr>
                 </a:solidFill>
               </a:rPr>
-              <a:t>');</a:t>
-            </a:r>
-            <a:endParaRPr lang="en-US" b="1" dirty="0" smtClean="0">
-              <a:solidFill>
-                <a:schemeClr val="accent6">
-                  <a:lumMod val="50000"/>
-                </a:schemeClr>
-              </a:solidFill>
-            </a:endParaRPr>
+              <a:t>    </a:t>
+            </a:r>
           </a:p>
           <a:p>
             <a:pPr algn="l"/>
@@ -7108,7 +12156,7 @@
                   </a:schemeClr>
                 </a:solidFill>
               </a:rPr>
-              <a:t>    </a:t>
+              <a:t> grunt.registerTask('default',['concat']);</a:t>
             </a:r>
           </a:p>
           <a:p>
@@ -7121,48 +12169,8 @@
                   </a:schemeClr>
                 </a:solidFill>
               </a:rPr>
-              <a:t> </a:t>
-            </a:r>
-            <a:r>
-              <a:rPr lang="en-US" b="1" dirty="0" smtClean="0">
-                <a:solidFill>
-                  <a:schemeClr val="accent6">
-                    <a:lumMod val="50000"/>
-                  </a:schemeClr>
-                </a:solidFill>
-              </a:rPr>
-              <a:t>grunt.registerTask</a:t>
-            </a:r>
-            <a:r>
-              <a:rPr lang="en-US" b="1" dirty="0" smtClean="0">
-                <a:solidFill>
-                  <a:schemeClr val="accent6">
-                    <a:lumMod val="50000"/>
-                  </a:schemeClr>
-                </a:solidFill>
-              </a:rPr>
-              <a:t>('default',['concat']);</a:t>
-            </a:r>
-          </a:p>
-          <a:p>
-            <a:pPr algn="l"/>
-            <a:r>
-              <a:rPr lang="en-US" b="1" dirty="0" smtClean="0">
-                <a:solidFill>
-                  <a:schemeClr val="accent6">
-                    <a:lumMod val="50000"/>
-                  </a:schemeClr>
-                </a:solidFill>
-              </a:rPr>
               <a:t>}</a:t>
             </a:r>
-            <a:endParaRPr lang="en-US" b="1" dirty="0" smtClean="0">
-              <a:solidFill>
-                <a:schemeClr val="accent6">
-                  <a:lumMod val="50000"/>
-                </a:schemeClr>
-              </a:solidFill>
-            </a:endParaRPr>
           </a:p>
           <a:p>
             <a:pPr algn="l"/>
@@ -7303,9 +12311,9 @@
           <a:prstGeom prst="straightConnector1">
             <a:avLst/>
           </a:prstGeom>
-          <a:ln>
+          <a:ln w="38100">
             <a:solidFill>
-              <a:srgbClr val="FFFF00"/>
+              <a:schemeClr val="accent2"/>
             </a:solidFill>
             <a:tailEnd type="arrow"/>
           </a:ln>
